--- a/What is Bootstrap.pptx
+++ b/What is Bootstrap.pptx
@@ -25,6 +25,12 @@
     <p:sldId id="273" r:id="rId19"/>
     <p:sldId id="274" r:id="rId20"/>
     <p:sldId id="275" r:id="rId21"/>
+    <p:sldId id="276" r:id="rId22"/>
+    <p:sldId id="277" r:id="rId23"/>
+    <p:sldId id="278" r:id="rId24"/>
+    <p:sldId id="279" r:id="rId25"/>
+    <p:sldId id="280" r:id="rId26"/>
+    <p:sldId id="281" r:id="rId27"/>
   </p:sldIdLst>
   <p:sldSz cx="12192000" cy="6858000"/>
   <p:notesSz cx="6858000" cy="9144000"/>
@@ -278,7 +284,7 @@
           <a:p>
             <a:fld id="{C7A5561A-5692-4EBE-B4E1-7DDBA8836318}" type="datetimeFigureOut">
               <a:rPr lang="en-US" smtClean="0"/>
-              <a:t>12/20/2022</a:t>
+              <a:t>12/22/2022</a:t>
             </a:fld>
             <a:endParaRPr lang="en-US"/>
           </a:p>
@@ -476,7 +482,7 @@
           <a:p>
             <a:fld id="{C7A5561A-5692-4EBE-B4E1-7DDBA8836318}" type="datetimeFigureOut">
               <a:rPr lang="en-US" smtClean="0"/>
-              <a:t>12/20/2022</a:t>
+              <a:t>12/22/2022</a:t>
             </a:fld>
             <a:endParaRPr lang="en-US"/>
           </a:p>
@@ -684,7 +690,7 @@
           <a:p>
             <a:fld id="{C7A5561A-5692-4EBE-B4E1-7DDBA8836318}" type="datetimeFigureOut">
               <a:rPr lang="en-US" smtClean="0"/>
-              <a:t>12/20/2022</a:t>
+              <a:t>12/22/2022</a:t>
             </a:fld>
             <a:endParaRPr lang="en-US"/>
           </a:p>
@@ -882,7 +888,7 @@
           <a:p>
             <a:fld id="{C7A5561A-5692-4EBE-B4E1-7DDBA8836318}" type="datetimeFigureOut">
               <a:rPr lang="en-US" smtClean="0"/>
-              <a:t>12/20/2022</a:t>
+              <a:t>12/22/2022</a:t>
             </a:fld>
             <a:endParaRPr lang="en-US"/>
           </a:p>
@@ -1157,7 +1163,7 @@
           <a:p>
             <a:fld id="{C7A5561A-5692-4EBE-B4E1-7DDBA8836318}" type="datetimeFigureOut">
               <a:rPr lang="en-US" smtClean="0"/>
-              <a:t>12/20/2022</a:t>
+              <a:t>12/22/2022</a:t>
             </a:fld>
             <a:endParaRPr lang="en-US"/>
           </a:p>
@@ -1422,7 +1428,7 @@
           <a:p>
             <a:fld id="{C7A5561A-5692-4EBE-B4E1-7DDBA8836318}" type="datetimeFigureOut">
               <a:rPr lang="en-US" smtClean="0"/>
-              <a:t>12/20/2022</a:t>
+              <a:t>12/22/2022</a:t>
             </a:fld>
             <a:endParaRPr lang="en-US"/>
           </a:p>
@@ -1834,7 +1840,7 @@
           <a:p>
             <a:fld id="{C7A5561A-5692-4EBE-B4E1-7DDBA8836318}" type="datetimeFigureOut">
               <a:rPr lang="en-US" smtClean="0"/>
-              <a:t>12/20/2022</a:t>
+              <a:t>12/22/2022</a:t>
             </a:fld>
             <a:endParaRPr lang="en-US"/>
           </a:p>
@@ -1975,7 +1981,7 @@
           <a:p>
             <a:fld id="{C7A5561A-5692-4EBE-B4E1-7DDBA8836318}" type="datetimeFigureOut">
               <a:rPr lang="en-US" smtClean="0"/>
-              <a:t>12/20/2022</a:t>
+              <a:t>12/22/2022</a:t>
             </a:fld>
             <a:endParaRPr lang="en-US"/>
           </a:p>
@@ -2088,7 +2094,7 @@
           <a:p>
             <a:fld id="{C7A5561A-5692-4EBE-B4E1-7DDBA8836318}" type="datetimeFigureOut">
               <a:rPr lang="en-US" smtClean="0"/>
-              <a:t>12/20/2022</a:t>
+              <a:t>12/22/2022</a:t>
             </a:fld>
             <a:endParaRPr lang="en-US"/>
           </a:p>
@@ -2399,7 +2405,7 @@
           <a:p>
             <a:fld id="{C7A5561A-5692-4EBE-B4E1-7DDBA8836318}" type="datetimeFigureOut">
               <a:rPr lang="en-US" smtClean="0"/>
-              <a:t>12/20/2022</a:t>
+              <a:t>12/22/2022</a:t>
             </a:fld>
             <a:endParaRPr lang="en-US"/>
           </a:p>
@@ -2687,7 +2693,7 @@
           <a:p>
             <a:fld id="{C7A5561A-5692-4EBE-B4E1-7DDBA8836318}" type="datetimeFigureOut">
               <a:rPr lang="en-US" smtClean="0"/>
-              <a:t>12/20/2022</a:t>
+              <a:t>12/22/2022</a:t>
             </a:fld>
             <a:endParaRPr lang="en-US"/>
           </a:p>
@@ -2928,7 +2934,7 @@
           <a:p>
             <a:fld id="{C7A5561A-5692-4EBE-B4E1-7DDBA8836318}" type="datetimeFigureOut">
               <a:rPr lang="en-US" smtClean="0"/>
-              <a:t>12/20/2022</a:t>
+              <a:t>12/22/2022</a:t>
             </a:fld>
             <a:endParaRPr lang="en-US"/>
           </a:p>
@@ -8112,6 +8118,3992 @@
 </p:sld>
 </file>
 
+<file path=ppt/slides/slide21.xml><?xml version="1.0" encoding="utf-8"?>
+<p:sld xmlns:a="http://schemas.openxmlformats.org/drawingml/2006/main" xmlns:r="http://schemas.openxmlformats.org/officeDocument/2006/relationships" xmlns:p="http://schemas.openxmlformats.org/presentationml/2006/main">
+  <p:cSld>
+    <p:spTree>
+      <p:nvGrpSpPr>
+        <p:cNvPr id="1" name=""/>
+        <p:cNvGrpSpPr/>
+        <p:nvPr/>
+      </p:nvGrpSpPr>
+      <p:grpSpPr>
+        <a:xfrm>
+          <a:off x="0" y="0"/>
+          <a:ext cx="0" cy="0"/>
+          <a:chOff x="0" y="0"/>
+          <a:chExt cx="0" cy="0"/>
+        </a:xfrm>
+      </p:grpSpPr>
+      <p:sp>
+        <p:nvSpPr>
+          <p:cNvPr id="2" name="Title 1">
+            <a:extLst>
+              <a:ext uri="{FF2B5EF4-FFF2-40B4-BE49-F238E27FC236}">
+                <a16:creationId xmlns:a16="http://schemas.microsoft.com/office/drawing/2014/main" id="{2D128D53-E2DB-9992-8845-338FADC1A051}"/>
+              </a:ext>
+            </a:extLst>
+          </p:cNvPr>
+          <p:cNvSpPr>
+            <a:spLocks noGrp="1"/>
+          </p:cNvSpPr>
+          <p:nvPr>
+            <p:ph type="title"/>
+          </p:nvPr>
+        </p:nvSpPr>
+        <p:spPr>
+          <a:xfrm>
+            <a:off x="619833" y="365125"/>
+            <a:ext cx="10515600" cy="1325563"/>
+          </a:xfrm>
+        </p:spPr>
+        <p:txBody>
+          <a:bodyPr/>
+          <a:lstStyle/>
+          <a:p>
+            <a:r>
+              <a:rPr lang="en-US" dirty="0"/>
+              <a:t>Bootstrap: Offset class</a:t>
+            </a:r>
+          </a:p>
+        </p:txBody>
+      </p:sp>
+      <p:sp>
+        <p:nvSpPr>
+          <p:cNvPr id="4" name="Rectangle 3">
+            <a:extLst>
+              <a:ext uri="{FF2B5EF4-FFF2-40B4-BE49-F238E27FC236}">
+                <a16:creationId xmlns:a16="http://schemas.microsoft.com/office/drawing/2014/main" id="{7565152F-AB2D-AEE6-8E2F-B27487F02692}"/>
+              </a:ext>
+            </a:extLst>
+          </p:cNvPr>
+          <p:cNvSpPr/>
+          <p:nvPr/>
+        </p:nvSpPr>
+        <p:spPr>
+          <a:xfrm>
+            <a:off x="180834" y="1690688"/>
+            <a:ext cx="11792799" cy="1107103"/>
+          </a:xfrm>
+          <a:prstGeom prst="rect">
+            <a:avLst/>
+          </a:prstGeom>
+          <a:noFill/>
+        </p:spPr>
+        <p:style>
+          <a:lnRef idx="2">
+            <a:schemeClr val="accent6"/>
+          </a:lnRef>
+          <a:fillRef idx="1">
+            <a:schemeClr val="lt1"/>
+          </a:fillRef>
+          <a:effectRef idx="0">
+            <a:schemeClr val="accent6"/>
+          </a:effectRef>
+          <a:fontRef idx="minor">
+            <a:schemeClr val="dk1"/>
+          </a:fontRef>
+        </p:style>
+        <p:txBody>
+          <a:bodyPr rtlCol="0" anchor="ctr"/>
+          <a:lstStyle/>
+          <a:p>
+            <a:pPr algn="ctr"/>
+            <a:endParaRPr lang="en-US"/>
+          </a:p>
+        </p:txBody>
+      </p:sp>
+      <p:sp>
+        <p:nvSpPr>
+          <p:cNvPr id="5" name="Rectangle 4">
+            <a:extLst>
+              <a:ext uri="{FF2B5EF4-FFF2-40B4-BE49-F238E27FC236}">
+                <a16:creationId xmlns:a16="http://schemas.microsoft.com/office/drawing/2014/main" id="{05090722-51DB-7C31-3727-D20076726BC8}"/>
+              </a:ext>
+            </a:extLst>
+          </p:cNvPr>
+          <p:cNvSpPr/>
+          <p:nvPr/>
+        </p:nvSpPr>
+        <p:spPr>
+          <a:xfrm>
+            <a:off x="180834" y="1815152"/>
+            <a:ext cx="840475" cy="655093"/>
+          </a:xfrm>
+          <a:prstGeom prst="rect">
+            <a:avLst/>
+          </a:prstGeom>
+        </p:spPr>
+        <p:style>
+          <a:lnRef idx="2">
+            <a:schemeClr val="accent1">
+              <a:shade val="50000"/>
+            </a:schemeClr>
+          </a:lnRef>
+          <a:fillRef idx="1">
+            <a:schemeClr val="accent1"/>
+          </a:fillRef>
+          <a:effectRef idx="0">
+            <a:schemeClr val="accent1"/>
+          </a:effectRef>
+          <a:fontRef idx="minor">
+            <a:schemeClr val="lt1"/>
+          </a:fontRef>
+        </p:style>
+        <p:txBody>
+          <a:bodyPr rtlCol="0" anchor="ctr"/>
+          <a:lstStyle/>
+          <a:p>
+            <a:pPr algn="ctr"/>
+            <a:r>
+              <a:rPr lang="en-US" dirty="0"/>
+              <a:t>1</a:t>
+            </a:r>
+          </a:p>
+        </p:txBody>
+      </p:sp>
+      <p:sp>
+        <p:nvSpPr>
+          <p:cNvPr id="6" name="Rectangle 5">
+            <a:extLst>
+              <a:ext uri="{FF2B5EF4-FFF2-40B4-BE49-F238E27FC236}">
+                <a16:creationId xmlns:a16="http://schemas.microsoft.com/office/drawing/2014/main" id="{03A7DC41-7CE0-7203-604D-F5771734F7FA}"/>
+              </a:ext>
+            </a:extLst>
+          </p:cNvPr>
+          <p:cNvSpPr/>
+          <p:nvPr/>
+        </p:nvSpPr>
+        <p:spPr>
+          <a:xfrm>
+            <a:off x="1173709" y="1815152"/>
+            <a:ext cx="840475" cy="655093"/>
+          </a:xfrm>
+          <a:prstGeom prst="rect">
+            <a:avLst/>
+          </a:prstGeom>
+        </p:spPr>
+        <p:style>
+          <a:lnRef idx="2">
+            <a:schemeClr val="accent1">
+              <a:shade val="50000"/>
+            </a:schemeClr>
+          </a:lnRef>
+          <a:fillRef idx="1">
+            <a:schemeClr val="accent1"/>
+          </a:fillRef>
+          <a:effectRef idx="0">
+            <a:schemeClr val="accent1"/>
+          </a:effectRef>
+          <a:fontRef idx="minor">
+            <a:schemeClr val="lt1"/>
+          </a:fontRef>
+        </p:style>
+        <p:txBody>
+          <a:bodyPr rtlCol="0" anchor="ctr"/>
+          <a:lstStyle/>
+          <a:p>
+            <a:pPr algn="ctr"/>
+            <a:r>
+              <a:rPr lang="en-US" dirty="0"/>
+              <a:t>2</a:t>
+            </a:r>
+          </a:p>
+        </p:txBody>
+      </p:sp>
+      <p:sp>
+        <p:nvSpPr>
+          <p:cNvPr id="7" name="Rectangle 6">
+            <a:extLst>
+              <a:ext uri="{FF2B5EF4-FFF2-40B4-BE49-F238E27FC236}">
+                <a16:creationId xmlns:a16="http://schemas.microsoft.com/office/drawing/2014/main" id="{EB67BB7A-814F-5847-0FEC-5F37D1C6E378}"/>
+              </a:ext>
+            </a:extLst>
+          </p:cNvPr>
+          <p:cNvSpPr/>
+          <p:nvPr/>
+        </p:nvSpPr>
+        <p:spPr>
+          <a:xfrm>
+            <a:off x="2166584" y="1815151"/>
+            <a:ext cx="840475" cy="655093"/>
+          </a:xfrm>
+          <a:prstGeom prst="rect">
+            <a:avLst/>
+          </a:prstGeom>
+        </p:spPr>
+        <p:style>
+          <a:lnRef idx="2">
+            <a:schemeClr val="accent1">
+              <a:shade val="50000"/>
+            </a:schemeClr>
+          </a:lnRef>
+          <a:fillRef idx="1">
+            <a:schemeClr val="accent1"/>
+          </a:fillRef>
+          <a:effectRef idx="0">
+            <a:schemeClr val="accent1"/>
+          </a:effectRef>
+          <a:fontRef idx="minor">
+            <a:schemeClr val="lt1"/>
+          </a:fontRef>
+        </p:style>
+        <p:txBody>
+          <a:bodyPr rtlCol="0" anchor="ctr"/>
+          <a:lstStyle/>
+          <a:p>
+            <a:pPr algn="ctr"/>
+            <a:r>
+              <a:rPr lang="en-US" dirty="0"/>
+              <a:t>3</a:t>
+            </a:r>
+          </a:p>
+        </p:txBody>
+      </p:sp>
+      <p:sp>
+        <p:nvSpPr>
+          <p:cNvPr id="8" name="Rectangle 7">
+            <a:extLst>
+              <a:ext uri="{FF2B5EF4-FFF2-40B4-BE49-F238E27FC236}">
+                <a16:creationId xmlns:a16="http://schemas.microsoft.com/office/drawing/2014/main" id="{F13A2E75-E73A-0966-A6B4-3FE5CE0BA97C}"/>
+              </a:ext>
+            </a:extLst>
+          </p:cNvPr>
+          <p:cNvSpPr/>
+          <p:nvPr/>
+        </p:nvSpPr>
+        <p:spPr>
+          <a:xfrm>
+            <a:off x="3169692" y="1856094"/>
+            <a:ext cx="840475" cy="655093"/>
+          </a:xfrm>
+          <a:prstGeom prst="rect">
+            <a:avLst/>
+          </a:prstGeom>
+        </p:spPr>
+        <p:style>
+          <a:lnRef idx="2">
+            <a:schemeClr val="accent1">
+              <a:shade val="50000"/>
+            </a:schemeClr>
+          </a:lnRef>
+          <a:fillRef idx="1">
+            <a:schemeClr val="accent1"/>
+          </a:fillRef>
+          <a:effectRef idx="0">
+            <a:schemeClr val="accent1"/>
+          </a:effectRef>
+          <a:fontRef idx="minor">
+            <a:schemeClr val="lt1"/>
+          </a:fontRef>
+        </p:style>
+        <p:txBody>
+          <a:bodyPr rtlCol="0" anchor="ctr"/>
+          <a:lstStyle/>
+          <a:p>
+            <a:pPr algn="ctr"/>
+            <a:r>
+              <a:rPr lang="en-US" dirty="0"/>
+              <a:t>4</a:t>
+            </a:r>
+          </a:p>
+        </p:txBody>
+      </p:sp>
+      <p:sp>
+        <p:nvSpPr>
+          <p:cNvPr id="9" name="Rectangle 8">
+            <a:extLst>
+              <a:ext uri="{FF2B5EF4-FFF2-40B4-BE49-F238E27FC236}">
+                <a16:creationId xmlns:a16="http://schemas.microsoft.com/office/drawing/2014/main" id="{D38D1319-FAB4-B535-5A05-3B79F50D75F9}"/>
+              </a:ext>
+            </a:extLst>
+          </p:cNvPr>
+          <p:cNvSpPr/>
+          <p:nvPr/>
+        </p:nvSpPr>
+        <p:spPr>
+          <a:xfrm>
+            <a:off x="4162567" y="1856094"/>
+            <a:ext cx="840475" cy="655093"/>
+          </a:xfrm>
+          <a:prstGeom prst="rect">
+            <a:avLst/>
+          </a:prstGeom>
+        </p:spPr>
+        <p:style>
+          <a:lnRef idx="2">
+            <a:schemeClr val="accent1">
+              <a:shade val="50000"/>
+            </a:schemeClr>
+          </a:lnRef>
+          <a:fillRef idx="1">
+            <a:schemeClr val="accent1"/>
+          </a:fillRef>
+          <a:effectRef idx="0">
+            <a:schemeClr val="accent1"/>
+          </a:effectRef>
+          <a:fontRef idx="minor">
+            <a:schemeClr val="lt1"/>
+          </a:fontRef>
+        </p:style>
+        <p:txBody>
+          <a:bodyPr rtlCol="0" anchor="ctr"/>
+          <a:lstStyle/>
+          <a:p>
+            <a:pPr algn="ctr"/>
+            <a:r>
+              <a:rPr lang="en-US" dirty="0"/>
+              <a:t>5</a:t>
+            </a:r>
+          </a:p>
+        </p:txBody>
+      </p:sp>
+      <p:sp>
+        <p:nvSpPr>
+          <p:cNvPr id="10" name="Rectangle 9">
+            <a:extLst>
+              <a:ext uri="{FF2B5EF4-FFF2-40B4-BE49-F238E27FC236}">
+                <a16:creationId xmlns:a16="http://schemas.microsoft.com/office/drawing/2014/main" id="{28CDADAF-31EE-E8A0-C114-BD64C28637B6}"/>
+              </a:ext>
+            </a:extLst>
+          </p:cNvPr>
+          <p:cNvSpPr/>
+          <p:nvPr/>
+        </p:nvSpPr>
+        <p:spPr>
+          <a:xfrm>
+            <a:off x="5155442" y="1856093"/>
+            <a:ext cx="840475" cy="655093"/>
+          </a:xfrm>
+          <a:prstGeom prst="rect">
+            <a:avLst/>
+          </a:prstGeom>
+        </p:spPr>
+        <p:style>
+          <a:lnRef idx="2">
+            <a:schemeClr val="accent1">
+              <a:shade val="50000"/>
+            </a:schemeClr>
+          </a:lnRef>
+          <a:fillRef idx="1">
+            <a:schemeClr val="accent1"/>
+          </a:fillRef>
+          <a:effectRef idx="0">
+            <a:schemeClr val="accent1"/>
+          </a:effectRef>
+          <a:fontRef idx="minor">
+            <a:schemeClr val="lt1"/>
+          </a:fontRef>
+        </p:style>
+        <p:txBody>
+          <a:bodyPr rtlCol="0" anchor="ctr"/>
+          <a:lstStyle/>
+          <a:p>
+            <a:pPr algn="ctr"/>
+            <a:r>
+              <a:rPr lang="en-US" dirty="0"/>
+              <a:t>6</a:t>
+            </a:r>
+          </a:p>
+        </p:txBody>
+      </p:sp>
+      <p:sp>
+        <p:nvSpPr>
+          <p:cNvPr id="11" name="Rectangle 10">
+            <a:extLst>
+              <a:ext uri="{FF2B5EF4-FFF2-40B4-BE49-F238E27FC236}">
+                <a16:creationId xmlns:a16="http://schemas.microsoft.com/office/drawing/2014/main" id="{C34FE256-B898-D1F2-4F5C-3443BC688F0C}"/>
+              </a:ext>
+            </a:extLst>
+          </p:cNvPr>
+          <p:cNvSpPr/>
+          <p:nvPr/>
+        </p:nvSpPr>
+        <p:spPr>
+          <a:xfrm>
+            <a:off x="6158550" y="1896222"/>
+            <a:ext cx="840475" cy="655093"/>
+          </a:xfrm>
+          <a:prstGeom prst="rect">
+            <a:avLst/>
+          </a:prstGeom>
+        </p:spPr>
+        <p:style>
+          <a:lnRef idx="2">
+            <a:schemeClr val="accent1">
+              <a:shade val="50000"/>
+            </a:schemeClr>
+          </a:lnRef>
+          <a:fillRef idx="1">
+            <a:schemeClr val="accent1"/>
+          </a:fillRef>
+          <a:effectRef idx="0">
+            <a:schemeClr val="accent1"/>
+          </a:effectRef>
+          <a:fontRef idx="minor">
+            <a:schemeClr val="lt1"/>
+          </a:fontRef>
+        </p:style>
+        <p:txBody>
+          <a:bodyPr rtlCol="0" anchor="ctr"/>
+          <a:lstStyle/>
+          <a:p>
+            <a:pPr algn="ctr"/>
+            <a:r>
+              <a:rPr lang="en-US" dirty="0"/>
+              <a:t>7</a:t>
+            </a:r>
+          </a:p>
+        </p:txBody>
+      </p:sp>
+      <p:sp>
+        <p:nvSpPr>
+          <p:cNvPr id="12" name="Rectangle 11">
+            <a:extLst>
+              <a:ext uri="{FF2B5EF4-FFF2-40B4-BE49-F238E27FC236}">
+                <a16:creationId xmlns:a16="http://schemas.microsoft.com/office/drawing/2014/main" id="{4E045E53-44A0-54C7-ECE3-BBE24289CEB1}"/>
+              </a:ext>
+            </a:extLst>
+          </p:cNvPr>
+          <p:cNvSpPr/>
+          <p:nvPr/>
+        </p:nvSpPr>
+        <p:spPr>
+          <a:xfrm>
+            <a:off x="7151425" y="1896222"/>
+            <a:ext cx="840475" cy="655093"/>
+          </a:xfrm>
+          <a:prstGeom prst="rect">
+            <a:avLst/>
+          </a:prstGeom>
+        </p:spPr>
+        <p:style>
+          <a:lnRef idx="2">
+            <a:schemeClr val="accent1">
+              <a:shade val="50000"/>
+            </a:schemeClr>
+          </a:lnRef>
+          <a:fillRef idx="1">
+            <a:schemeClr val="accent1"/>
+          </a:fillRef>
+          <a:effectRef idx="0">
+            <a:schemeClr val="accent1"/>
+          </a:effectRef>
+          <a:fontRef idx="minor">
+            <a:schemeClr val="lt1"/>
+          </a:fontRef>
+        </p:style>
+        <p:txBody>
+          <a:bodyPr rtlCol="0" anchor="ctr"/>
+          <a:lstStyle/>
+          <a:p>
+            <a:pPr algn="ctr"/>
+            <a:r>
+              <a:rPr lang="en-US" dirty="0"/>
+              <a:t>8</a:t>
+            </a:r>
+          </a:p>
+        </p:txBody>
+      </p:sp>
+      <p:sp>
+        <p:nvSpPr>
+          <p:cNvPr id="13" name="Rectangle 12">
+            <a:extLst>
+              <a:ext uri="{FF2B5EF4-FFF2-40B4-BE49-F238E27FC236}">
+                <a16:creationId xmlns:a16="http://schemas.microsoft.com/office/drawing/2014/main" id="{06A1684B-9F6C-023A-D3D1-7AE6C3D3C8EB}"/>
+              </a:ext>
+            </a:extLst>
+          </p:cNvPr>
+          <p:cNvSpPr/>
+          <p:nvPr/>
+        </p:nvSpPr>
+        <p:spPr>
+          <a:xfrm>
+            <a:off x="8144300" y="1896221"/>
+            <a:ext cx="840475" cy="655093"/>
+          </a:xfrm>
+          <a:prstGeom prst="rect">
+            <a:avLst/>
+          </a:prstGeom>
+        </p:spPr>
+        <p:style>
+          <a:lnRef idx="2">
+            <a:schemeClr val="accent1">
+              <a:shade val="50000"/>
+            </a:schemeClr>
+          </a:lnRef>
+          <a:fillRef idx="1">
+            <a:schemeClr val="accent1"/>
+          </a:fillRef>
+          <a:effectRef idx="0">
+            <a:schemeClr val="accent1"/>
+          </a:effectRef>
+          <a:fontRef idx="minor">
+            <a:schemeClr val="lt1"/>
+          </a:fontRef>
+        </p:style>
+        <p:txBody>
+          <a:bodyPr rtlCol="0" anchor="ctr"/>
+          <a:lstStyle/>
+          <a:p>
+            <a:pPr algn="ctr"/>
+            <a:r>
+              <a:rPr lang="en-US" dirty="0"/>
+              <a:t>9</a:t>
+            </a:r>
+          </a:p>
+        </p:txBody>
+      </p:sp>
+      <p:sp>
+        <p:nvSpPr>
+          <p:cNvPr id="14" name="Rectangle 13">
+            <a:extLst>
+              <a:ext uri="{FF2B5EF4-FFF2-40B4-BE49-F238E27FC236}">
+                <a16:creationId xmlns:a16="http://schemas.microsoft.com/office/drawing/2014/main" id="{EF3BD60C-65ED-3592-A0AE-BCF6A09442CF}"/>
+              </a:ext>
+            </a:extLst>
+          </p:cNvPr>
+          <p:cNvSpPr/>
+          <p:nvPr/>
+        </p:nvSpPr>
+        <p:spPr>
+          <a:xfrm>
+            <a:off x="9147408" y="1937164"/>
+            <a:ext cx="840475" cy="655093"/>
+          </a:xfrm>
+          <a:prstGeom prst="rect">
+            <a:avLst/>
+          </a:prstGeom>
+        </p:spPr>
+        <p:style>
+          <a:lnRef idx="2">
+            <a:schemeClr val="accent1">
+              <a:shade val="50000"/>
+            </a:schemeClr>
+          </a:lnRef>
+          <a:fillRef idx="1">
+            <a:schemeClr val="accent1"/>
+          </a:fillRef>
+          <a:effectRef idx="0">
+            <a:schemeClr val="accent1"/>
+          </a:effectRef>
+          <a:fontRef idx="minor">
+            <a:schemeClr val="lt1"/>
+          </a:fontRef>
+        </p:style>
+        <p:txBody>
+          <a:bodyPr rtlCol="0" anchor="ctr"/>
+          <a:lstStyle/>
+          <a:p>
+            <a:pPr algn="ctr"/>
+            <a:r>
+              <a:rPr lang="en-US" dirty="0"/>
+              <a:t>10</a:t>
+            </a:r>
+          </a:p>
+        </p:txBody>
+      </p:sp>
+      <p:sp>
+        <p:nvSpPr>
+          <p:cNvPr id="15" name="Rectangle 14">
+            <a:extLst>
+              <a:ext uri="{FF2B5EF4-FFF2-40B4-BE49-F238E27FC236}">
+                <a16:creationId xmlns:a16="http://schemas.microsoft.com/office/drawing/2014/main" id="{B15C3C08-2B29-8D91-8CFF-769D357158B9}"/>
+              </a:ext>
+            </a:extLst>
+          </p:cNvPr>
+          <p:cNvSpPr/>
+          <p:nvPr/>
+        </p:nvSpPr>
+        <p:spPr>
+          <a:xfrm>
+            <a:off x="10140283" y="1937164"/>
+            <a:ext cx="840475" cy="655093"/>
+          </a:xfrm>
+          <a:prstGeom prst="rect">
+            <a:avLst/>
+          </a:prstGeom>
+        </p:spPr>
+        <p:style>
+          <a:lnRef idx="2">
+            <a:schemeClr val="accent1">
+              <a:shade val="50000"/>
+            </a:schemeClr>
+          </a:lnRef>
+          <a:fillRef idx="1">
+            <a:schemeClr val="accent1"/>
+          </a:fillRef>
+          <a:effectRef idx="0">
+            <a:schemeClr val="accent1"/>
+          </a:effectRef>
+          <a:fontRef idx="minor">
+            <a:schemeClr val="lt1"/>
+          </a:fontRef>
+        </p:style>
+        <p:txBody>
+          <a:bodyPr rtlCol="0" anchor="ctr"/>
+          <a:lstStyle/>
+          <a:p>
+            <a:pPr algn="ctr"/>
+            <a:r>
+              <a:rPr lang="en-US" dirty="0"/>
+              <a:t>11</a:t>
+            </a:r>
+          </a:p>
+        </p:txBody>
+      </p:sp>
+      <p:sp>
+        <p:nvSpPr>
+          <p:cNvPr id="16" name="Rectangle 15">
+            <a:extLst>
+              <a:ext uri="{FF2B5EF4-FFF2-40B4-BE49-F238E27FC236}">
+                <a16:creationId xmlns:a16="http://schemas.microsoft.com/office/drawing/2014/main" id="{5E3FE711-5A89-899A-046C-AE105F729002}"/>
+              </a:ext>
+            </a:extLst>
+          </p:cNvPr>
+          <p:cNvSpPr/>
+          <p:nvPr/>
+        </p:nvSpPr>
+        <p:spPr>
+          <a:xfrm>
+            <a:off x="11133158" y="1937163"/>
+            <a:ext cx="840475" cy="655093"/>
+          </a:xfrm>
+          <a:prstGeom prst="rect">
+            <a:avLst/>
+          </a:prstGeom>
+        </p:spPr>
+        <p:style>
+          <a:lnRef idx="2">
+            <a:schemeClr val="accent1">
+              <a:shade val="50000"/>
+            </a:schemeClr>
+          </a:lnRef>
+          <a:fillRef idx="1">
+            <a:schemeClr val="accent1"/>
+          </a:fillRef>
+          <a:effectRef idx="0">
+            <a:schemeClr val="accent1"/>
+          </a:effectRef>
+          <a:fontRef idx="minor">
+            <a:schemeClr val="lt1"/>
+          </a:fontRef>
+        </p:style>
+        <p:txBody>
+          <a:bodyPr rtlCol="0" anchor="ctr"/>
+          <a:lstStyle/>
+          <a:p>
+            <a:pPr algn="ctr"/>
+            <a:r>
+              <a:rPr lang="en-US" dirty="0"/>
+              <a:t>12</a:t>
+            </a:r>
+          </a:p>
+        </p:txBody>
+      </p:sp>
+      <p:sp>
+        <p:nvSpPr>
+          <p:cNvPr id="17" name="Rectangle 16">
+            <a:extLst>
+              <a:ext uri="{FF2B5EF4-FFF2-40B4-BE49-F238E27FC236}">
+                <a16:creationId xmlns:a16="http://schemas.microsoft.com/office/drawing/2014/main" id="{9DF49E6E-7E52-123D-6BD5-16C8B40F1900}"/>
+              </a:ext>
+            </a:extLst>
+          </p:cNvPr>
+          <p:cNvSpPr/>
+          <p:nvPr/>
+        </p:nvSpPr>
+        <p:spPr>
+          <a:xfrm>
+            <a:off x="409433" y="3780430"/>
+            <a:ext cx="11564200" cy="1107103"/>
+          </a:xfrm>
+          <a:prstGeom prst="rect">
+            <a:avLst/>
+          </a:prstGeom>
+          <a:noFill/>
+        </p:spPr>
+        <p:style>
+          <a:lnRef idx="2">
+            <a:schemeClr val="accent1">
+              <a:shade val="50000"/>
+            </a:schemeClr>
+          </a:lnRef>
+          <a:fillRef idx="1">
+            <a:schemeClr val="accent1"/>
+          </a:fillRef>
+          <a:effectRef idx="0">
+            <a:schemeClr val="accent1"/>
+          </a:effectRef>
+          <a:fontRef idx="minor">
+            <a:schemeClr val="lt1"/>
+          </a:fontRef>
+        </p:style>
+        <p:txBody>
+          <a:bodyPr rtlCol="0" anchor="ctr"/>
+          <a:lstStyle/>
+          <a:p>
+            <a:pPr algn="ctr"/>
+            <a:endParaRPr lang="en-US"/>
+          </a:p>
+        </p:txBody>
+      </p:sp>
+      <p:sp>
+        <p:nvSpPr>
+          <p:cNvPr id="18" name="Rectangle 17">
+            <a:extLst>
+              <a:ext uri="{FF2B5EF4-FFF2-40B4-BE49-F238E27FC236}">
+                <a16:creationId xmlns:a16="http://schemas.microsoft.com/office/drawing/2014/main" id="{B63D999F-867F-8E71-5E6F-829CE83E8461}"/>
+              </a:ext>
+            </a:extLst>
+          </p:cNvPr>
+          <p:cNvSpPr/>
+          <p:nvPr/>
+        </p:nvSpPr>
+        <p:spPr>
+          <a:xfrm>
+            <a:off x="3129891" y="3903259"/>
+            <a:ext cx="3600734" cy="861443"/>
+          </a:xfrm>
+          <a:prstGeom prst="rect">
+            <a:avLst/>
+          </a:prstGeom>
+        </p:spPr>
+        <p:style>
+          <a:lnRef idx="2">
+            <a:schemeClr val="accent6">
+              <a:shade val="50000"/>
+            </a:schemeClr>
+          </a:lnRef>
+          <a:fillRef idx="1">
+            <a:schemeClr val="accent6"/>
+          </a:fillRef>
+          <a:effectRef idx="0">
+            <a:schemeClr val="accent6"/>
+          </a:effectRef>
+          <a:fontRef idx="minor">
+            <a:schemeClr val="lt1"/>
+          </a:fontRef>
+        </p:style>
+        <p:txBody>
+          <a:bodyPr rtlCol="0" anchor="ctr"/>
+          <a:lstStyle/>
+          <a:p>
+            <a:pPr algn="ctr"/>
+            <a:r>
+              <a:rPr lang="en-US" sz="3600" dirty="0"/>
+              <a:t>.col-md-4</a:t>
+            </a:r>
+          </a:p>
+        </p:txBody>
+      </p:sp>
+      <p:sp>
+        <p:nvSpPr>
+          <p:cNvPr id="19" name="Rectangle 18">
+            <a:extLst>
+              <a:ext uri="{FF2B5EF4-FFF2-40B4-BE49-F238E27FC236}">
+                <a16:creationId xmlns:a16="http://schemas.microsoft.com/office/drawing/2014/main" id="{0218100F-81CD-CBB0-989E-9579357E9564}"/>
+              </a:ext>
+            </a:extLst>
+          </p:cNvPr>
+          <p:cNvSpPr/>
+          <p:nvPr/>
+        </p:nvSpPr>
+        <p:spPr>
+          <a:xfrm>
+            <a:off x="9147407" y="3903258"/>
+            <a:ext cx="2826225" cy="861443"/>
+          </a:xfrm>
+          <a:prstGeom prst="rect">
+            <a:avLst/>
+          </a:prstGeom>
+        </p:spPr>
+        <p:style>
+          <a:lnRef idx="2">
+            <a:schemeClr val="accent6">
+              <a:shade val="50000"/>
+            </a:schemeClr>
+          </a:lnRef>
+          <a:fillRef idx="1">
+            <a:schemeClr val="accent6"/>
+          </a:fillRef>
+          <a:effectRef idx="0">
+            <a:schemeClr val="accent6"/>
+          </a:effectRef>
+          <a:fontRef idx="minor">
+            <a:schemeClr val="lt1"/>
+          </a:fontRef>
+        </p:style>
+        <p:txBody>
+          <a:bodyPr rtlCol="0" anchor="ctr"/>
+          <a:lstStyle/>
+          <a:p>
+            <a:pPr algn="ctr"/>
+            <a:r>
+              <a:rPr lang="en-US" sz="3600" dirty="0"/>
+              <a:t>.col-md-3</a:t>
+            </a:r>
+          </a:p>
+        </p:txBody>
+      </p:sp>
+      <p:cxnSp>
+        <p:nvCxnSpPr>
+          <p:cNvPr id="21" name="Straight Arrow Connector 20">
+            <a:extLst>
+              <a:ext uri="{FF2B5EF4-FFF2-40B4-BE49-F238E27FC236}">
+                <a16:creationId xmlns:a16="http://schemas.microsoft.com/office/drawing/2014/main" id="{E75AAFF6-86E2-BFC2-0E50-55D48381DD75}"/>
+              </a:ext>
+            </a:extLst>
+          </p:cNvPr>
+          <p:cNvCxnSpPr/>
+          <p:nvPr/>
+        </p:nvCxnSpPr>
+        <p:spPr>
+          <a:xfrm>
+            <a:off x="619833" y="4312693"/>
+            <a:ext cx="2287140" cy="0"/>
+          </a:xfrm>
+          <a:prstGeom prst="straightConnector1">
+            <a:avLst/>
+          </a:prstGeom>
+          <a:ln>
+            <a:tailEnd type="triangle"/>
+          </a:ln>
+        </p:spPr>
+        <p:style>
+          <a:lnRef idx="1">
+            <a:schemeClr val="accent1"/>
+          </a:lnRef>
+          <a:fillRef idx="0">
+            <a:schemeClr val="accent1"/>
+          </a:fillRef>
+          <a:effectRef idx="0">
+            <a:schemeClr val="accent1"/>
+          </a:effectRef>
+          <a:fontRef idx="minor">
+            <a:schemeClr val="tx1"/>
+          </a:fontRef>
+        </p:style>
+      </p:cxnSp>
+      <p:cxnSp>
+        <p:nvCxnSpPr>
+          <p:cNvPr id="23" name="Straight Arrow Connector 22">
+            <a:extLst>
+              <a:ext uri="{FF2B5EF4-FFF2-40B4-BE49-F238E27FC236}">
+                <a16:creationId xmlns:a16="http://schemas.microsoft.com/office/drawing/2014/main" id="{FAC143FB-BE5F-A633-1362-D3A7169985EC}"/>
+              </a:ext>
+            </a:extLst>
+          </p:cNvPr>
+          <p:cNvCxnSpPr/>
+          <p:nvPr/>
+        </p:nvCxnSpPr>
+        <p:spPr>
+          <a:xfrm>
+            <a:off x="7151425" y="4312693"/>
+            <a:ext cx="1733268" cy="0"/>
+          </a:xfrm>
+          <a:prstGeom prst="straightConnector1">
+            <a:avLst/>
+          </a:prstGeom>
+          <a:ln>
+            <a:tailEnd type="triangle"/>
+          </a:ln>
+        </p:spPr>
+        <p:style>
+          <a:lnRef idx="1">
+            <a:schemeClr val="accent1"/>
+          </a:lnRef>
+          <a:fillRef idx="0">
+            <a:schemeClr val="accent1"/>
+          </a:fillRef>
+          <a:effectRef idx="0">
+            <a:schemeClr val="accent1"/>
+          </a:effectRef>
+          <a:fontRef idx="minor">
+            <a:schemeClr val="tx1"/>
+          </a:fontRef>
+        </p:style>
+      </p:cxnSp>
+    </p:spTree>
+    <p:extLst>
+      <p:ext uri="{BB962C8B-B14F-4D97-AF65-F5344CB8AC3E}">
+        <p14:creationId xmlns:p14="http://schemas.microsoft.com/office/powerpoint/2010/main" val="401553905"/>
+      </p:ext>
+    </p:extLst>
+  </p:cSld>
+  <p:clrMapOvr>
+    <a:masterClrMapping/>
+  </p:clrMapOvr>
+</p:sld>
+</file>
+
+<file path=ppt/slides/slide22.xml><?xml version="1.0" encoding="utf-8"?>
+<p:sld xmlns:a="http://schemas.openxmlformats.org/drawingml/2006/main" xmlns:r="http://schemas.openxmlformats.org/officeDocument/2006/relationships" xmlns:p="http://schemas.openxmlformats.org/presentationml/2006/main">
+  <p:cSld>
+    <p:spTree>
+      <p:nvGrpSpPr>
+        <p:cNvPr id="1" name=""/>
+        <p:cNvGrpSpPr/>
+        <p:nvPr/>
+      </p:nvGrpSpPr>
+      <p:grpSpPr>
+        <a:xfrm>
+          <a:off x="0" y="0"/>
+          <a:ext cx="0" cy="0"/>
+          <a:chOff x="0" y="0"/>
+          <a:chExt cx="0" cy="0"/>
+        </a:xfrm>
+      </p:grpSpPr>
+      <p:sp>
+        <p:nvSpPr>
+          <p:cNvPr id="2" name="Title 1">
+            <a:extLst>
+              <a:ext uri="{FF2B5EF4-FFF2-40B4-BE49-F238E27FC236}">
+                <a16:creationId xmlns:a16="http://schemas.microsoft.com/office/drawing/2014/main" id="{7A6EEEC2-EF1D-BA81-B960-A1FF862EB30E}"/>
+              </a:ext>
+            </a:extLst>
+          </p:cNvPr>
+          <p:cNvSpPr>
+            <a:spLocks noGrp="1"/>
+          </p:cNvSpPr>
+          <p:nvPr>
+            <p:ph type="title"/>
+          </p:nvPr>
+        </p:nvSpPr>
+        <p:spPr/>
+        <p:txBody>
+          <a:bodyPr/>
+          <a:lstStyle/>
+          <a:p>
+            <a:r>
+              <a:rPr lang="en-US" dirty="0"/>
+              <a:t>Offset class for different Break Points</a:t>
+            </a:r>
+          </a:p>
+        </p:txBody>
+      </p:sp>
+      <p:sp>
+        <p:nvSpPr>
+          <p:cNvPr id="3" name="Content Placeholder 2">
+            <a:extLst>
+              <a:ext uri="{FF2B5EF4-FFF2-40B4-BE49-F238E27FC236}">
+                <a16:creationId xmlns:a16="http://schemas.microsoft.com/office/drawing/2014/main" id="{C35D63F5-B1C8-75F5-1DC2-98A935E69545}"/>
+              </a:ext>
+            </a:extLst>
+          </p:cNvPr>
+          <p:cNvSpPr>
+            <a:spLocks noGrp="1"/>
+          </p:cNvSpPr>
+          <p:nvPr>
+            <p:ph idx="1"/>
+          </p:nvPr>
+        </p:nvSpPr>
+        <p:spPr>
+          <a:xfrm>
+            <a:off x="838199" y="1825625"/>
+            <a:ext cx="7555173" cy="4351338"/>
+          </a:xfrm>
+        </p:spPr>
+        <p:txBody>
+          <a:bodyPr/>
+          <a:lstStyle/>
+          <a:p>
+            <a:r>
+              <a:rPr lang="en-US" dirty="0"/>
+              <a:t>Extra large – offset-xl-* 		&gt;= 1200px</a:t>
+            </a:r>
+          </a:p>
+          <a:p>
+            <a:r>
+              <a:rPr lang="en-US" dirty="0"/>
+              <a:t>Large 	- offset-lg-*		&gt;= 992px</a:t>
+            </a:r>
+          </a:p>
+          <a:p>
+            <a:r>
+              <a:rPr lang="en-US" dirty="0"/>
+              <a:t>Medium	- offset-md-*	&gt;=768px</a:t>
+            </a:r>
+          </a:p>
+          <a:p>
+            <a:r>
+              <a:rPr lang="en-US" dirty="0"/>
+              <a:t>Small	- offset-</a:t>
+            </a:r>
+            <a:r>
+              <a:rPr lang="en-US" dirty="0" err="1"/>
+              <a:t>sm</a:t>
+            </a:r>
+            <a:r>
+              <a:rPr lang="en-US" dirty="0"/>
+              <a:t>-*	&gt;=576px</a:t>
+            </a:r>
+          </a:p>
+          <a:p>
+            <a:r>
+              <a:rPr lang="en-US" dirty="0"/>
+              <a:t>Extra small				&lt;576</a:t>
+            </a:r>
+          </a:p>
+        </p:txBody>
+      </p:sp>
+      <p:grpSp>
+        <p:nvGrpSpPr>
+          <p:cNvPr id="9" name="Group 8">
+            <a:extLst>
+              <a:ext uri="{FF2B5EF4-FFF2-40B4-BE49-F238E27FC236}">
+                <a16:creationId xmlns:a16="http://schemas.microsoft.com/office/drawing/2014/main" id="{1FB75910-4B6F-E9BA-BB93-7B8DB6F89600}"/>
+              </a:ext>
+            </a:extLst>
+          </p:cNvPr>
+          <p:cNvGrpSpPr/>
+          <p:nvPr/>
+        </p:nvGrpSpPr>
+        <p:grpSpPr>
+          <a:xfrm>
+            <a:off x="9588689" y="2159230"/>
+            <a:ext cx="1765111" cy="2539539"/>
+            <a:chOff x="6751092" y="1825625"/>
+            <a:chExt cx="1765111" cy="2539539"/>
+          </a:xfrm>
+        </p:grpSpPr>
+        <p:sp>
+          <p:nvSpPr>
+            <p:cNvPr id="4" name="Rectangle 3">
+              <a:extLst>
+                <a:ext uri="{FF2B5EF4-FFF2-40B4-BE49-F238E27FC236}">
+                  <a16:creationId xmlns:a16="http://schemas.microsoft.com/office/drawing/2014/main" id="{16CD4601-3D37-08DB-246A-C6F4755BF0F5}"/>
+                </a:ext>
+              </a:extLst>
+            </p:cNvPr>
+            <p:cNvSpPr/>
+            <p:nvPr/>
+          </p:nvSpPr>
+          <p:spPr>
+            <a:xfrm>
+              <a:off x="6878472" y="1825625"/>
+              <a:ext cx="1637731" cy="453551"/>
+            </a:xfrm>
+            <a:prstGeom prst="rect">
+              <a:avLst/>
+            </a:prstGeom>
+          </p:spPr>
+          <p:style>
+            <a:lnRef idx="2">
+              <a:schemeClr val="accent2">
+                <a:shade val="50000"/>
+              </a:schemeClr>
+            </a:lnRef>
+            <a:fillRef idx="1">
+              <a:schemeClr val="accent2"/>
+            </a:fillRef>
+            <a:effectRef idx="0">
+              <a:schemeClr val="accent2"/>
+            </a:effectRef>
+            <a:fontRef idx="minor">
+              <a:schemeClr val="lt1"/>
+            </a:fontRef>
+          </p:style>
+          <p:txBody>
+            <a:bodyPr rtlCol="0" anchor="ctr"/>
+            <a:lstStyle/>
+            <a:p>
+              <a:pPr algn="ctr"/>
+              <a:r>
+                <a:rPr lang="en-US" dirty="0">
+                  <a:ln w="0"/>
+                  <a:solidFill>
+                    <a:schemeClr val="tx1"/>
+                  </a:solidFill>
+                  <a:effectLst>
+                    <a:outerShdw blurRad="38100" dist="19050" dir="2700000" algn="tl" rotWithShape="0">
+                      <a:schemeClr val="dk1">
+                        <a:alpha val="40000"/>
+                      </a:schemeClr>
+                    </a:outerShdw>
+                  </a:effectLst>
+                </a:rPr>
+                <a:t>1140px</a:t>
+              </a:r>
+            </a:p>
+          </p:txBody>
+        </p:sp>
+        <p:sp>
+          <p:nvSpPr>
+            <p:cNvPr id="5" name="Rectangle 4">
+              <a:extLst>
+                <a:ext uri="{FF2B5EF4-FFF2-40B4-BE49-F238E27FC236}">
+                  <a16:creationId xmlns:a16="http://schemas.microsoft.com/office/drawing/2014/main" id="{6DACEF5C-4A2B-CE53-B8EA-0ECD41EBA756}"/>
+                </a:ext>
+              </a:extLst>
+            </p:cNvPr>
+            <p:cNvSpPr/>
+            <p:nvPr/>
+          </p:nvSpPr>
+          <p:spPr>
+            <a:xfrm>
+              <a:off x="6787486" y="2339217"/>
+              <a:ext cx="1637731" cy="453551"/>
+            </a:xfrm>
+            <a:prstGeom prst="rect">
+              <a:avLst/>
+            </a:prstGeom>
+          </p:spPr>
+          <p:style>
+            <a:lnRef idx="2">
+              <a:schemeClr val="accent4">
+                <a:shade val="50000"/>
+              </a:schemeClr>
+            </a:lnRef>
+            <a:fillRef idx="1">
+              <a:schemeClr val="accent4"/>
+            </a:fillRef>
+            <a:effectRef idx="0">
+              <a:schemeClr val="accent4"/>
+            </a:effectRef>
+            <a:fontRef idx="minor">
+              <a:schemeClr val="lt1"/>
+            </a:fontRef>
+          </p:style>
+          <p:txBody>
+            <a:bodyPr rtlCol="0" anchor="ctr"/>
+            <a:lstStyle/>
+            <a:p>
+              <a:pPr algn="ctr"/>
+              <a:r>
+                <a:rPr lang="en-US" dirty="0">
+                  <a:ln w="0"/>
+                  <a:solidFill>
+                    <a:schemeClr val="tx1"/>
+                  </a:solidFill>
+                  <a:effectLst>
+                    <a:outerShdw blurRad="38100" dist="19050" dir="2700000" algn="tl" rotWithShape="0">
+                      <a:schemeClr val="dk1">
+                        <a:alpha val="40000"/>
+                      </a:schemeClr>
+                    </a:outerShdw>
+                  </a:effectLst>
+                </a:rPr>
+                <a:t>960px</a:t>
+              </a:r>
+            </a:p>
+          </p:txBody>
+        </p:sp>
+        <p:sp>
+          <p:nvSpPr>
+            <p:cNvPr id="6" name="Rectangle 5">
+              <a:extLst>
+                <a:ext uri="{FF2B5EF4-FFF2-40B4-BE49-F238E27FC236}">
+                  <a16:creationId xmlns:a16="http://schemas.microsoft.com/office/drawing/2014/main" id="{C58E5FF5-C35D-F0BE-ECEA-36A4195B7D4C}"/>
+                </a:ext>
+              </a:extLst>
+            </p:cNvPr>
+            <p:cNvSpPr/>
+            <p:nvPr/>
+          </p:nvSpPr>
+          <p:spPr>
+            <a:xfrm>
+              <a:off x="6751092" y="2784037"/>
+              <a:ext cx="1637731" cy="453551"/>
+            </a:xfrm>
+            <a:prstGeom prst="rect">
+              <a:avLst/>
+            </a:prstGeom>
+          </p:spPr>
+          <p:style>
+            <a:lnRef idx="2">
+              <a:schemeClr val="accent1">
+                <a:shade val="50000"/>
+              </a:schemeClr>
+            </a:lnRef>
+            <a:fillRef idx="1">
+              <a:schemeClr val="accent1"/>
+            </a:fillRef>
+            <a:effectRef idx="0">
+              <a:schemeClr val="accent1"/>
+            </a:effectRef>
+            <a:fontRef idx="minor">
+              <a:schemeClr val="lt1"/>
+            </a:fontRef>
+          </p:style>
+          <p:txBody>
+            <a:bodyPr rtlCol="0" anchor="ctr"/>
+            <a:lstStyle/>
+            <a:p>
+              <a:pPr algn="ctr"/>
+              <a:r>
+                <a:rPr lang="en-US" dirty="0">
+                  <a:ln w="0"/>
+                  <a:solidFill>
+                    <a:schemeClr val="tx1"/>
+                  </a:solidFill>
+                  <a:effectLst>
+                    <a:outerShdw blurRad="38100" dist="19050" dir="2700000" algn="tl" rotWithShape="0">
+                      <a:schemeClr val="dk1">
+                        <a:alpha val="40000"/>
+                      </a:schemeClr>
+                    </a:outerShdw>
+                  </a:effectLst>
+                </a:rPr>
+                <a:t>720px</a:t>
+              </a:r>
+            </a:p>
+          </p:txBody>
+        </p:sp>
+        <p:sp>
+          <p:nvSpPr>
+            <p:cNvPr id="7" name="Rectangle 6">
+              <a:extLst>
+                <a:ext uri="{FF2B5EF4-FFF2-40B4-BE49-F238E27FC236}">
+                  <a16:creationId xmlns:a16="http://schemas.microsoft.com/office/drawing/2014/main" id="{66A4EDA9-6645-7262-41E0-A3606ED9948C}"/>
+                </a:ext>
+              </a:extLst>
+            </p:cNvPr>
+            <p:cNvSpPr/>
+            <p:nvPr/>
+          </p:nvSpPr>
+          <p:spPr>
+            <a:xfrm>
+              <a:off x="6751093" y="3406254"/>
+              <a:ext cx="1637731" cy="453551"/>
+            </a:xfrm>
+            <a:prstGeom prst="rect">
+              <a:avLst/>
+            </a:prstGeom>
+          </p:spPr>
+          <p:style>
+            <a:lnRef idx="3">
+              <a:schemeClr val="lt1"/>
+            </a:lnRef>
+            <a:fillRef idx="1">
+              <a:schemeClr val="accent4"/>
+            </a:fillRef>
+            <a:effectRef idx="1">
+              <a:schemeClr val="accent4"/>
+            </a:effectRef>
+            <a:fontRef idx="minor">
+              <a:schemeClr val="lt1"/>
+            </a:fontRef>
+          </p:style>
+          <p:txBody>
+            <a:bodyPr rtlCol="0" anchor="ctr"/>
+            <a:lstStyle/>
+            <a:p>
+              <a:pPr algn="ctr"/>
+              <a:r>
+                <a:rPr lang="en-US" dirty="0">
+                  <a:ln w="0"/>
+                  <a:solidFill>
+                    <a:schemeClr val="tx1"/>
+                  </a:solidFill>
+                  <a:effectLst>
+                    <a:outerShdw blurRad="38100" dist="19050" dir="2700000" algn="tl" rotWithShape="0">
+                      <a:schemeClr val="dk1">
+                        <a:alpha val="40000"/>
+                      </a:schemeClr>
+                    </a:outerShdw>
+                  </a:effectLst>
+                </a:rPr>
+                <a:t>540px</a:t>
+              </a:r>
+            </a:p>
+          </p:txBody>
+        </p:sp>
+        <p:sp>
+          <p:nvSpPr>
+            <p:cNvPr id="8" name="Rectangle 7">
+              <a:extLst>
+                <a:ext uri="{FF2B5EF4-FFF2-40B4-BE49-F238E27FC236}">
+                  <a16:creationId xmlns:a16="http://schemas.microsoft.com/office/drawing/2014/main" id="{9630D601-AF53-442D-D3E8-3D98BB0DC3FD}"/>
+                </a:ext>
+              </a:extLst>
+            </p:cNvPr>
+            <p:cNvSpPr/>
+            <p:nvPr/>
+          </p:nvSpPr>
+          <p:spPr>
+            <a:xfrm>
+              <a:off x="6751092" y="3911613"/>
+              <a:ext cx="1637731" cy="453551"/>
+            </a:xfrm>
+            <a:prstGeom prst="rect">
+              <a:avLst/>
+            </a:prstGeom>
+          </p:spPr>
+          <p:style>
+            <a:lnRef idx="2">
+              <a:schemeClr val="accent1">
+                <a:shade val="50000"/>
+              </a:schemeClr>
+            </a:lnRef>
+            <a:fillRef idx="1">
+              <a:schemeClr val="accent1"/>
+            </a:fillRef>
+            <a:effectRef idx="0">
+              <a:schemeClr val="accent1"/>
+            </a:effectRef>
+            <a:fontRef idx="minor">
+              <a:schemeClr val="lt1"/>
+            </a:fontRef>
+          </p:style>
+          <p:txBody>
+            <a:bodyPr rtlCol="0" anchor="ctr"/>
+            <a:lstStyle/>
+            <a:p>
+              <a:pPr algn="ctr"/>
+              <a:r>
+                <a:rPr lang="en-US" dirty="0">
+                  <a:ln w="0"/>
+                  <a:solidFill>
+                    <a:schemeClr val="tx1"/>
+                  </a:solidFill>
+                  <a:effectLst>
+                    <a:outerShdw blurRad="38100" dist="19050" dir="2700000" algn="tl" rotWithShape="0">
+                      <a:schemeClr val="dk1">
+                        <a:alpha val="40000"/>
+                      </a:schemeClr>
+                    </a:outerShdw>
+                  </a:effectLst>
+                </a:rPr>
+                <a:t>Auto</a:t>
+              </a:r>
+            </a:p>
+          </p:txBody>
+        </p:sp>
+      </p:grpSp>
+    </p:spTree>
+    <p:extLst>
+      <p:ext uri="{BB962C8B-B14F-4D97-AF65-F5344CB8AC3E}">
+        <p14:creationId xmlns:p14="http://schemas.microsoft.com/office/powerpoint/2010/main" val="424359071"/>
+      </p:ext>
+    </p:extLst>
+  </p:cSld>
+  <p:clrMapOvr>
+    <a:masterClrMapping/>
+  </p:clrMapOvr>
+</p:sld>
+</file>
+
+<file path=ppt/slides/slide23.xml><?xml version="1.0" encoding="utf-8"?>
+<p:sld xmlns:a="http://schemas.openxmlformats.org/drawingml/2006/main" xmlns:r="http://schemas.openxmlformats.org/officeDocument/2006/relationships" xmlns:p="http://schemas.openxmlformats.org/presentationml/2006/main">
+  <p:cSld>
+    <p:spTree>
+      <p:nvGrpSpPr>
+        <p:cNvPr id="1" name=""/>
+        <p:cNvGrpSpPr/>
+        <p:nvPr/>
+      </p:nvGrpSpPr>
+      <p:grpSpPr>
+        <a:xfrm>
+          <a:off x="0" y="0"/>
+          <a:ext cx="0" cy="0"/>
+          <a:chOff x="0" y="0"/>
+          <a:chExt cx="0" cy="0"/>
+        </a:xfrm>
+      </p:grpSpPr>
+      <p:sp>
+        <p:nvSpPr>
+          <p:cNvPr id="2" name="Title 1">
+            <a:extLst>
+              <a:ext uri="{FF2B5EF4-FFF2-40B4-BE49-F238E27FC236}">
+                <a16:creationId xmlns:a16="http://schemas.microsoft.com/office/drawing/2014/main" id="{EE7CB9A9-907B-35E6-175B-9681C4D78D44}"/>
+              </a:ext>
+            </a:extLst>
+          </p:cNvPr>
+          <p:cNvSpPr>
+            <a:spLocks noGrp="1"/>
+          </p:cNvSpPr>
+          <p:nvPr>
+            <p:ph type="title"/>
+          </p:nvPr>
+        </p:nvSpPr>
+        <p:spPr>
+          <a:xfrm>
+            <a:off x="838200" y="434181"/>
+            <a:ext cx="10515600" cy="1325563"/>
+          </a:xfrm>
+        </p:spPr>
+        <p:txBody>
+          <a:bodyPr/>
+          <a:lstStyle/>
+          <a:p>
+            <a:r>
+              <a:rPr lang="en-US" dirty="0"/>
+              <a:t>Bootstrap Reordering Classes</a:t>
+            </a:r>
+          </a:p>
+        </p:txBody>
+      </p:sp>
+      <p:sp>
+        <p:nvSpPr>
+          <p:cNvPr id="5" name="Rectangle 4">
+            <a:extLst>
+              <a:ext uri="{FF2B5EF4-FFF2-40B4-BE49-F238E27FC236}">
+                <a16:creationId xmlns:a16="http://schemas.microsoft.com/office/drawing/2014/main" id="{FB1B43E6-F533-7E6F-D54A-D7CEDA18E278}"/>
+              </a:ext>
+            </a:extLst>
+          </p:cNvPr>
+          <p:cNvSpPr/>
+          <p:nvPr/>
+        </p:nvSpPr>
+        <p:spPr>
+          <a:xfrm>
+            <a:off x="997424" y="1936441"/>
+            <a:ext cx="1842447" cy="900753"/>
+          </a:xfrm>
+          <a:prstGeom prst="rect">
+            <a:avLst/>
+          </a:prstGeom>
+          <a:solidFill>
+            <a:srgbClr val="FF0000"/>
+          </a:solidFill>
+        </p:spPr>
+        <p:style>
+          <a:lnRef idx="2">
+            <a:schemeClr val="accent1">
+              <a:shade val="50000"/>
+            </a:schemeClr>
+          </a:lnRef>
+          <a:fillRef idx="1">
+            <a:schemeClr val="accent1"/>
+          </a:fillRef>
+          <a:effectRef idx="0">
+            <a:schemeClr val="accent1"/>
+          </a:effectRef>
+          <a:fontRef idx="minor">
+            <a:schemeClr val="lt1"/>
+          </a:fontRef>
+        </p:style>
+        <p:txBody>
+          <a:bodyPr rtlCol="0" anchor="ctr"/>
+          <a:lstStyle/>
+          <a:p>
+            <a:pPr algn="ctr"/>
+            <a:r>
+              <a:rPr lang="en-US" dirty="0">
+                <a:ln w="0"/>
+                <a:solidFill>
+                  <a:schemeClr val="tx1"/>
+                </a:solidFill>
+                <a:effectLst>
+                  <a:outerShdw blurRad="38100" dist="19050" dir="2700000" algn="tl" rotWithShape="0">
+                    <a:schemeClr val="dk1">
+                      <a:alpha val="40000"/>
+                    </a:schemeClr>
+                  </a:outerShdw>
+                </a:effectLst>
+              </a:rPr>
+              <a:t>.col</a:t>
+            </a:r>
+          </a:p>
+        </p:txBody>
+      </p:sp>
+      <p:sp>
+        <p:nvSpPr>
+          <p:cNvPr id="6" name="Rectangle 5">
+            <a:extLst>
+              <a:ext uri="{FF2B5EF4-FFF2-40B4-BE49-F238E27FC236}">
+                <a16:creationId xmlns:a16="http://schemas.microsoft.com/office/drawing/2014/main" id="{8823DA1B-46C3-AF45-FDB7-C9FAB0EEB07B}"/>
+              </a:ext>
+            </a:extLst>
+          </p:cNvPr>
+          <p:cNvSpPr/>
+          <p:nvPr/>
+        </p:nvSpPr>
+        <p:spPr>
+          <a:xfrm>
+            <a:off x="3386920" y="1862149"/>
+            <a:ext cx="1842447" cy="900753"/>
+          </a:xfrm>
+          <a:prstGeom prst="rect">
+            <a:avLst/>
+          </a:prstGeom>
+          <a:solidFill>
+            <a:srgbClr val="002060"/>
+          </a:solidFill>
+        </p:spPr>
+        <p:style>
+          <a:lnRef idx="2">
+            <a:schemeClr val="accent1">
+              <a:shade val="50000"/>
+            </a:schemeClr>
+          </a:lnRef>
+          <a:fillRef idx="1">
+            <a:schemeClr val="accent1"/>
+          </a:fillRef>
+          <a:effectRef idx="0">
+            <a:schemeClr val="accent1"/>
+          </a:effectRef>
+          <a:fontRef idx="minor">
+            <a:schemeClr val="lt1"/>
+          </a:fontRef>
+        </p:style>
+        <p:txBody>
+          <a:bodyPr rtlCol="0" anchor="ctr"/>
+          <a:lstStyle/>
+          <a:p>
+            <a:pPr algn="ctr"/>
+            <a:r>
+              <a:rPr lang="en-US" dirty="0">
+                <a:ln w="0"/>
+                <a:solidFill>
+                  <a:schemeClr val="bg1"/>
+                </a:solidFill>
+                <a:effectLst>
+                  <a:outerShdw blurRad="38100" dist="19050" dir="2700000" algn="tl" rotWithShape="0">
+                    <a:schemeClr val="dk1">
+                      <a:alpha val="40000"/>
+                    </a:schemeClr>
+                  </a:outerShdw>
+                </a:effectLst>
+              </a:rPr>
+              <a:t>.col</a:t>
+            </a:r>
+          </a:p>
+        </p:txBody>
+      </p:sp>
+      <p:sp>
+        <p:nvSpPr>
+          <p:cNvPr id="7" name="Rectangle 6">
+            <a:extLst>
+              <a:ext uri="{FF2B5EF4-FFF2-40B4-BE49-F238E27FC236}">
+                <a16:creationId xmlns:a16="http://schemas.microsoft.com/office/drawing/2014/main" id="{4D5A6199-5001-95F4-FF93-725E9A5F171E}"/>
+              </a:ext>
+            </a:extLst>
+          </p:cNvPr>
+          <p:cNvSpPr/>
+          <p:nvPr/>
+        </p:nvSpPr>
+        <p:spPr>
+          <a:xfrm>
+            <a:off x="6405919" y="1903092"/>
+            <a:ext cx="1842447" cy="900753"/>
+          </a:xfrm>
+          <a:prstGeom prst="rect">
+            <a:avLst/>
+          </a:prstGeom>
+          <a:solidFill>
+            <a:srgbClr val="FFFF00"/>
+          </a:solidFill>
+        </p:spPr>
+        <p:style>
+          <a:lnRef idx="2">
+            <a:schemeClr val="accent1">
+              <a:shade val="50000"/>
+            </a:schemeClr>
+          </a:lnRef>
+          <a:fillRef idx="1">
+            <a:schemeClr val="accent1"/>
+          </a:fillRef>
+          <a:effectRef idx="0">
+            <a:schemeClr val="accent1"/>
+          </a:effectRef>
+          <a:fontRef idx="minor">
+            <a:schemeClr val="lt1"/>
+          </a:fontRef>
+        </p:style>
+        <p:txBody>
+          <a:bodyPr rtlCol="0" anchor="ctr"/>
+          <a:lstStyle/>
+          <a:p>
+            <a:pPr algn="ctr"/>
+            <a:r>
+              <a:rPr lang="en-US" dirty="0">
+                <a:ln w="0"/>
+                <a:solidFill>
+                  <a:schemeClr val="tx1"/>
+                </a:solidFill>
+                <a:effectLst>
+                  <a:outerShdw blurRad="38100" dist="19050" dir="2700000" algn="tl" rotWithShape="0">
+                    <a:schemeClr val="dk1">
+                      <a:alpha val="40000"/>
+                    </a:schemeClr>
+                  </a:outerShdw>
+                </a:effectLst>
+              </a:rPr>
+              <a:t>.col</a:t>
+            </a:r>
+          </a:p>
+        </p:txBody>
+      </p:sp>
+      <p:sp>
+        <p:nvSpPr>
+          <p:cNvPr id="8" name="Rectangle 7">
+            <a:extLst>
+              <a:ext uri="{FF2B5EF4-FFF2-40B4-BE49-F238E27FC236}">
+                <a16:creationId xmlns:a16="http://schemas.microsoft.com/office/drawing/2014/main" id="{2B014A0B-C405-4AA5-FC7D-4563CD4178D4}"/>
+              </a:ext>
+            </a:extLst>
+          </p:cNvPr>
+          <p:cNvSpPr/>
+          <p:nvPr/>
+        </p:nvSpPr>
+        <p:spPr>
+          <a:xfrm>
+            <a:off x="9511353" y="1936441"/>
+            <a:ext cx="1842447" cy="900753"/>
+          </a:xfrm>
+          <a:prstGeom prst="rect">
+            <a:avLst/>
+          </a:prstGeom>
+          <a:solidFill>
+            <a:schemeClr val="accent6">
+              <a:lumMod val="75000"/>
+            </a:schemeClr>
+          </a:solidFill>
+        </p:spPr>
+        <p:style>
+          <a:lnRef idx="2">
+            <a:schemeClr val="accent1">
+              <a:shade val="50000"/>
+            </a:schemeClr>
+          </a:lnRef>
+          <a:fillRef idx="1">
+            <a:schemeClr val="accent1"/>
+          </a:fillRef>
+          <a:effectRef idx="0">
+            <a:schemeClr val="accent1"/>
+          </a:effectRef>
+          <a:fontRef idx="minor">
+            <a:schemeClr val="lt1"/>
+          </a:fontRef>
+        </p:style>
+        <p:txBody>
+          <a:bodyPr rtlCol="0" anchor="ctr"/>
+          <a:lstStyle/>
+          <a:p>
+            <a:pPr algn="ctr"/>
+            <a:r>
+              <a:rPr lang="en-US" dirty="0">
+                <a:ln w="0"/>
+                <a:solidFill>
+                  <a:schemeClr val="tx1"/>
+                </a:solidFill>
+                <a:effectLst>
+                  <a:outerShdw blurRad="38100" dist="19050" dir="2700000" algn="tl" rotWithShape="0">
+                    <a:schemeClr val="dk1">
+                      <a:alpha val="40000"/>
+                    </a:schemeClr>
+                  </a:outerShdw>
+                </a:effectLst>
+              </a:rPr>
+              <a:t>.col</a:t>
+            </a:r>
+          </a:p>
+        </p:txBody>
+      </p:sp>
+      <p:sp>
+        <p:nvSpPr>
+          <p:cNvPr id="9" name="Rectangle 8">
+            <a:extLst>
+              <a:ext uri="{FF2B5EF4-FFF2-40B4-BE49-F238E27FC236}">
+                <a16:creationId xmlns:a16="http://schemas.microsoft.com/office/drawing/2014/main" id="{BD40B96E-EF86-5E3C-7EF4-558D08EE616C}"/>
+              </a:ext>
+            </a:extLst>
+          </p:cNvPr>
+          <p:cNvSpPr/>
+          <p:nvPr/>
+        </p:nvSpPr>
+        <p:spPr>
+          <a:xfrm>
+            <a:off x="602776" y="1843088"/>
+            <a:ext cx="11341290" cy="1325563"/>
+          </a:xfrm>
+          <a:prstGeom prst="rect">
+            <a:avLst/>
+          </a:prstGeom>
+          <a:noFill/>
+        </p:spPr>
+        <p:style>
+          <a:lnRef idx="2">
+            <a:schemeClr val="accent1">
+              <a:shade val="50000"/>
+            </a:schemeClr>
+          </a:lnRef>
+          <a:fillRef idx="1">
+            <a:schemeClr val="accent1"/>
+          </a:fillRef>
+          <a:effectRef idx="0">
+            <a:schemeClr val="accent1"/>
+          </a:effectRef>
+          <a:fontRef idx="minor">
+            <a:schemeClr val="lt1"/>
+          </a:fontRef>
+        </p:style>
+        <p:txBody>
+          <a:bodyPr rtlCol="0" anchor="ctr"/>
+          <a:lstStyle/>
+          <a:p>
+            <a:pPr algn="ctr"/>
+            <a:endParaRPr lang="en-US" dirty="0"/>
+          </a:p>
+        </p:txBody>
+      </p:sp>
+      <p:grpSp>
+        <p:nvGrpSpPr>
+          <p:cNvPr id="17" name="Group 16">
+            <a:extLst>
+              <a:ext uri="{FF2B5EF4-FFF2-40B4-BE49-F238E27FC236}">
+                <a16:creationId xmlns:a16="http://schemas.microsoft.com/office/drawing/2014/main" id="{CAB73D89-5FF3-28BC-C740-AC25DE8FA979}"/>
+              </a:ext>
+            </a:extLst>
+          </p:cNvPr>
+          <p:cNvGrpSpPr/>
+          <p:nvPr/>
+        </p:nvGrpSpPr>
+        <p:grpSpPr>
+          <a:xfrm>
+            <a:off x="621543" y="4024455"/>
+            <a:ext cx="11341290" cy="1325563"/>
+            <a:chOff x="621543" y="4024455"/>
+            <a:chExt cx="11341290" cy="1325563"/>
+          </a:xfrm>
+        </p:grpSpPr>
+        <p:sp>
+          <p:nvSpPr>
+            <p:cNvPr id="4" name="Rectangle 3">
+              <a:extLst>
+                <a:ext uri="{FF2B5EF4-FFF2-40B4-BE49-F238E27FC236}">
+                  <a16:creationId xmlns:a16="http://schemas.microsoft.com/office/drawing/2014/main" id="{8410A2C2-D4B0-11F9-73FD-629D6FC5E43E}"/>
+                </a:ext>
+              </a:extLst>
+            </p:cNvPr>
+            <p:cNvSpPr/>
+            <p:nvPr/>
+          </p:nvSpPr>
+          <p:spPr>
+            <a:xfrm>
+              <a:off x="621543" y="4024455"/>
+              <a:ext cx="11341290" cy="1325563"/>
+            </a:xfrm>
+            <a:prstGeom prst="rect">
+              <a:avLst/>
+            </a:prstGeom>
+            <a:noFill/>
+          </p:spPr>
+          <p:style>
+            <a:lnRef idx="2">
+              <a:schemeClr val="accent1">
+                <a:shade val="50000"/>
+              </a:schemeClr>
+            </a:lnRef>
+            <a:fillRef idx="1">
+              <a:schemeClr val="accent1"/>
+            </a:fillRef>
+            <a:effectRef idx="0">
+              <a:schemeClr val="accent1"/>
+            </a:effectRef>
+            <a:fontRef idx="minor">
+              <a:schemeClr val="lt1"/>
+            </a:fontRef>
+          </p:style>
+          <p:txBody>
+            <a:bodyPr rtlCol="0" anchor="ctr"/>
+            <a:lstStyle/>
+            <a:p>
+              <a:pPr algn="ctr"/>
+              <a:endParaRPr lang="en-US"/>
+            </a:p>
+          </p:txBody>
+        </p:sp>
+        <p:sp>
+          <p:nvSpPr>
+            <p:cNvPr id="10" name="Rectangle 9">
+              <a:extLst>
+                <a:ext uri="{FF2B5EF4-FFF2-40B4-BE49-F238E27FC236}">
+                  <a16:creationId xmlns:a16="http://schemas.microsoft.com/office/drawing/2014/main" id="{D1949BEE-186F-4EBA-E0E9-D167AB77B2D3}"/>
+                </a:ext>
+              </a:extLst>
+            </p:cNvPr>
+            <p:cNvSpPr/>
+            <p:nvPr/>
+          </p:nvSpPr>
+          <p:spPr>
+            <a:xfrm>
+              <a:off x="9511070" y="4247831"/>
+              <a:ext cx="1842447" cy="900753"/>
+            </a:xfrm>
+            <a:prstGeom prst="rect">
+              <a:avLst/>
+            </a:prstGeom>
+            <a:solidFill>
+              <a:srgbClr val="FF0000"/>
+            </a:solidFill>
+          </p:spPr>
+          <p:style>
+            <a:lnRef idx="2">
+              <a:schemeClr val="accent1">
+                <a:shade val="50000"/>
+              </a:schemeClr>
+            </a:lnRef>
+            <a:fillRef idx="1">
+              <a:schemeClr val="accent1"/>
+            </a:fillRef>
+            <a:effectRef idx="0">
+              <a:schemeClr val="accent1"/>
+            </a:effectRef>
+            <a:fontRef idx="minor">
+              <a:schemeClr val="lt1"/>
+            </a:fontRef>
+          </p:style>
+          <p:txBody>
+            <a:bodyPr rtlCol="0" anchor="ctr"/>
+            <a:lstStyle/>
+            <a:p>
+              <a:pPr algn="ctr"/>
+              <a:r>
+                <a:rPr lang="en-US" dirty="0">
+                  <a:ln w="0"/>
+                  <a:solidFill>
+                    <a:schemeClr val="tx1"/>
+                  </a:solidFill>
+                  <a:effectLst>
+                    <a:outerShdw blurRad="38100" dist="19050" dir="2700000" algn="tl" rotWithShape="0">
+                      <a:schemeClr val="dk1">
+                        <a:alpha val="40000"/>
+                      </a:schemeClr>
+                    </a:outerShdw>
+                  </a:effectLst>
+                </a:rPr>
+                <a:t>.col</a:t>
+              </a:r>
+            </a:p>
+          </p:txBody>
+        </p:sp>
+        <p:sp>
+          <p:nvSpPr>
+            <p:cNvPr id="11" name="Rectangle 10">
+              <a:extLst>
+                <a:ext uri="{FF2B5EF4-FFF2-40B4-BE49-F238E27FC236}">
+                  <a16:creationId xmlns:a16="http://schemas.microsoft.com/office/drawing/2014/main" id="{5AFA8B22-5E1B-0F9B-AEFD-50635EA8C1B3}"/>
+                </a:ext>
+              </a:extLst>
+            </p:cNvPr>
+            <p:cNvSpPr/>
+            <p:nvPr/>
+          </p:nvSpPr>
+          <p:spPr>
+            <a:xfrm>
+              <a:off x="3778155" y="4236859"/>
+              <a:ext cx="1842447" cy="900753"/>
+            </a:xfrm>
+            <a:prstGeom prst="rect">
+              <a:avLst/>
+            </a:prstGeom>
+            <a:solidFill>
+              <a:srgbClr val="002060"/>
+            </a:solidFill>
+          </p:spPr>
+          <p:style>
+            <a:lnRef idx="2">
+              <a:schemeClr val="accent1">
+                <a:shade val="50000"/>
+              </a:schemeClr>
+            </a:lnRef>
+            <a:fillRef idx="1">
+              <a:schemeClr val="accent1"/>
+            </a:fillRef>
+            <a:effectRef idx="0">
+              <a:schemeClr val="accent1"/>
+            </a:effectRef>
+            <a:fontRef idx="minor">
+              <a:schemeClr val="lt1"/>
+            </a:fontRef>
+          </p:style>
+          <p:txBody>
+            <a:bodyPr rtlCol="0" anchor="ctr"/>
+            <a:lstStyle/>
+            <a:p>
+              <a:pPr algn="ctr"/>
+              <a:r>
+                <a:rPr lang="en-US" dirty="0">
+                  <a:ln w="0"/>
+                  <a:solidFill>
+                    <a:schemeClr val="bg1"/>
+                  </a:solidFill>
+                  <a:effectLst>
+                    <a:outerShdw blurRad="38100" dist="19050" dir="2700000" algn="tl" rotWithShape="0">
+                      <a:schemeClr val="dk1">
+                        <a:alpha val="40000"/>
+                      </a:schemeClr>
+                    </a:outerShdw>
+                  </a:effectLst>
+                </a:rPr>
+                <a:t>.col</a:t>
+              </a:r>
+            </a:p>
+          </p:txBody>
+        </p:sp>
+        <p:sp>
+          <p:nvSpPr>
+            <p:cNvPr id="12" name="Rectangle 11">
+              <a:extLst>
+                <a:ext uri="{FF2B5EF4-FFF2-40B4-BE49-F238E27FC236}">
+                  <a16:creationId xmlns:a16="http://schemas.microsoft.com/office/drawing/2014/main" id="{15BE13AC-461A-B706-3A85-C3AD40A35B45}"/>
+                </a:ext>
+              </a:extLst>
+            </p:cNvPr>
+            <p:cNvSpPr/>
+            <p:nvPr/>
+          </p:nvSpPr>
+          <p:spPr>
+            <a:xfrm>
+              <a:off x="838200" y="4242209"/>
+              <a:ext cx="1842447" cy="900753"/>
+            </a:xfrm>
+            <a:prstGeom prst="rect">
+              <a:avLst/>
+            </a:prstGeom>
+            <a:solidFill>
+              <a:srgbClr val="FFFF00"/>
+            </a:solidFill>
+          </p:spPr>
+          <p:style>
+            <a:lnRef idx="2">
+              <a:schemeClr val="accent1">
+                <a:shade val="50000"/>
+              </a:schemeClr>
+            </a:lnRef>
+            <a:fillRef idx="1">
+              <a:schemeClr val="accent1"/>
+            </a:fillRef>
+            <a:effectRef idx="0">
+              <a:schemeClr val="accent1"/>
+            </a:effectRef>
+            <a:fontRef idx="minor">
+              <a:schemeClr val="lt1"/>
+            </a:fontRef>
+          </p:style>
+          <p:txBody>
+            <a:bodyPr rtlCol="0" anchor="ctr"/>
+            <a:lstStyle/>
+            <a:p>
+              <a:pPr algn="ctr"/>
+              <a:r>
+                <a:rPr lang="en-US" dirty="0">
+                  <a:ln w="0"/>
+                  <a:solidFill>
+                    <a:schemeClr val="tx1"/>
+                  </a:solidFill>
+                  <a:effectLst>
+                    <a:outerShdw blurRad="38100" dist="19050" dir="2700000" algn="tl" rotWithShape="0">
+                      <a:schemeClr val="dk1">
+                        <a:alpha val="40000"/>
+                      </a:schemeClr>
+                    </a:outerShdw>
+                  </a:effectLst>
+                </a:rPr>
+                <a:t>.col</a:t>
+              </a:r>
+            </a:p>
+          </p:txBody>
+        </p:sp>
+        <p:sp>
+          <p:nvSpPr>
+            <p:cNvPr id="13" name="Rectangle 12">
+              <a:extLst>
+                <a:ext uri="{FF2B5EF4-FFF2-40B4-BE49-F238E27FC236}">
+                  <a16:creationId xmlns:a16="http://schemas.microsoft.com/office/drawing/2014/main" id="{88E3F3DB-3843-9CC6-8983-3E1378426A83}"/>
+                </a:ext>
+              </a:extLst>
+            </p:cNvPr>
+            <p:cNvSpPr/>
+            <p:nvPr/>
+          </p:nvSpPr>
+          <p:spPr>
+            <a:xfrm>
+              <a:off x="6571115" y="4167897"/>
+              <a:ext cx="1842447" cy="900753"/>
+            </a:xfrm>
+            <a:prstGeom prst="rect">
+              <a:avLst/>
+            </a:prstGeom>
+            <a:solidFill>
+              <a:schemeClr val="accent6">
+                <a:lumMod val="75000"/>
+              </a:schemeClr>
+            </a:solidFill>
+          </p:spPr>
+          <p:style>
+            <a:lnRef idx="2">
+              <a:schemeClr val="accent1">
+                <a:shade val="50000"/>
+              </a:schemeClr>
+            </a:lnRef>
+            <a:fillRef idx="1">
+              <a:schemeClr val="accent1"/>
+            </a:fillRef>
+            <a:effectRef idx="0">
+              <a:schemeClr val="accent1"/>
+            </a:effectRef>
+            <a:fontRef idx="minor">
+              <a:schemeClr val="lt1"/>
+            </a:fontRef>
+          </p:style>
+          <p:txBody>
+            <a:bodyPr rtlCol="0" anchor="ctr"/>
+            <a:lstStyle/>
+            <a:p>
+              <a:pPr algn="ctr"/>
+              <a:r>
+                <a:rPr lang="en-US" dirty="0">
+                  <a:ln w="0"/>
+                  <a:solidFill>
+                    <a:schemeClr val="tx1"/>
+                  </a:solidFill>
+                  <a:effectLst>
+                    <a:outerShdw blurRad="38100" dist="19050" dir="2700000" algn="tl" rotWithShape="0">
+                      <a:schemeClr val="dk1">
+                        <a:alpha val="40000"/>
+                      </a:schemeClr>
+                    </a:outerShdw>
+                  </a:effectLst>
+                </a:rPr>
+                <a:t>.col</a:t>
+              </a:r>
+            </a:p>
+          </p:txBody>
+        </p:sp>
+      </p:grpSp>
+      <p:sp>
+        <p:nvSpPr>
+          <p:cNvPr id="15" name="TextBox 14">
+            <a:extLst>
+              <a:ext uri="{FF2B5EF4-FFF2-40B4-BE49-F238E27FC236}">
+                <a16:creationId xmlns:a16="http://schemas.microsoft.com/office/drawing/2014/main" id="{55F8EA1E-8E1B-7601-9469-094B531BB779}"/>
+              </a:ext>
+            </a:extLst>
+          </p:cNvPr>
+          <p:cNvSpPr txBox="1"/>
+          <p:nvPr/>
+        </p:nvSpPr>
+        <p:spPr>
+          <a:xfrm>
+            <a:off x="1340251" y="3227221"/>
+            <a:ext cx="1156792" cy="369332"/>
+          </a:xfrm>
+          <a:prstGeom prst="rect">
+            <a:avLst/>
+          </a:prstGeom>
+          <a:noFill/>
+        </p:spPr>
+        <p:txBody>
+          <a:bodyPr wrap="none" rtlCol="0">
+            <a:spAutoFit/>
+          </a:bodyPr>
+          <a:lstStyle/>
+          <a:p>
+            <a:r>
+              <a:rPr lang="en-US" dirty="0"/>
+              <a:t>.order-last</a:t>
+            </a:r>
+          </a:p>
+        </p:txBody>
+      </p:sp>
+      <p:sp>
+        <p:nvSpPr>
+          <p:cNvPr id="16" name="TextBox 15">
+            <a:extLst>
+              <a:ext uri="{FF2B5EF4-FFF2-40B4-BE49-F238E27FC236}">
+                <a16:creationId xmlns:a16="http://schemas.microsoft.com/office/drawing/2014/main" id="{ECF028F0-F5F3-FF0A-BB0A-877D8E37A85B}"/>
+              </a:ext>
+            </a:extLst>
+          </p:cNvPr>
+          <p:cNvSpPr txBox="1"/>
+          <p:nvPr/>
+        </p:nvSpPr>
+        <p:spPr>
+          <a:xfrm>
+            <a:off x="6748746" y="3127427"/>
+            <a:ext cx="1192891" cy="369332"/>
+          </a:xfrm>
+          <a:prstGeom prst="rect">
+            <a:avLst/>
+          </a:prstGeom>
+          <a:noFill/>
+        </p:spPr>
+        <p:txBody>
+          <a:bodyPr wrap="none" rtlCol="0">
+            <a:spAutoFit/>
+          </a:bodyPr>
+          <a:lstStyle/>
+          <a:p>
+            <a:r>
+              <a:rPr lang="en-US" dirty="0"/>
+              <a:t>.order-first</a:t>
+            </a:r>
+          </a:p>
+        </p:txBody>
+      </p:sp>
+    </p:spTree>
+    <p:extLst>
+      <p:ext uri="{BB962C8B-B14F-4D97-AF65-F5344CB8AC3E}">
+        <p14:creationId xmlns:p14="http://schemas.microsoft.com/office/powerpoint/2010/main" val="1266961723"/>
+      </p:ext>
+    </p:extLst>
+  </p:cSld>
+  <p:clrMapOvr>
+    <a:masterClrMapping/>
+  </p:clrMapOvr>
+</p:sld>
+</file>
+
+<file path=ppt/slides/slide24.xml><?xml version="1.0" encoding="utf-8"?>
+<p:sld xmlns:a="http://schemas.openxmlformats.org/drawingml/2006/main" xmlns:r="http://schemas.openxmlformats.org/officeDocument/2006/relationships" xmlns:p="http://schemas.openxmlformats.org/presentationml/2006/main">
+  <p:cSld>
+    <p:spTree>
+      <p:nvGrpSpPr>
+        <p:cNvPr id="1" name=""/>
+        <p:cNvGrpSpPr/>
+        <p:nvPr/>
+      </p:nvGrpSpPr>
+      <p:grpSpPr>
+        <a:xfrm>
+          <a:off x="0" y="0"/>
+          <a:ext cx="0" cy="0"/>
+          <a:chOff x="0" y="0"/>
+          <a:chExt cx="0" cy="0"/>
+        </a:xfrm>
+      </p:grpSpPr>
+      <p:sp>
+        <p:nvSpPr>
+          <p:cNvPr id="2" name="Title 1">
+            <a:extLst>
+              <a:ext uri="{FF2B5EF4-FFF2-40B4-BE49-F238E27FC236}">
+                <a16:creationId xmlns:a16="http://schemas.microsoft.com/office/drawing/2014/main" id="{7A6EEEC2-EF1D-BA81-B960-A1FF862EB30E}"/>
+              </a:ext>
+            </a:extLst>
+          </p:cNvPr>
+          <p:cNvSpPr>
+            <a:spLocks noGrp="1"/>
+          </p:cNvSpPr>
+          <p:nvPr>
+            <p:ph type="title"/>
+          </p:nvPr>
+        </p:nvSpPr>
+        <p:spPr/>
+        <p:txBody>
+          <a:bodyPr/>
+          <a:lstStyle/>
+          <a:p>
+            <a:r>
+              <a:rPr lang="en-US" dirty="0"/>
+              <a:t>Order class for different Break Points</a:t>
+            </a:r>
+          </a:p>
+        </p:txBody>
+      </p:sp>
+      <p:sp>
+        <p:nvSpPr>
+          <p:cNvPr id="3" name="Content Placeholder 2">
+            <a:extLst>
+              <a:ext uri="{FF2B5EF4-FFF2-40B4-BE49-F238E27FC236}">
+                <a16:creationId xmlns:a16="http://schemas.microsoft.com/office/drawing/2014/main" id="{C35D63F5-B1C8-75F5-1DC2-98A935E69545}"/>
+              </a:ext>
+            </a:extLst>
+          </p:cNvPr>
+          <p:cNvSpPr>
+            <a:spLocks noGrp="1"/>
+          </p:cNvSpPr>
+          <p:nvPr>
+            <p:ph idx="1"/>
+          </p:nvPr>
+        </p:nvSpPr>
+        <p:spPr>
+          <a:xfrm>
+            <a:off x="838199" y="1825625"/>
+            <a:ext cx="7555173" cy="4351338"/>
+          </a:xfrm>
+        </p:spPr>
+        <p:txBody>
+          <a:bodyPr/>
+          <a:lstStyle/>
+          <a:p>
+            <a:r>
+              <a:rPr lang="en-US" dirty="0"/>
+              <a:t>Extra large – order-xl-* 		&gt;= 1200px</a:t>
+            </a:r>
+          </a:p>
+          <a:p>
+            <a:r>
+              <a:rPr lang="en-US" dirty="0"/>
+              <a:t>Large 	- order-lg-*		&gt;= 992px</a:t>
+            </a:r>
+          </a:p>
+          <a:p>
+            <a:r>
+              <a:rPr lang="en-US" dirty="0"/>
+              <a:t>Medium	- order-md-*	&gt;=768px</a:t>
+            </a:r>
+          </a:p>
+          <a:p>
+            <a:r>
+              <a:rPr lang="en-US" dirty="0"/>
+              <a:t>Small	- order-</a:t>
+            </a:r>
+            <a:r>
+              <a:rPr lang="en-US" dirty="0" err="1"/>
+              <a:t>sm</a:t>
+            </a:r>
+            <a:r>
+              <a:rPr lang="en-US" dirty="0"/>
+              <a:t>-*		&gt;=576px</a:t>
+            </a:r>
+          </a:p>
+          <a:p>
+            <a:r>
+              <a:rPr lang="en-US" dirty="0"/>
+              <a:t>Extra small				&lt;576</a:t>
+            </a:r>
+          </a:p>
+        </p:txBody>
+      </p:sp>
+      <p:grpSp>
+        <p:nvGrpSpPr>
+          <p:cNvPr id="9" name="Group 8">
+            <a:extLst>
+              <a:ext uri="{FF2B5EF4-FFF2-40B4-BE49-F238E27FC236}">
+                <a16:creationId xmlns:a16="http://schemas.microsoft.com/office/drawing/2014/main" id="{1FB75910-4B6F-E9BA-BB93-7B8DB6F89600}"/>
+              </a:ext>
+            </a:extLst>
+          </p:cNvPr>
+          <p:cNvGrpSpPr/>
+          <p:nvPr/>
+        </p:nvGrpSpPr>
+        <p:grpSpPr>
+          <a:xfrm>
+            <a:off x="9588689" y="2159230"/>
+            <a:ext cx="1765111" cy="2539539"/>
+            <a:chOff x="6751092" y="1825625"/>
+            <a:chExt cx="1765111" cy="2539539"/>
+          </a:xfrm>
+        </p:grpSpPr>
+        <p:sp>
+          <p:nvSpPr>
+            <p:cNvPr id="4" name="Rectangle 3">
+              <a:extLst>
+                <a:ext uri="{FF2B5EF4-FFF2-40B4-BE49-F238E27FC236}">
+                  <a16:creationId xmlns:a16="http://schemas.microsoft.com/office/drawing/2014/main" id="{16CD4601-3D37-08DB-246A-C6F4755BF0F5}"/>
+                </a:ext>
+              </a:extLst>
+            </p:cNvPr>
+            <p:cNvSpPr/>
+            <p:nvPr/>
+          </p:nvSpPr>
+          <p:spPr>
+            <a:xfrm>
+              <a:off x="6878472" y="1825625"/>
+              <a:ext cx="1637731" cy="453551"/>
+            </a:xfrm>
+            <a:prstGeom prst="rect">
+              <a:avLst/>
+            </a:prstGeom>
+          </p:spPr>
+          <p:style>
+            <a:lnRef idx="2">
+              <a:schemeClr val="accent2">
+                <a:shade val="50000"/>
+              </a:schemeClr>
+            </a:lnRef>
+            <a:fillRef idx="1">
+              <a:schemeClr val="accent2"/>
+            </a:fillRef>
+            <a:effectRef idx="0">
+              <a:schemeClr val="accent2"/>
+            </a:effectRef>
+            <a:fontRef idx="minor">
+              <a:schemeClr val="lt1"/>
+            </a:fontRef>
+          </p:style>
+          <p:txBody>
+            <a:bodyPr rtlCol="0" anchor="ctr"/>
+            <a:lstStyle/>
+            <a:p>
+              <a:pPr algn="ctr"/>
+              <a:r>
+                <a:rPr lang="en-US" dirty="0">
+                  <a:ln w="0"/>
+                  <a:solidFill>
+                    <a:schemeClr val="tx1"/>
+                  </a:solidFill>
+                  <a:effectLst>
+                    <a:outerShdw blurRad="38100" dist="19050" dir="2700000" algn="tl" rotWithShape="0">
+                      <a:schemeClr val="dk1">
+                        <a:alpha val="40000"/>
+                      </a:schemeClr>
+                    </a:outerShdw>
+                  </a:effectLst>
+                </a:rPr>
+                <a:t>1140px</a:t>
+              </a:r>
+            </a:p>
+          </p:txBody>
+        </p:sp>
+        <p:sp>
+          <p:nvSpPr>
+            <p:cNvPr id="5" name="Rectangle 4">
+              <a:extLst>
+                <a:ext uri="{FF2B5EF4-FFF2-40B4-BE49-F238E27FC236}">
+                  <a16:creationId xmlns:a16="http://schemas.microsoft.com/office/drawing/2014/main" id="{6DACEF5C-4A2B-CE53-B8EA-0ECD41EBA756}"/>
+                </a:ext>
+              </a:extLst>
+            </p:cNvPr>
+            <p:cNvSpPr/>
+            <p:nvPr/>
+          </p:nvSpPr>
+          <p:spPr>
+            <a:xfrm>
+              <a:off x="6787486" y="2339217"/>
+              <a:ext cx="1637731" cy="453551"/>
+            </a:xfrm>
+            <a:prstGeom prst="rect">
+              <a:avLst/>
+            </a:prstGeom>
+          </p:spPr>
+          <p:style>
+            <a:lnRef idx="2">
+              <a:schemeClr val="accent4">
+                <a:shade val="50000"/>
+              </a:schemeClr>
+            </a:lnRef>
+            <a:fillRef idx="1">
+              <a:schemeClr val="accent4"/>
+            </a:fillRef>
+            <a:effectRef idx="0">
+              <a:schemeClr val="accent4"/>
+            </a:effectRef>
+            <a:fontRef idx="minor">
+              <a:schemeClr val="lt1"/>
+            </a:fontRef>
+          </p:style>
+          <p:txBody>
+            <a:bodyPr rtlCol="0" anchor="ctr"/>
+            <a:lstStyle/>
+            <a:p>
+              <a:pPr algn="ctr"/>
+              <a:r>
+                <a:rPr lang="en-US" dirty="0">
+                  <a:ln w="0"/>
+                  <a:solidFill>
+                    <a:schemeClr val="tx1"/>
+                  </a:solidFill>
+                  <a:effectLst>
+                    <a:outerShdw blurRad="38100" dist="19050" dir="2700000" algn="tl" rotWithShape="0">
+                      <a:schemeClr val="dk1">
+                        <a:alpha val="40000"/>
+                      </a:schemeClr>
+                    </a:outerShdw>
+                  </a:effectLst>
+                </a:rPr>
+                <a:t>960px</a:t>
+              </a:r>
+            </a:p>
+          </p:txBody>
+        </p:sp>
+        <p:sp>
+          <p:nvSpPr>
+            <p:cNvPr id="6" name="Rectangle 5">
+              <a:extLst>
+                <a:ext uri="{FF2B5EF4-FFF2-40B4-BE49-F238E27FC236}">
+                  <a16:creationId xmlns:a16="http://schemas.microsoft.com/office/drawing/2014/main" id="{C58E5FF5-C35D-F0BE-ECEA-36A4195B7D4C}"/>
+                </a:ext>
+              </a:extLst>
+            </p:cNvPr>
+            <p:cNvSpPr/>
+            <p:nvPr/>
+          </p:nvSpPr>
+          <p:spPr>
+            <a:xfrm>
+              <a:off x="6751092" y="2784037"/>
+              <a:ext cx="1637731" cy="453551"/>
+            </a:xfrm>
+            <a:prstGeom prst="rect">
+              <a:avLst/>
+            </a:prstGeom>
+          </p:spPr>
+          <p:style>
+            <a:lnRef idx="2">
+              <a:schemeClr val="accent1">
+                <a:shade val="50000"/>
+              </a:schemeClr>
+            </a:lnRef>
+            <a:fillRef idx="1">
+              <a:schemeClr val="accent1"/>
+            </a:fillRef>
+            <a:effectRef idx="0">
+              <a:schemeClr val="accent1"/>
+            </a:effectRef>
+            <a:fontRef idx="minor">
+              <a:schemeClr val="lt1"/>
+            </a:fontRef>
+          </p:style>
+          <p:txBody>
+            <a:bodyPr rtlCol="0" anchor="ctr"/>
+            <a:lstStyle/>
+            <a:p>
+              <a:pPr algn="ctr"/>
+              <a:r>
+                <a:rPr lang="en-US" dirty="0">
+                  <a:ln w="0"/>
+                  <a:solidFill>
+                    <a:schemeClr val="tx1"/>
+                  </a:solidFill>
+                  <a:effectLst>
+                    <a:outerShdw blurRad="38100" dist="19050" dir="2700000" algn="tl" rotWithShape="0">
+                      <a:schemeClr val="dk1">
+                        <a:alpha val="40000"/>
+                      </a:schemeClr>
+                    </a:outerShdw>
+                  </a:effectLst>
+                </a:rPr>
+                <a:t>720px</a:t>
+              </a:r>
+            </a:p>
+          </p:txBody>
+        </p:sp>
+        <p:sp>
+          <p:nvSpPr>
+            <p:cNvPr id="7" name="Rectangle 6">
+              <a:extLst>
+                <a:ext uri="{FF2B5EF4-FFF2-40B4-BE49-F238E27FC236}">
+                  <a16:creationId xmlns:a16="http://schemas.microsoft.com/office/drawing/2014/main" id="{66A4EDA9-6645-7262-41E0-A3606ED9948C}"/>
+                </a:ext>
+              </a:extLst>
+            </p:cNvPr>
+            <p:cNvSpPr/>
+            <p:nvPr/>
+          </p:nvSpPr>
+          <p:spPr>
+            <a:xfrm>
+              <a:off x="6751093" y="3406254"/>
+              <a:ext cx="1637731" cy="453551"/>
+            </a:xfrm>
+            <a:prstGeom prst="rect">
+              <a:avLst/>
+            </a:prstGeom>
+          </p:spPr>
+          <p:style>
+            <a:lnRef idx="3">
+              <a:schemeClr val="lt1"/>
+            </a:lnRef>
+            <a:fillRef idx="1">
+              <a:schemeClr val="accent4"/>
+            </a:fillRef>
+            <a:effectRef idx="1">
+              <a:schemeClr val="accent4"/>
+            </a:effectRef>
+            <a:fontRef idx="minor">
+              <a:schemeClr val="lt1"/>
+            </a:fontRef>
+          </p:style>
+          <p:txBody>
+            <a:bodyPr rtlCol="0" anchor="ctr"/>
+            <a:lstStyle/>
+            <a:p>
+              <a:pPr algn="ctr"/>
+              <a:r>
+                <a:rPr lang="en-US" dirty="0">
+                  <a:ln w="0"/>
+                  <a:solidFill>
+                    <a:schemeClr val="tx1"/>
+                  </a:solidFill>
+                  <a:effectLst>
+                    <a:outerShdw blurRad="38100" dist="19050" dir="2700000" algn="tl" rotWithShape="0">
+                      <a:schemeClr val="dk1">
+                        <a:alpha val="40000"/>
+                      </a:schemeClr>
+                    </a:outerShdw>
+                  </a:effectLst>
+                </a:rPr>
+                <a:t>540px</a:t>
+              </a:r>
+            </a:p>
+          </p:txBody>
+        </p:sp>
+        <p:sp>
+          <p:nvSpPr>
+            <p:cNvPr id="8" name="Rectangle 7">
+              <a:extLst>
+                <a:ext uri="{FF2B5EF4-FFF2-40B4-BE49-F238E27FC236}">
+                  <a16:creationId xmlns:a16="http://schemas.microsoft.com/office/drawing/2014/main" id="{9630D601-AF53-442D-D3E8-3D98BB0DC3FD}"/>
+                </a:ext>
+              </a:extLst>
+            </p:cNvPr>
+            <p:cNvSpPr/>
+            <p:nvPr/>
+          </p:nvSpPr>
+          <p:spPr>
+            <a:xfrm>
+              <a:off x="6751092" y="3911613"/>
+              <a:ext cx="1637731" cy="453551"/>
+            </a:xfrm>
+            <a:prstGeom prst="rect">
+              <a:avLst/>
+            </a:prstGeom>
+          </p:spPr>
+          <p:style>
+            <a:lnRef idx="2">
+              <a:schemeClr val="accent1">
+                <a:shade val="50000"/>
+              </a:schemeClr>
+            </a:lnRef>
+            <a:fillRef idx="1">
+              <a:schemeClr val="accent1"/>
+            </a:fillRef>
+            <a:effectRef idx="0">
+              <a:schemeClr val="accent1"/>
+            </a:effectRef>
+            <a:fontRef idx="minor">
+              <a:schemeClr val="lt1"/>
+            </a:fontRef>
+          </p:style>
+          <p:txBody>
+            <a:bodyPr rtlCol="0" anchor="ctr"/>
+            <a:lstStyle/>
+            <a:p>
+              <a:pPr algn="ctr"/>
+              <a:r>
+                <a:rPr lang="en-US" dirty="0">
+                  <a:ln w="0"/>
+                  <a:solidFill>
+                    <a:schemeClr val="tx1"/>
+                  </a:solidFill>
+                  <a:effectLst>
+                    <a:outerShdw blurRad="38100" dist="19050" dir="2700000" algn="tl" rotWithShape="0">
+                      <a:schemeClr val="dk1">
+                        <a:alpha val="40000"/>
+                      </a:schemeClr>
+                    </a:outerShdw>
+                  </a:effectLst>
+                </a:rPr>
+                <a:t>Auto</a:t>
+              </a:r>
+            </a:p>
+          </p:txBody>
+        </p:sp>
+      </p:grpSp>
+    </p:spTree>
+    <p:extLst>
+      <p:ext uri="{BB962C8B-B14F-4D97-AF65-F5344CB8AC3E}">
+        <p14:creationId xmlns:p14="http://schemas.microsoft.com/office/powerpoint/2010/main" val="320159184"/>
+      </p:ext>
+    </p:extLst>
+  </p:cSld>
+  <p:clrMapOvr>
+    <a:masterClrMapping/>
+  </p:clrMapOvr>
+</p:sld>
+</file>
+
+<file path=ppt/slides/slide25.xml><?xml version="1.0" encoding="utf-8"?>
+<p:sld xmlns:a="http://schemas.openxmlformats.org/drawingml/2006/main" xmlns:r="http://schemas.openxmlformats.org/officeDocument/2006/relationships" xmlns:p="http://schemas.openxmlformats.org/presentationml/2006/main">
+  <p:cSld>
+    <p:spTree>
+      <p:nvGrpSpPr>
+        <p:cNvPr id="1" name=""/>
+        <p:cNvGrpSpPr/>
+        <p:nvPr/>
+      </p:nvGrpSpPr>
+      <p:grpSpPr>
+        <a:xfrm>
+          <a:off x="0" y="0"/>
+          <a:ext cx="0" cy="0"/>
+          <a:chOff x="0" y="0"/>
+          <a:chExt cx="0" cy="0"/>
+        </a:xfrm>
+      </p:grpSpPr>
+      <p:grpSp>
+        <p:nvGrpSpPr>
+          <p:cNvPr id="4" name="Group 3">
+            <a:extLst>
+              <a:ext uri="{FF2B5EF4-FFF2-40B4-BE49-F238E27FC236}">
+                <a16:creationId xmlns:a16="http://schemas.microsoft.com/office/drawing/2014/main" id="{33AFB065-FCF4-312C-F31B-313ED63418C6}"/>
+              </a:ext>
+            </a:extLst>
+          </p:cNvPr>
+          <p:cNvGrpSpPr/>
+          <p:nvPr/>
+        </p:nvGrpSpPr>
+        <p:grpSpPr>
+          <a:xfrm>
+            <a:off x="425355" y="134843"/>
+            <a:ext cx="11341290" cy="1325563"/>
+            <a:chOff x="621543" y="4024455"/>
+            <a:chExt cx="11341290" cy="1325563"/>
+          </a:xfrm>
+        </p:grpSpPr>
+        <p:sp>
+          <p:nvSpPr>
+            <p:cNvPr id="5" name="Rectangle 4">
+              <a:extLst>
+                <a:ext uri="{FF2B5EF4-FFF2-40B4-BE49-F238E27FC236}">
+                  <a16:creationId xmlns:a16="http://schemas.microsoft.com/office/drawing/2014/main" id="{B76B8B16-2CDA-87C9-6533-3BDDA87D7946}"/>
+                </a:ext>
+              </a:extLst>
+            </p:cNvPr>
+            <p:cNvSpPr/>
+            <p:nvPr/>
+          </p:nvSpPr>
+          <p:spPr>
+            <a:xfrm>
+              <a:off x="621543" y="4024455"/>
+              <a:ext cx="11341290" cy="1325563"/>
+            </a:xfrm>
+            <a:prstGeom prst="rect">
+              <a:avLst/>
+            </a:prstGeom>
+            <a:noFill/>
+          </p:spPr>
+          <p:style>
+            <a:lnRef idx="2">
+              <a:schemeClr val="accent1">
+                <a:shade val="50000"/>
+              </a:schemeClr>
+            </a:lnRef>
+            <a:fillRef idx="1">
+              <a:schemeClr val="accent1"/>
+            </a:fillRef>
+            <a:effectRef idx="0">
+              <a:schemeClr val="accent1"/>
+            </a:effectRef>
+            <a:fontRef idx="minor">
+              <a:schemeClr val="lt1"/>
+            </a:fontRef>
+          </p:style>
+          <p:txBody>
+            <a:bodyPr rtlCol="0" anchor="ctr"/>
+            <a:lstStyle/>
+            <a:p>
+              <a:pPr algn="ctr"/>
+              <a:endParaRPr lang="en-US"/>
+            </a:p>
+          </p:txBody>
+        </p:sp>
+        <p:sp>
+          <p:nvSpPr>
+            <p:cNvPr id="6" name="Rectangle 5">
+              <a:extLst>
+                <a:ext uri="{FF2B5EF4-FFF2-40B4-BE49-F238E27FC236}">
+                  <a16:creationId xmlns:a16="http://schemas.microsoft.com/office/drawing/2014/main" id="{1294D28D-2E65-D227-1847-0D3913C33E02}"/>
+                </a:ext>
+              </a:extLst>
+            </p:cNvPr>
+            <p:cNvSpPr/>
+            <p:nvPr/>
+          </p:nvSpPr>
+          <p:spPr>
+            <a:xfrm>
+              <a:off x="9511070" y="4247831"/>
+              <a:ext cx="1842447" cy="900753"/>
+            </a:xfrm>
+            <a:prstGeom prst="rect">
+              <a:avLst/>
+            </a:prstGeom>
+            <a:solidFill>
+              <a:srgbClr val="FF0000"/>
+            </a:solidFill>
+          </p:spPr>
+          <p:style>
+            <a:lnRef idx="2">
+              <a:schemeClr val="accent1">
+                <a:shade val="50000"/>
+              </a:schemeClr>
+            </a:lnRef>
+            <a:fillRef idx="1">
+              <a:schemeClr val="accent1"/>
+            </a:fillRef>
+            <a:effectRef idx="0">
+              <a:schemeClr val="accent1"/>
+            </a:effectRef>
+            <a:fontRef idx="minor">
+              <a:schemeClr val="lt1"/>
+            </a:fontRef>
+          </p:style>
+          <p:txBody>
+            <a:bodyPr rtlCol="0" anchor="ctr"/>
+            <a:lstStyle/>
+            <a:p>
+              <a:pPr algn="ctr"/>
+              <a:r>
+                <a:rPr lang="en-US" dirty="0">
+                  <a:ln w="0"/>
+                  <a:solidFill>
+                    <a:schemeClr val="tx1"/>
+                  </a:solidFill>
+                  <a:effectLst>
+                    <a:outerShdw blurRad="38100" dist="19050" dir="2700000" algn="tl" rotWithShape="0">
+                      <a:schemeClr val="dk1">
+                        <a:alpha val="40000"/>
+                      </a:schemeClr>
+                    </a:outerShdw>
+                  </a:effectLst>
+                </a:rPr>
+                <a:t>.col</a:t>
+              </a:r>
+            </a:p>
+          </p:txBody>
+        </p:sp>
+        <p:sp>
+          <p:nvSpPr>
+            <p:cNvPr id="7" name="Rectangle 6">
+              <a:extLst>
+                <a:ext uri="{FF2B5EF4-FFF2-40B4-BE49-F238E27FC236}">
+                  <a16:creationId xmlns:a16="http://schemas.microsoft.com/office/drawing/2014/main" id="{464A275C-52E7-7ACE-C10F-A9CFECDD8E1D}"/>
+                </a:ext>
+              </a:extLst>
+            </p:cNvPr>
+            <p:cNvSpPr/>
+            <p:nvPr/>
+          </p:nvSpPr>
+          <p:spPr>
+            <a:xfrm>
+              <a:off x="3778155" y="4236859"/>
+              <a:ext cx="1842447" cy="900753"/>
+            </a:xfrm>
+            <a:prstGeom prst="rect">
+              <a:avLst/>
+            </a:prstGeom>
+            <a:solidFill>
+              <a:srgbClr val="002060"/>
+            </a:solidFill>
+          </p:spPr>
+          <p:style>
+            <a:lnRef idx="2">
+              <a:schemeClr val="accent1">
+                <a:shade val="50000"/>
+              </a:schemeClr>
+            </a:lnRef>
+            <a:fillRef idx="1">
+              <a:schemeClr val="accent1"/>
+            </a:fillRef>
+            <a:effectRef idx="0">
+              <a:schemeClr val="accent1"/>
+            </a:effectRef>
+            <a:fontRef idx="minor">
+              <a:schemeClr val="lt1"/>
+            </a:fontRef>
+          </p:style>
+          <p:txBody>
+            <a:bodyPr rtlCol="0" anchor="ctr"/>
+            <a:lstStyle/>
+            <a:p>
+              <a:pPr algn="ctr"/>
+              <a:r>
+                <a:rPr lang="en-US" dirty="0">
+                  <a:ln w="0"/>
+                  <a:solidFill>
+                    <a:schemeClr val="bg1"/>
+                  </a:solidFill>
+                  <a:effectLst>
+                    <a:outerShdw blurRad="38100" dist="19050" dir="2700000" algn="tl" rotWithShape="0">
+                      <a:schemeClr val="dk1">
+                        <a:alpha val="40000"/>
+                      </a:schemeClr>
+                    </a:outerShdw>
+                  </a:effectLst>
+                </a:rPr>
+                <a:t>.col</a:t>
+              </a:r>
+            </a:p>
+          </p:txBody>
+        </p:sp>
+        <p:sp>
+          <p:nvSpPr>
+            <p:cNvPr id="8" name="Rectangle 7">
+              <a:extLst>
+                <a:ext uri="{FF2B5EF4-FFF2-40B4-BE49-F238E27FC236}">
+                  <a16:creationId xmlns:a16="http://schemas.microsoft.com/office/drawing/2014/main" id="{38984007-04DC-B18E-DC1D-0338827FC0FA}"/>
+                </a:ext>
+              </a:extLst>
+            </p:cNvPr>
+            <p:cNvSpPr/>
+            <p:nvPr/>
+          </p:nvSpPr>
+          <p:spPr>
+            <a:xfrm>
+              <a:off x="838200" y="4242209"/>
+              <a:ext cx="1842447" cy="900753"/>
+            </a:xfrm>
+            <a:prstGeom prst="rect">
+              <a:avLst/>
+            </a:prstGeom>
+            <a:solidFill>
+              <a:srgbClr val="FFFF00"/>
+            </a:solidFill>
+          </p:spPr>
+          <p:style>
+            <a:lnRef idx="2">
+              <a:schemeClr val="accent1">
+                <a:shade val="50000"/>
+              </a:schemeClr>
+            </a:lnRef>
+            <a:fillRef idx="1">
+              <a:schemeClr val="accent1"/>
+            </a:fillRef>
+            <a:effectRef idx="0">
+              <a:schemeClr val="accent1"/>
+            </a:effectRef>
+            <a:fontRef idx="minor">
+              <a:schemeClr val="lt1"/>
+            </a:fontRef>
+          </p:style>
+          <p:txBody>
+            <a:bodyPr rtlCol="0" anchor="ctr"/>
+            <a:lstStyle/>
+            <a:p>
+              <a:pPr algn="ctr"/>
+              <a:r>
+                <a:rPr lang="en-US" dirty="0">
+                  <a:ln w="0"/>
+                  <a:solidFill>
+                    <a:schemeClr val="tx1"/>
+                  </a:solidFill>
+                  <a:effectLst>
+                    <a:outerShdw blurRad="38100" dist="19050" dir="2700000" algn="tl" rotWithShape="0">
+                      <a:schemeClr val="dk1">
+                        <a:alpha val="40000"/>
+                      </a:schemeClr>
+                    </a:outerShdw>
+                  </a:effectLst>
+                </a:rPr>
+                <a:t>.col</a:t>
+              </a:r>
+            </a:p>
+          </p:txBody>
+        </p:sp>
+        <p:sp>
+          <p:nvSpPr>
+            <p:cNvPr id="9" name="Rectangle 8">
+              <a:extLst>
+                <a:ext uri="{FF2B5EF4-FFF2-40B4-BE49-F238E27FC236}">
+                  <a16:creationId xmlns:a16="http://schemas.microsoft.com/office/drawing/2014/main" id="{DCB772CA-8D90-48BF-0C14-70DD3B1DCB08}"/>
+                </a:ext>
+              </a:extLst>
+            </p:cNvPr>
+            <p:cNvSpPr/>
+            <p:nvPr/>
+          </p:nvSpPr>
+          <p:spPr>
+            <a:xfrm>
+              <a:off x="6571115" y="4167897"/>
+              <a:ext cx="1842447" cy="900753"/>
+            </a:xfrm>
+            <a:prstGeom prst="rect">
+              <a:avLst/>
+            </a:prstGeom>
+            <a:solidFill>
+              <a:schemeClr val="accent6">
+                <a:lumMod val="75000"/>
+              </a:schemeClr>
+            </a:solidFill>
+          </p:spPr>
+          <p:style>
+            <a:lnRef idx="2">
+              <a:schemeClr val="accent1">
+                <a:shade val="50000"/>
+              </a:schemeClr>
+            </a:lnRef>
+            <a:fillRef idx="1">
+              <a:schemeClr val="accent1"/>
+            </a:fillRef>
+            <a:effectRef idx="0">
+              <a:schemeClr val="accent1"/>
+            </a:effectRef>
+            <a:fontRef idx="minor">
+              <a:schemeClr val="lt1"/>
+            </a:fontRef>
+          </p:style>
+          <p:txBody>
+            <a:bodyPr rtlCol="0" anchor="ctr"/>
+            <a:lstStyle/>
+            <a:p>
+              <a:pPr algn="ctr"/>
+              <a:r>
+                <a:rPr lang="en-US" dirty="0">
+                  <a:ln w="0"/>
+                  <a:solidFill>
+                    <a:schemeClr val="tx1"/>
+                  </a:solidFill>
+                  <a:effectLst>
+                    <a:outerShdw blurRad="38100" dist="19050" dir="2700000" algn="tl" rotWithShape="0">
+                      <a:schemeClr val="dk1">
+                        <a:alpha val="40000"/>
+                      </a:schemeClr>
+                    </a:outerShdw>
+                  </a:effectLst>
+                </a:rPr>
+                <a:t>.col</a:t>
+              </a:r>
+            </a:p>
+          </p:txBody>
+        </p:sp>
+      </p:grpSp>
+      <p:sp>
+        <p:nvSpPr>
+          <p:cNvPr id="11" name="Rectangle 10">
+            <a:extLst>
+              <a:ext uri="{FF2B5EF4-FFF2-40B4-BE49-F238E27FC236}">
+                <a16:creationId xmlns:a16="http://schemas.microsoft.com/office/drawing/2014/main" id="{8F64EECA-C22D-D034-919C-08D98B4DE349}"/>
+              </a:ext>
+            </a:extLst>
+          </p:cNvPr>
+          <p:cNvSpPr/>
+          <p:nvPr/>
+        </p:nvSpPr>
+        <p:spPr>
+          <a:xfrm>
+            <a:off x="621543" y="4024455"/>
+            <a:ext cx="11341290" cy="1325563"/>
+          </a:xfrm>
+          <a:prstGeom prst="rect">
+            <a:avLst/>
+          </a:prstGeom>
+          <a:noFill/>
+        </p:spPr>
+        <p:style>
+          <a:lnRef idx="2">
+            <a:schemeClr val="accent1">
+              <a:shade val="50000"/>
+            </a:schemeClr>
+          </a:lnRef>
+          <a:fillRef idx="1">
+            <a:schemeClr val="accent1"/>
+          </a:fillRef>
+          <a:effectRef idx="0">
+            <a:schemeClr val="accent1"/>
+          </a:effectRef>
+          <a:fontRef idx="minor">
+            <a:schemeClr val="lt1"/>
+          </a:fontRef>
+        </p:style>
+        <p:txBody>
+          <a:bodyPr rtlCol="0" anchor="ctr"/>
+          <a:lstStyle/>
+          <a:p>
+            <a:pPr algn="ctr"/>
+            <a:endParaRPr lang="en-US"/>
+          </a:p>
+        </p:txBody>
+      </p:sp>
+      <p:sp>
+        <p:nvSpPr>
+          <p:cNvPr id="12" name="Rectangle 11">
+            <a:extLst>
+              <a:ext uri="{FF2B5EF4-FFF2-40B4-BE49-F238E27FC236}">
+                <a16:creationId xmlns:a16="http://schemas.microsoft.com/office/drawing/2014/main" id="{DEF32219-4095-351F-4E5B-6A837E597CBA}"/>
+              </a:ext>
+            </a:extLst>
+          </p:cNvPr>
+          <p:cNvSpPr/>
+          <p:nvPr/>
+        </p:nvSpPr>
+        <p:spPr>
+          <a:xfrm>
+            <a:off x="6292188" y="4210487"/>
+            <a:ext cx="1842447" cy="900753"/>
+          </a:xfrm>
+          <a:prstGeom prst="rect">
+            <a:avLst/>
+          </a:prstGeom>
+          <a:solidFill>
+            <a:srgbClr val="FF0000"/>
+          </a:solidFill>
+        </p:spPr>
+        <p:style>
+          <a:lnRef idx="2">
+            <a:schemeClr val="accent1">
+              <a:shade val="50000"/>
+            </a:schemeClr>
+          </a:lnRef>
+          <a:fillRef idx="1">
+            <a:schemeClr val="accent1"/>
+          </a:fillRef>
+          <a:effectRef idx="0">
+            <a:schemeClr val="accent1"/>
+          </a:effectRef>
+          <a:fontRef idx="minor">
+            <a:schemeClr val="lt1"/>
+          </a:fontRef>
+        </p:style>
+        <p:txBody>
+          <a:bodyPr rtlCol="0" anchor="ctr"/>
+          <a:lstStyle/>
+          <a:p>
+            <a:pPr algn="ctr"/>
+            <a:r>
+              <a:rPr lang="en-US" dirty="0">
+                <a:ln w="0"/>
+                <a:solidFill>
+                  <a:schemeClr val="tx1"/>
+                </a:solidFill>
+                <a:effectLst>
+                  <a:outerShdw blurRad="38100" dist="19050" dir="2700000" algn="tl" rotWithShape="0">
+                    <a:schemeClr val="dk1">
+                      <a:alpha val="40000"/>
+                    </a:schemeClr>
+                  </a:outerShdw>
+                </a:effectLst>
+              </a:rPr>
+              <a:t>.col</a:t>
+            </a:r>
+          </a:p>
+        </p:txBody>
+      </p:sp>
+      <p:sp>
+        <p:nvSpPr>
+          <p:cNvPr id="13" name="Rectangle 12">
+            <a:extLst>
+              <a:ext uri="{FF2B5EF4-FFF2-40B4-BE49-F238E27FC236}">
+                <a16:creationId xmlns:a16="http://schemas.microsoft.com/office/drawing/2014/main" id="{8317DE3C-B24D-812B-633C-9D5F524F2569}"/>
+              </a:ext>
+            </a:extLst>
+          </p:cNvPr>
+          <p:cNvSpPr/>
+          <p:nvPr/>
+        </p:nvSpPr>
+        <p:spPr>
+          <a:xfrm>
+            <a:off x="9314881" y="4210486"/>
+            <a:ext cx="1842447" cy="900753"/>
+          </a:xfrm>
+          <a:prstGeom prst="rect">
+            <a:avLst/>
+          </a:prstGeom>
+          <a:solidFill>
+            <a:srgbClr val="002060"/>
+          </a:solidFill>
+        </p:spPr>
+        <p:style>
+          <a:lnRef idx="2">
+            <a:schemeClr val="accent1">
+              <a:shade val="50000"/>
+            </a:schemeClr>
+          </a:lnRef>
+          <a:fillRef idx="1">
+            <a:schemeClr val="accent1"/>
+          </a:fillRef>
+          <a:effectRef idx="0">
+            <a:schemeClr val="accent1"/>
+          </a:effectRef>
+          <a:fontRef idx="minor">
+            <a:schemeClr val="lt1"/>
+          </a:fontRef>
+        </p:style>
+        <p:txBody>
+          <a:bodyPr rtlCol="0" anchor="ctr"/>
+          <a:lstStyle/>
+          <a:p>
+            <a:pPr algn="ctr"/>
+            <a:r>
+              <a:rPr lang="en-US" dirty="0">
+                <a:ln w="0"/>
+                <a:solidFill>
+                  <a:schemeClr val="bg1"/>
+                </a:solidFill>
+                <a:effectLst>
+                  <a:outerShdw blurRad="38100" dist="19050" dir="2700000" algn="tl" rotWithShape="0">
+                    <a:schemeClr val="dk1">
+                      <a:alpha val="40000"/>
+                    </a:schemeClr>
+                  </a:outerShdw>
+                </a:effectLst>
+              </a:rPr>
+              <a:t>.col</a:t>
+            </a:r>
+          </a:p>
+        </p:txBody>
+      </p:sp>
+      <p:sp>
+        <p:nvSpPr>
+          <p:cNvPr id="14" name="Rectangle 13">
+            <a:extLst>
+              <a:ext uri="{FF2B5EF4-FFF2-40B4-BE49-F238E27FC236}">
+                <a16:creationId xmlns:a16="http://schemas.microsoft.com/office/drawing/2014/main" id="{10EF6CBD-0D6A-1A69-2974-B7EC4C41BC92}"/>
+              </a:ext>
+            </a:extLst>
+          </p:cNvPr>
+          <p:cNvSpPr/>
+          <p:nvPr/>
+        </p:nvSpPr>
+        <p:spPr>
+          <a:xfrm>
+            <a:off x="3581966" y="4247831"/>
+            <a:ext cx="1842447" cy="900753"/>
+          </a:xfrm>
+          <a:prstGeom prst="rect">
+            <a:avLst/>
+          </a:prstGeom>
+          <a:solidFill>
+            <a:srgbClr val="FFFF00"/>
+          </a:solidFill>
+        </p:spPr>
+        <p:style>
+          <a:lnRef idx="2">
+            <a:schemeClr val="accent1">
+              <a:shade val="50000"/>
+            </a:schemeClr>
+          </a:lnRef>
+          <a:fillRef idx="1">
+            <a:schemeClr val="accent1"/>
+          </a:fillRef>
+          <a:effectRef idx="0">
+            <a:schemeClr val="accent1"/>
+          </a:effectRef>
+          <a:fontRef idx="minor">
+            <a:schemeClr val="lt1"/>
+          </a:fontRef>
+        </p:style>
+        <p:txBody>
+          <a:bodyPr rtlCol="0" anchor="ctr"/>
+          <a:lstStyle/>
+          <a:p>
+            <a:pPr algn="ctr"/>
+            <a:r>
+              <a:rPr lang="en-US" dirty="0">
+                <a:ln w="0"/>
+                <a:solidFill>
+                  <a:schemeClr val="tx1"/>
+                </a:solidFill>
+                <a:effectLst>
+                  <a:outerShdw blurRad="38100" dist="19050" dir="2700000" algn="tl" rotWithShape="0">
+                    <a:schemeClr val="dk1">
+                      <a:alpha val="40000"/>
+                    </a:schemeClr>
+                  </a:outerShdw>
+                </a:effectLst>
+              </a:rPr>
+              <a:t>.col</a:t>
+            </a:r>
+          </a:p>
+        </p:txBody>
+      </p:sp>
+      <p:sp>
+        <p:nvSpPr>
+          <p:cNvPr id="15" name="Rectangle 14">
+            <a:extLst>
+              <a:ext uri="{FF2B5EF4-FFF2-40B4-BE49-F238E27FC236}">
+                <a16:creationId xmlns:a16="http://schemas.microsoft.com/office/drawing/2014/main" id="{D709CAA9-F013-A1A6-2FE5-CF7E55304E9A}"/>
+              </a:ext>
+            </a:extLst>
+          </p:cNvPr>
+          <p:cNvSpPr/>
+          <p:nvPr/>
+        </p:nvSpPr>
+        <p:spPr>
+          <a:xfrm>
+            <a:off x="956765" y="4247831"/>
+            <a:ext cx="1842447" cy="900753"/>
+          </a:xfrm>
+          <a:prstGeom prst="rect">
+            <a:avLst/>
+          </a:prstGeom>
+          <a:solidFill>
+            <a:schemeClr val="accent6">
+              <a:lumMod val="75000"/>
+            </a:schemeClr>
+          </a:solidFill>
+        </p:spPr>
+        <p:style>
+          <a:lnRef idx="2">
+            <a:schemeClr val="accent1">
+              <a:shade val="50000"/>
+            </a:schemeClr>
+          </a:lnRef>
+          <a:fillRef idx="1">
+            <a:schemeClr val="accent1"/>
+          </a:fillRef>
+          <a:effectRef idx="0">
+            <a:schemeClr val="accent1"/>
+          </a:effectRef>
+          <a:fontRef idx="minor">
+            <a:schemeClr val="lt1"/>
+          </a:fontRef>
+        </p:style>
+        <p:txBody>
+          <a:bodyPr rtlCol="0" anchor="ctr"/>
+          <a:lstStyle/>
+          <a:p>
+            <a:pPr algn="ctr"/>
+            <a:r>
+              <a:rPr lang="en-US" dirty="0">
+                <a:ln w="0"/>
+                <a:solidFill>
+                  <a:schemeClr val="tx1"/>
+                </a:solidFill>
+                <a:effectLst>
+                  <a:outerShdw blurRad="38100" dist="19050" dir="2700000" algn="tl" rotWithShape="0">
+                    <a:schemeClr val="dk1">
+                      <a:alpha val="40000"/>
+                    </a:schemeClr>
+                  </a:outerShdw>
+                </a:effectLst>
+              </a:rPr>
+              <a:t>.col</a:t>
+            </a:r>
+          </a:p>
+        </p:txBody>
+      </p:sp>
+      <p:sp>
+        <p:nvSpPr>
+          <p:cNvPr id="16" name="TextBox 15">
+            <a:extLst>
+              <a:ext uri="{FF2B5EF4-FFF2-40B4-BE49-F238E27FC236}">
+                <a16:creationId xmlns:a16="http://schemas.microsoft.com/office/drawing/2014/main" id="{3AB4846F-0105-E0D0-B185-9ED37D737153}"/>
+              </a:ext>
+            </a:extLst>
+          </p:cNvPr>
+          <p:cNvSpPr txBox="1"/>
+          <p:nvPr/>
+        </p:nvSpPr>
+        <p:spPr>
+          <a:xfrm>
+            <a:off x="859809" y="1678160"/>
+            <a:ext cx="1624650" cy="369332"/>
+          </a:xfrm>
+          <a:prstGeom prst="rect">
+            <a:avLst/>
+          </a:prstGeom>
+          <a:noFill/>
+        </p:spPr>
+        <p:txBody>
+          <a:bodyPr wrap="square" rtlCol="0">
+            <a:spAutoFit/>
+          </a:bodyPr>
+          <a:lstStyle/>
+          <a:p>
+            <a:r>
+              <a:rPr lang="en-US" dirty="0"/>
+              <a:t>2 Position</a:t>
+            </a:r>
+          </a:p>
+        </p:txBody>
+      </p:sp>
+      <p:sp>
+        <p:nvSpPr>
+          <p:cNvPr id="17" name="TextBox 16">
+            <a:extLst>
+              <a:ext uri="{FF2B5EF4-FFF2-40B4-BE49-F238E27FC236}">
+                <a16:creationId xmlns:a16="http://schemas.microsoft.com/office/drawing/2014/main" id="{C1AF3278-70A7-B7BF-5D6E-ADF10E1B2FBD}"/>
+              </a:ext>
+            </a:extLst>
+          </p:cNvPr>
+          <p:cNvSpPr txBox="1"/>
+          <p:nvPr/>
+        </p:nvSpPr>
+        <p:spPr>
+          <a:xfrm>
+            <a:off x="3799763" y="1648960"/>
+            <a:ext cx="1624650" cy="369332"/>
+          </a:xfrm>
+          <a:prstGeom prst="rect">
+            <a:avLst/>
+          </a:prstGeom>
+          <a:noFill/>
+        </p:spPr>
+        <p:txBody>
+          <a:bodyPr wrap="square" rtlCol="0">
+            <a:spAutoFit/>
+          </a:bodyPr>
+          <a:lstStyle/>
+          <a:p>
+            <a:r>
+              <a:rPr lang="en-US" dirty="0"/>
+              <a:t>4 Position</a:t>
+            </a:r>
+          </a:p>
+        </p:txBody>
+      </p:sp>
+      <p:sp>
+        <p:nvSpPr>
+          <p:cNvPr id="18" name="TextBox 17">
+            <a:extLst>
+              <a:ext uri="{FF2B5EF4-FFF2-40B4-BE49-F238E27FC236}">
+                <a16:creationId xmlns:a16="http://schemas.microsoft.com/office/drawing/2014/main" id="{D15626A0-4E83-8C5C-E81B-4D995DAC1146}"/>
+              </a:ext>
+            </a:extLst>
+          </p:cNvPr>
+          <p:cNvSpPr txBox="1"/>
+          <p:nvPr/>
+        </p:nvSpPr>
+        <p:spPr>
+          <a:xfrm>
+            <a:off x="6374927" y="1603848"/>
+            <a:ext cx="1624650" cy="369332"/>
+          </a:xfrm>
+          <a:prstGeom prst="rect">
+            <a:avLst/>
+          </a:prstGeom>
+          <a:noFill/>
+        </p:spPr>
+        <p:txBody>
+          <a:bodyPr wrap="square" rtlCol="0">
+            <a:spAutoFit/>
+          </a:bodyPr>
+          <a:lstStyle/>
+          <a:p>
+            <a:r>
+              <a:rPr lang="en-US" dirty="0"/>
+              <a:t>1 Position</a:t>
+            </a:r>
+          </a:p>
+        </p:txBody>
+      </p:sp>
+      <p:sp>
+        <p:nvSpPr>
+          <p:cNvPr id="19" name="TextBox 18">
+            <a:extLst>
+              <a:ext uri="{FF2B5EF4-FFF2-40B4-BE49-F238E27FC236}">
+                <a16:creationId xmlns:a16="http://schemas.microsoft.com/office/drawing/2014/main" id="{9E5CF878-59B3-2FC1-F9F3-7E8EE93626B8}"/>
+              </a:ext>
+            </a:extLst>
+          </p:cNvPr>
+          <p:cNvSpPr txBox="1"/>
+          <p:nvPr/>
+        </p:nvSpPr>
+        <p:spPr>
+          <a:xfrm>
+            <a:off x="9200013" y="1678160"/>
+            <a:ext cx="1624650" cy="369332"/>
+          </a:xfrm>
+          <a:prstGeom prst="rect">
+            <a:avLst/>
+          </a:prstGeom>
+          <a:noFill/>
+        </p:spPr>
+        <p:txBody>
+          <a:bodyPr wrap="square" rtlCol="0">
+            <a:spAutoFit/>
+          </a:bodyPr>
+          <a:lstStyle/>
+          <a:p>
+            <a:r>
+              <a:rPr lang="en-US" dirty="0"/>
+              <a:t>3 Position</a:t>
+            </a:r>
+          </a:p>
+        </p:txBody>
+      </p:sp>
+      <p:sp>
+        <p:nvSpPr>
+          <p:cNvPr id="20" name="TextBox 19">
+            <a:extLst>
+              <a:ext uri="{FF2B5EF4-FFF2-40B4-BE49-F238E27FC236}">
+                <a16:creationId xmlns:a16="http://schemas.microsoft.com/office/drawing/2014/main" id="{8072DD50-38A6-09F0-EFC5-6804DE47FB52}"/>
+              </a:ext>
+            </a:extLst>
+          </p:cNvPr>
+          <p:cNvSpPr txBox="1"/>
+          <p:nvPr/>
+        </p:nvSpPr>
+        <p:spPr>
+          <a:xfrm>
+            <a:off x="701153" y="1952568"/>
+            <a:ext cx="1783306" cy="369332"/>
+          </a:xfrm>
+          <a:prstGeom prst="rect">
+            <a:avLst/>
+          </a:prstGeom>
+          <a:noFill/>
+        </p:spPr>
+        <p:txBody>
+          <a:bodyPr wrap="square" rtlCol="0">
+            <a:spAutoFit/>
+          </a:bodyPr>
+          <a:lstStyle/>
+          <a:p>
+            <a:r>
+              <a:rPr lang="en-US" b="1" dirty="0">
+                <a:solidFill>
+                  <a:srgbClr val="FF0000"/>
+                </a:solidFill>
+              </a:rPr>
+              <a:t>.order-1</a:t>
+            </a:r>
+          </a:p>
+        </p:txBody>
+      </p:sp>
+      <p:sp>
+        <p:nvSpPr>
+          <p:cNvPr id="21" name="TextBox 20">
+            <a:extLst>
+              <a:ext uri="{FF2B5EF4-FFF2-40B4-BE49-F238E27FC236}">
+                <a16:creationId xmlns:a16="http://schemas.microsoft.com/office/drawing/2014/main" id="{BE209671-6A51-4691-887D-B4F066DDB61E}"/>
+              </a:ext>
+            </a:extLst>
+          </p:cNvPr>
+          <p:cNvSpPr txBox="1"/>
+          <p:nvPr/>
+        </p:nvSpPr>
+        <p:spPr>
+          <a:xfrm>
+            <a:off x="6331996" y="1952568"/>
+            <a:ext cx="1783306" cy="369332"/>
+          </a:xfrm>
+          <a:prstGeom prst="rect">
+            <a:avLst/>
+          </a:prstGeom>
+          <a:noFill/>
+        </p:spPr>
+        <p:txBody>
+          <a:bodyPr wrap="square" rtlCol="0">
+            <a:spAutoFit/>
+          </a:bodyPr>
+          <a:lstStyle/>
+          <a:p>
+            <a:r>
+              <a:rPr lang="en-US" b="1" dirty="0">
+                <a:solidFill>
+                  <a:srgbClr val="FF0000"/>
+                </a:solidFill>
+              </a:rPr>
+              <a:t>.order-0</a:t>
+            </a:r>
+          </a:p>
+        </p:txBody>
+      </p:sp>
+      <p:sp>
+        <p:nvSpPr>
+          <p:cNvPr id="22" name="TextBox 21">
+            <a:extLst>
+              <a:ext uri="{FF2B5EF4-FFF2-40B4-BE49-F238E27FC236}">
+                <a16:creationId xmlns:a16="http://schemas.microsoft.com/office/drawing/2014/main" id="{9AFA2945-DD9A-7E7B-C1D3-B48BBEF2471F}"/>
+              </a:ext>
+            </a:extLst>
+          </p:cNvPr>
+          <p:cNvSpPr txBox="1"/>
+          <p:nvPr/>
+        </p:nvSpPr>
+        <p:spPr>
+          <a:xfrm>
+            <a:off x="9122395" y="2062787"/>
+            <a:ext cx="1783306" cy="369332"/>
+          </a:xfrm>
+          <a:prstGeom prst="rect">
+            <a:avLst/>
+          </a:prstGeom>
+          <a:noFill/>
+        </p:spPr>
+        <p:txBody>
+          <a:bodyPr wrap="square" rtlCol="0">
+            <a:spAutoFit/>
+          </a:bodyPr>
+          <a:lstStyle/>
+          <a:p>
+            <a:r>
+              <a:rPr lang="en-US" b="1" dirty="0">
+                <a:solidFill>
+                  <a:srgbClr val="FF0000"/>
+                </a:solidFill>
+              </a:rPr>
+              <a:t>.order-2</a:t>
+            </a:r>
+          </a:p>
+        </p:txBody>
+      </p:sp>
+      <p:sp>
+        <p:nvSpPr>
+          <p:cNvPr id="23" name="TextBox 22">
+            <a:extLst>
+              <a:ext uri="{FF2B5EF4-FFF2-40B4-BE49-F238E27FC236}">
+                <a16:creationId xmlns:a16="http://schemas.microsoft.com/office/drawing/2014/main" id="{4365A843-8AED-CF1D-0195-77E55BFD9C48}"/>
+              </a:ext>
+            </a:extLst>
+          </p:cNvPr>
+          <p:cNvSpPr txBox="1"/>
+          <p:nvPr/>
+        </p:nvSpPr>
+        <p:spPr>
+          <a:xfrm>
+            <a:off x="3641107" y="2066415"/>
+            <a:ext cx="1783306" cy="369332"/>
+          </a:xfrm>
+          <a:prstGeom prst="rect">
+            <a:avLst/>
+          </a:prstGeom>
+          <a:noFill/>
+        </p:spPr>
+        <p:txBody>
+          <a:bodyPr wrap="square" rtlCol="0">
+            <a:spAutoFit/>
+          </a:bodyPr>
+          <a:lstStyle/>
+          <a:p>
+            <a:r>
+              <a:rPr lang="en-US" b="1" dirty="0">
+                <a:solidFill>
+                  <a:srgbClr val="FF0000"/>
+                </a:solidFill>
+              </a:rPr>
+              <a:t>.order-3</a:t>
+            </a:r>
+          </a:p>
+        </p:txBody>
+      </p:sp>
+    </p:spTree>
+    <p:extLst>
+      <p:ext uri="{BB962C8B-B14F-4D97-AF65-F5344CB8AC3E}">
+        <p14:creationId xmlns:p14="http://schemas.microsoft.com/office/powerpoint/2010/main" val="3453263652"/>
+      </p:ext>
+    </p:extLst>
+  </p:cSld>
+  <p:clrMapOvr>
+    <a:masterClrMapping/>
+  </p:clrMapOvr>
+</p:sld>
+</file>
+
+<file path=ppt/slides/slide26.xml><?xml version="1.0" encoding="utf-8"?>
+<p:sld xmlns:a="http://schemas.openxmlformats.org/drawingml/2006/main" xmlns:r="http://schemas.openxmlformats.org/officeDocument/2006/relationships" xmlns:p="http://schemas.openxmlformats.org/presentationml/2006/main">
+  <p:cSld>
+    <p:spTree>
+      <p:nvGrpSpPr>
+        <p:cNvPr id="1" name=""/>
+        <p:cNvGrpSpPr/>
+        <p:nvPr/>
+      </p:nvGrpSpPr>
+      <p:grpSpPr>
+        <a:xfrm>
+          <a:off x="0" y="0"/>
+          <a:ext cx="0" cy="0"/>
+          <a:chOff x="0" y="0"/>
+          <a:chExt cx="0" cy="0"/>
+        </a:xfrm>
+      </p:grpSpPr>
+      <p:sp>
+        <p:nvSpPr>
+          <p:cNvPr id="2" name="Title 1">
+            <a:extLst>
+              <a:ext uri="{FF2B5EF4-FFF2-40B4-BE49-F238E27FC236}">
+                <a16:creationId xmlns:a16="http://schemas.microsoft.com/office/drawing/2014/main" id="{C6D47979-AB60-0F93-FADB-6E0088E2C200}"/>
+              </a:ext>
+            </a:extLst>
+          </p:cNvPr>
+          <p:cNvSpPr>
+            <a:spLocks noGrp="1"/>
+          </p:cNvSpPr>
+          <p:nvPr>
+            <p:ph type="title"/>
+          </p:nvPr>
+        </p:nvSpPr>
+        <p:spPr/>
+        <p:txBody>
+          <a:bodyPr/>
+          <a:lstStyle/>
+          <a:p>
+            <a:r>
+              <a:rPr lang="en-US" dirty="0"/>
+              <a:t>Bootstrap: Nesting</a:t>
+            </a:r>
+          </a:p>
+        </p:txBody>
+      </p:sp>
+      <p:sp>
+        <p:nvSpPr>
+          <p:cNvPr id="4" name="Rectangle 3">
+            <a:extLst>
+              <a:ext uri="{FF2B5EF4-FFF2-40B4-BE49-F238E27FC236}">
+                <a16:creationId xmlns:a16="http://schemas.microsoft.com/office/drawing/2014/main" id="{5434B99C-6479-1891-46DB-1C69AE28BC87}"/>
+              </a:ext>
+            </a:extLst>
+          </p:cNvPr>
+          <p:cNvSpPr/>
+          <p:nvPr/>
+        </p:nvSpPr>
+        <p:spPr>
+          <a:xfrm>
+            <a:off x="1351128" y="1828800"/>
+            <a:ext cx="10002672" cy="736979"/>
+          </a:xfrm>
+          <a:prstGeom prst="rect">
+            <a:avLst/>
+          </a:prstGeom>
+          <a:solidFill>
+            <a:schemeClr val="bg1"/>
+          </a:solidFill>
+        </p:spPr>
+        <p:style>
+          <a:lnRef idx="2">
+            <a:schemeClr val="accent1">
+              <a:shade val="50000"/>
+            </a:schemeClr>
+          </a:lnRef>
+          <a:fillRef idx="1">
+            <a:schemeClr val="accent1"/>
+          </a:fillRef>
+          <a:effectRef idx="0">
+            <a:schemeClr val="accent1"/>
+          </a:effectRef>
+          <a:fontRef idx="minor">
+            <a:schemeClr val="lt1"/>
+          </a:fontRef>
+        </p:style>
+        <p:txBody>
+          <a:bodyPr rtlCol="0" anchor="ctr"/>
+          <a:lstStyle/>
+          <a:p>
+            <a:pPr algn="ctr"/>
+            <a:endParaRPr lang="en-US"/>
+          </a:p>
+        </p:txBody>
+      </p:sp>
+      <p:sp>
+        <p:nvSpPr>
+          <p:cNvPr id="5" name="TextBox 4">
+            <a:extLst>
+              <a:ext uri="{FF2B5EF4-FFF2-40B4-BE49-F238E27FC236}">
+                <a16:creationId xmlns:a16="http://schemas.microsoft.com/office/drawing/2014/main" id="{EA0D4957-83F4-AA3E-59B1-05E397D79AC7}"/>
+              </a:ext>
+            </a:extLst>
+          </p:cNvPr>
+          <p:cNvSpPr txBox="1"/>
+          <p:nvPr/>
+        </p:nvSpPr>
+        <p:spPr>
+          <a:xfrm>
+            <a:off x="5363570" y="1506022"/>
+            <a:ext cx="604846" cy="369332"/>
+          </a:xfrm>
+          <a:prstGeom prst="rect">
+            <a:avLst/>
+          </a:prstGeom>
+          <a:noFill/>
+        </p:spPr>
+        <p:txBody>
+          <a:bodyPr wrap="none" rtlCol="0">
+            <a:spAutoFit/>
+          </a:bodyPr>
+          <a:lstStyle/>
+          <a:p>
+            <a:r>
+              <a:rPr lang="en-US" dirty="0"/>
+              <a:t>.row</a:t>
+            </a:r>
+          </a:p>
+        </p:txBody>
+      </p:sp>
+      <p:sp>
+        <p:nvSpPr>
+          <p:cNvPr id="6" name="Rectangle 5">
+            <a:extLst>
+              <a:ext uri="{FF2B5EF4-FFF2-40B4-BE49-F238E27FC236}">
+                <a16:creationId xmlns:a16="http://schemas.microsoft.com/office/drawing/2014/main" id="{182796F5-50C5-952A-DD0B-0CFD809909C4}"/>
+              </a:ext>
+            </a:extLst>
+          </p:cNvPr>
+          <p:cNvSpPr/>
+          <p:nvPr/>
+        </p:nvSpPr>
+        <p:spPr>
+          <a:xfrm>
+            <a:off x="1351128" y="1828800"/>
+            <a:ext cx="6346209" cy="736979"/>
+          </a:xfrm>
+          <a:prstGeom prst="rect">
+            <a:avLst/>
+          </a:prstGeom>
+        </p:spPr>
+        <p:style>
+          <a:lnRef idx="0">
+            <a:schemeClr val="accent5"/>
+          </a:lnRef>
+          <a:fillRef idx="3">
+            <a:schemeClr val="accent5"/>
+          </a:fillRef>
+          <a:effectRef idx="3">
+            <a:schemeClr val="accent5"/>
+          </a:effectRef>
+          <a:fontRef idx="minor">
+            <a:schemeClr val="lt1"/>
+          </a:fontRef>
+        </p:style>
+        <p:txBody>
+          <a:bodyPr rtlCol="0" anchor="ctr"/>
+          <a:lstStyle/>
+          <a:p>
+            <a:pPr algn="ctr"/>
+            <a:r>
+              <a:rPr lang="en-US" sz="3600" dirty="0"/>
+              <a:t>.col-md-8</a:t>
+            </a:r>
+          </a:p>
+        </p:txBody>
+      </p:sp>
+      <p:sp>
+        <p:nvSpPr>
+          <p:cNvPr id="7" name="Rectangle 6">
+            <a:extLst>
+              <a:ext uri="{FF2B5EF4-FFF2-40B4-BE49-F238E27FC236}">
+                <a16:creationId xmlns:a16="http://schemas.microsoft.com/office/drawing/2014/main" id="{126A94D0-4192-376D-DB3A-49A6A347C6F0}"/>
+              </a:ext>
+            </a:extLst>
+          </p:cNvPr>
+          <p:cNvSpPr/>
+          <p:nvPr/>
+        </p:nvSpPr>
+        <p:spPr>
+          <a:xfrm>
+            <a:off x="7697338" y="1828800"/>
+            <a:ext cx="3656462" cy="736979"/>
+          </a:xfrm>
+          <a:prstGeom prst="rect">
+            <a:avLst/>
+          </a:prstGeom>
+        </p:spPr>
+        <p:style>
+          <a:lnRef idx="2">
+            <a:schemeClr val="accent4">
+              <a:shade val="50000"/>
+            </a:schemeClr>
+          </a:lnRef>
+          <a:fillRef idx="1">
+            <a:schemeClr val="accent4"/>
+          </a:fillRef>
+          <a:effectRef idx="0">
+            <a:schemeClr val="accent4"/>
+          </a:effectRef>
+          <a:fontRef idx="minor">
+            <a:schemeClr val="lt1"/>
+          </a:fontRef>
+        </p:style>
+        <p:txBody>
+          <a:bodyPr rtlCol="0" anchor="ctr"/>
+          <a:lstStyle/>
+          <a:p>
+            <a:pPr algn="ctr"/>
+            <a:r>
+              <a:rPr lang="en-US" sz="3600" dirty="0"/>
+              <a:t>.col-md-4</a:t>
+            </a:r>
+          </a:p>
+        </p:txBody>
+      </p:sp>
+      <p:sp>
+        <p:nvSpPr>
+          <p:cNvPr id="8" name="Arrow: Down 7">
+            <a:extLst>
+              <a:ext uri="{FF2B5EF4-FFF2-40B4-BE49-F238E27FC236}">
+                <a16:creationId xmlns:a16="http://schemas.microsoft.com/office/drawing/2014/main" id="{B9484D92-2D7F-7C7F-815D-05396037EB87}"/>
+              </a:ext>
+            </a:extLst>
+          </p:cNvPr>
+          <p:cNvSpPr/>
+          <p:nvPr/>
+        </p:nvSpPr>
+        <p:spPr>
+          <a:xfrm>
+            <a:off x="3889612" y="2770496"/>
+            <a:ext cx="1064525" cy="1521726"/>
+          </a:xfrm>
+          <a:prstGeom prst="downArrow">
+            <a:avLst/>
+          </a:prstGeom>
+        </p:spPr>
+        <p:style>
+          <a:lnRef idx="2">
+            <a:schemeClr val="accent1">
+              <a:shade val="50000"/>
+            </a:schemeClr>
+          </a:lnRef>
+          <a:fillRef idx="1">
+            <a:schemeClr val="accent1"/>
+          </a:fillRef>
+          <a:effectRef idx="0">
+            <a:schemeClr val="accent1"/>
+          </a:effectRef>
+          <a:fontRef idx="minor">
+            <a:schemeClr val="lt1"/>
+          </a:fontRef>
+        </p:style>
+        <p:txBody>
+          <a:bodyPr rtlCol="0" anchor="ctr"/>
+          <a:lstStyle/>
+          <a:p>
+            <a:pPr algn="ctr"/>
+            <a:endParaRPr lang="en-US"/>
+          </a:p>
+        </p:txBody>
+      </p:sp>
+      <p:sp>
+        <p:nvSpPr>
+          <p:cNvPr id="9" name="Rectangle 8">
+            <a:extLst>
+              <a:ext uri="{FF2B5EF4-FFF2-40B4-BE49-F238E27FC236}">
+                <a16:creationId xmlns:a16="http://schemas.microsoft.com/office/drawing/2014/main" id="{A5C94C79-E062-C7AC-889C-F02A41A1DDD9}"/>
+              </a:ext>
+            </a:extLst>
+          </p:cNvPr>
+          <p:cNvSpPr/>
+          <p:nvPr/>
+        </p:nvSpPr>
+        <p:spPr>
+          <a:xfrm>
+            <a:off x="1514901" y="4490113"/>
+            <a:ext cx="6018663" cy="736979"/>
+          </a:xfrm>
+          <a:prstGeom prst="rect">
+            <a:avLst/>
+          </a:prstGeom>
+          <a:noFill/>
+        </p:spPr>
+        <p:style>
+          <a:lnRef idx="2">
+            <a:schemeClr val="accent1">
+              <a:shade val="50000"/>
+            </a:schemeClr>
+          </a:lnRef>
+          <a:fillRef idx="1">
+            <a:schemeClr val="accent1"/>
+          </a:fillRef>
+          <a:effectRef idx="0">
+            <a:schemeClr val="accent1"/>
+          </a:effectRef>
+          <a:fontRef idx="minor">
+            <a:schemeClr val="lt1"/>
+          </a:fontRef>
+        </p:style>
+        <p:txBody>
+          <a:bodyPr rtlCol="0" anchor="ctr"/>
+          <a:lstStyle/>
+          <a:p>
+            <a:pPr algn="ctr"/>
+            <a:endParaRPr lang="en-US"/>
+          </a:p>
+        </p:txBody>
+      </p:sp>
+      <p:sp>
+        <p:nvSpPr>
+          <p:cNvPr id="10" name="Rectangle 9">
+            <a:extLst>
+              <a:ext uri="{FF2B5EF4-FFF2-40B4-BE49-F238E27FC236}">
+                <a16:creationId xmlns:a16="http://schemas.microsoft.com/office/drawing/2014/main" id="{5C218754-A7F9-1310-7EEF-4955F3D9AD2A}"/>
+              </a:ext>
+            </a:extLst>
+          </p:cNvPr>
+          <p:cNvSpPr/>
+          <p:nvPr/>
+        </p:nvSpPr>
+        <p:spPr>
+          <a:xfrm>
+            <a:off x="1514900" y="4490113"/>
+            <a:ext cx="3111689" cy="736979"/>
+          </a:xfrm>
+          <a:prstGeom prst="rect">
+            <a:avLst/>
+          </a:prstGeom>
+          <a:solidFill>
+            <a:schemeClr val="accent4">
+              <a:lumMod val="60000"/>
+              <a:lumOff val="40000"/>
+            </a:schemeClr>
+          </a:solidFill>
+        </p:spPr>
+        <p:style>
+          <a:lnRef idx="2">
+            <a:schemeClr val="accent1">
+              <a:shade val="50000"/>
+            </a:schemeClr>
+          </a:lnRef>
+          <a:fillRef idx="1">
+            <a:schemeClr val="accent1"/>
+          </a:fillRef>
+          <a:effectRef idx="0">
+            <a:schemeClr val="accent1"/>
+          </a:effectRef>
+          <a:fontRef idx="minor">
+            <a:schemeClr val="lt1"/>
+          </a:fontRef>
+        </p:style>
+        <p:txBody>
+          <a:bodyPr rtlCol="0" anchor="ctr"/>
+          <a:lstStyle/>
+          <a:p>
+            <a:pPr algn="ctr"/>
+            <a:r>
+              <a:rPr lang="en-US" sz="3600" dirty="0">
+                <a:ln w="0"/>
+                <a:solidFill>
+                  <a:schemeClr val="tx1"/>
+                </a:solidFill>
+                <a:effectLst>
+                  <a:outerShdw blurRad="38100" dist="19050" dir="2700000" algn="tl" rotWithShape="0">
+                    <a:schemeClr val="dk1">
+                      <a:alpha val="40000"/>
+                    </a:schemeClr>
+                  </a:outerShdw>
+                </a:effectLst>
+              </a:rPr>
+              <a:t>.col-md-6</a:t>
+            </a:r>
+          </a:p>
+        </p:txBody>
+      </p:sp>
+      <p:sp>
+        <p:nvSpPr>
+          <p:cNvPr id="11" name="Rectangle 10">
+            <a:extLst>
+              <a:ext uri="{FF2B5EF4-FFF2-40B4-BE49-F238E27FC236}">
+                <a16:creationId xmlns:a16="http://schemas.microsoft.com/office/drawing/2014/main" id="{62D23FD3-84BA-DB67-C530-BD9082DB9A02}"/>
+              </a:ext>
+            </a:extLst>
+          </p:cNvPr>
+          <p:cNvSpPr/>
+          <p:nvPr/>
+        </p:nvSpPr>
+        <p:spPr>
+          <a:xfrm>
+            <a:off x="4658439" y="4490112"/>
+            <a:ext cx="2906974" cy="736979"/>
+          </a:xfrm>
+          <a:prstGeom prst="rect">
+            <a:avLst/>
+          </a:prstGeom>
+          <a:solidFill>
+            <a:schemeClr val="accent6">
+              <a:lumMod val="75000"/>
+            </a:schemeClr>
+          </a:solidFill>
+        </p:spPr>
+        <p:style>
+          <a:lnRef idx="2">
+            <a:schemeClr val="accent1">
+              <a:shade val="50000"/>
+            </a:schemeClr>
+          </a:lnRef>
+          <a:fillRef idx="1">
+            <a:schemeClr val="accent1"/>
+          </a:fillRef>
+          <a:effectRef idx="0">
+            <a:schemeClr val="accent1"/>
+          </a:effectRef>
+          <a:fontRef idx="minor">
+            <a:schemeClr val="lt1"/>
+          </a:fontRef>
+        </p:style>
+        <p:txBody>
+          <a:bodyPr rtlCol="0" anchor="ctr"/>
+          <a:lstStyle/>
+          <a:p>
+            <a:pPr algn="ctr"/>
+            <a:r>
+              <a:rPr lang="en-US" sz="3600" dirty="0"/>
+              <a:t>.col-md-6</a:t>
+            </a:r>
+          </a:p>
+        </p:txBody>
+      </p:sp>
+    </p:spTree>
+    <p:extLst>
+      <p:ext uri="{BB962C8B-B14F-4D97-AF65-F5344CB8AC3E}">
+        <p14:creationId xmlns:p14="http://schemas.microsoft.com/office/powerpoint/2010/main" val="1172106766"/>
+      </p:ext>
+    </p:extLst>
+  </p:cSld>
+  <p:clrMapOvr>
+    <a:masterClrMapping/>
+  </p:clrMapOvr>
+</p:sld>
+</file>
+
 <file path=ppt/slides/slide3.xml><?xml version="1.0" encoding="utf-8"?>
 <p:sld xmlns:a="http://schemas.openxmlformats.org/drawingml/2006/main" xmlns:r="http://schemas.openxmlformats.org/officeDocument/2006/relationships" xmlns:p="http://schemas.openxmlformats.org/presentationml/2006/main">
   <p:cSld>

--- a/What is Bootstrap.pptx
+++ b/What is Bootstrap.pptx
@@ -31,6 +31,11 @@
     <p:sldId id="279" r:id="rId25"/>
     <p:sldId id="280" r:id="rId26"/>
     <p:sldId id="281" r:id="rId27"/>
+    <p:sldId id="282" r:id="rId28"/>
+    <p:sldId id="283" r:id="rId29"/>
+    <p:sldId id="284" r:id="rId30"/>
+    <p:sldId id="285" r:id="rId31"/>
+    <p:sldId id="286" r:id="rId32"/>
   </p:sldIdLst>
   <p:sldSz cx="12192000" cy="6858000"/>
   <p:notesSz cx="6858000" cy="9144000"/>
@@ -284,7 +289,7 @@
           <a:p>
             <a:fld id="{C7A5561A-5692-4EBE-B4E1-7DDBA8836318}" type="datetimeFigureOut">
               <a:rPr lang="en-US" smtClean="0"/>
-              <a:t>12/22/2022</a:t>
+              <a:t>12/24/2022</a:t>
             </a:fld>
             <a:endParaRPr lang="en-US"/>
           </a:p>
@@ -482,7 +487,7 @@
           <a:p>
             <a:fld id="{C7A5561A-5692-4EBE-B4E1-7DDBA8836318}" type="datetimeFigureOut">
               <a:rPr lang="en-US" smtClean="0"/>
-              <a:t>12/22/2022</a:t>
+              <a:t>12/24/2022</a:t>
             </a:fld>
             <a:endParaRPr lang="en-US"/>
           </a:p>
@@ -690,7 +695,7 @@
           <a:p>
             <a:fld id="{C7A5561A-5692-4EBE-B4E1-7DDBA8836318}" type="datetimeFigureOut">
               <a:rPr lang="en-US" smtClean="0"/>
-              <a:t>12/22/2022</a:t>
+              <a:t>12/24/2022</a:t>
             </a:fld>
             <a:endParaRPr lang="en-US"/>
           </a:p>
@@ -888,7 +893,7 @@
           <a:p>
             <a:fld id="{C7A5561A-5692-4EBE-B4E1-7DDBA8836318}" type="datetimeFigureOut">
               <a:rPr lang="en-US" smtClean="0"/>
-              <a:t>12/22/2022</a:t>
+              <a:t>12/24/2022</a:t>
             </a:fld>
             <a:endParaRPr lang="en-US"/>
           </a:p>
@@ -1163,7 +1168,7 @@
           <a:p>
             <a:fld id="{C7A5561A-5692-4EBE-B4E1-7DDBA8836318}" type="datetimeFigureOut">
               <a:rPr lang="en-US" smtClean="0"/>
-              <a:t>12/22/2022</a:t>
+              <a:t>12/24/2022</a:t>
             </a:fld>
             <a:endParaRPr lang="en-US"/>
           </a:p>
@@ -1428,7 +1433,7 @@
           <a:p>
             <a:fld id="{C7A5561A-5692-4EBE-B4E1-7DDBA8836318}" type="datetimeFigureOut">
               <a:rPr lang="en-US" smtClean="0"/>
-              <a:t>12/22/2022</a:t>
+              <a:t>12/24/2022</a:t>
             </a:fld>
             <a:endParaRPr lang="en-US"/>
           </a:p>
@@ -1840,7 +1845,7 @@
           <a:p>
             <a:fld id="{C7A5561A-5692-4EBE-B4E1-7DDBA8836318}" type="datetimeFigureOut">
               <a:rPr lang="en-US" smtClean="0"/>
-              <a:t>12/22/2022</a:t>
+              <a:t>12/24/2022</a:t>
             </a:fld>
             <a:endParaRPr lang="en-US"/>
           </a:p>
@@ -1981,7 +1986,7 @@
           <a:p>
             <a:fld id="{C7A5561A-5692-4EBE-B4E1-7DDBA8836318}" type="datetimeFigureOut">
               <a:rPr lang="en-US" smtClean="0"/>
-              <a:t>12/22/2022</a:t>
+              <a:t>12/24/2022</a:t>
             </a:fld>
             <a:endParaRPr lang="en-US"/>
           </a:p>
@@ -2094,7 +2099,7 @@
           <a:p>
             <a:fld id="{C7A5561A-5692-4EBE-B4E1-7DDBA8836318}" type="datetimeFigureOut">
               <a:rPr lang="en-US" smtClean="0"/>
-              <a:t>12/22/2022</a:t>
+              <a:t>12/24/2022</a:t>
             </a:fld>
             <a:endParaRPr lang="en-US"/>
           </a:p>
@@ -2405,7 +2410,7 @@
           <a:p>
             <a:fld id="{C7A5561A-5692-4EBE-B4E1-7DDBA8836318}" type="datetimeFigureOut">
               <a:rPr lang="en-US" smtClean="0"/>
-              <a:t>12/22/2022</a:t>
+              <a:t>12/24/2022</a:t>
             </a:fld>
             <a:endParaRPr lang="en-US"/>
           </a:p>
@@ -2693,7 +2698,7 @@
           <a:p>
             <a:fld id="{C7A5561A-5692-4EBE-B4E1-7DDBA8836318}" type="datetimeFigureOut">
               <a:rPr lang="en-US" smtClean="0"/>
-              <a:t>12/22/2022</a:t>
+              <a:t>12/24/2022</a:t>
             </a:fld>
             <a:endParaRPr lang="en-US"/>
           </a:p>
@@ -2934,7 +2939,7 @@
           <a:p>
             <a:fld id="{C7A5561A-5692-4EBE-B4E1-7DDBA8836318}" type="datetimeFigureOut">
               <a:rPr lang="en-US" smtClean="0"/>
-              <a:t>12/22/2022</a:t>
+              <a:t>12/24/2022</a:t>
             </a:fld>
             <a:endParaRPr lang="en-US"/>
           </a:p>
@@ -10372,7 +10377,7 @@
         </p:nvGrpSpPr>
         <p:grpSpPr>
           <a:xfrm>
-            <a:off x="9588689" y="2159230"/>
+            <a:off x="9138313" y="1690688"/>
             <a:ext cx="1765111" cy="2539539"/>
             <a:chOff x="6751092" y="1825625"/>
             <a:chExt cx="1765111" cy="2539539"/>
@@ -12095,6 +12100,1739 @@
     <p:extLst>
       <p:ext uri="{BB962C8B-B14F-4D97-AF65-F5344CB8AC3E}">
         <p14:creationId xmlns:p14="http://schemas.microsoft.com/office/powerpoint/2010/main" val="1172106766"/>
+      </p:ext>
+    </p:extLst>
+  </p:cSld>
+  <p:clrMapOvr>
+    <a:masterClrMapping/>
+  </p:clrMapOvr>
+</p:sld>
+</file>
+
+<file path=ppt/slides/slide27.xml><?xml version="1.0" encoding="utf-8"?>
+<p:sld xmlns:a="http://schemas.openxmlformats.org/drawingml/2006/main" xmlns:r="http://schemas.openxmlformats.org/officeDocument/2006/relationships" xmlns:p="http://schemas.openxmlformats.org/presentationml/2006/main">
+  <p:cSld>
+    <p:spTree>
+      <p:nvGrpSpPr>
+        <p:cNvPr id="1" name=""/>
+        <p:cNvGrpSpPr/>
+        <p:nvPr/>
+      </p:nvGrpSpPr>
+      <p:grpSpPr>
+        <a:xfrm>
+          <a:off x="0" y="0"/>
+          <a:ext cx="0" cy="0"/>
+          <a:chOff x="0" y="0"/>
+          <a:chExt cx="0" cy="0"/>
+        </a:xfrm>
+      </p:grpSpPr>
+      <p:sp>
+        <p:nvSpPr>
+          <p:cNvPr id="2" name="Title 1">
+            <a:extLst>
+              <a:ext uri="{FF2B5EF4-FFF2-40B4-BE49-F238E27FC236}">
+                <a16:creationId xmlns:a16="http://schemas.microsoft.com/office/drawing/2014/main" id="{FFF254E6-2F10-3D3A-4200-C054CADA47A5}"/>
+              </a:ext>
+            </a:extLst>
+          </p:cNvPr>
+          <p:cNvSpPr>
+            <a:spLocks noGrp="1"/>
+          </p:cNvSpPr>
+          <p:nvPr>
+            <p:ph type="title"/>
+          </p:nvPr>
+        </p:nvSpPr>
+        <p:spPr/>
+        <p:txBody>
+          <a:bodyPr/>
+          <a:lstStyle/>
+          <a:p>
+            <a:r>
+              <a:rPr lang="en-US" dirty="0"/>
+              <a:t>Bootstrap -Margin</a:t>
+            </a:r>
+          </a:p>
+        </p:txBody>
+      </p:sp>
+      <p:grpSp>
+        <p:nvGrpSpPr>
+          <p:cNvPr id="4" name="Group 3">
+            <a:extLst>
+              <a:ext uri="{FF2B5EF4-FFF2-40B4-BE49-F238E27FC236}">
+                <a16:creationId xmlns:a16="http://schemas.microsoft.com/office/drawing/2014/main" id="{B32858D0-05BB-D8BF-7EA5-07A242E9D4C3}"/>
+              </a:ext>
+            </a:extLst>
+          </p:cNvPr>
+          <p:cNvGrpSpPr/>
+          <p:nvPr/>
+        </p:nvGrpSpPr>
+        <p:grpSpPr>
+          <a:xfrm>
+            <a:off x="630072" y="1858689"/>
+            <a:ext cx="11341290" cy="4247913"/>
+            <a:chOff x="621543" y="4024455"/>
+            <a:chExt cx="11341290" cy="4247913"/>
+          </a:xfrm>
+        </p:grpSpPr>
+        <p:sp>
+          <p:nvSpPr>
+            <p:cNvPr id="5" name="Rectangle 4">
+              <a:extLst>
+                <a:ext uri="{FF2B5EF4-FFF2-40B4-BE49-F238E27FC236}">
+                  <a16:creationId xmlns:a16="http://schemas.microsoft.com/office/drawing/2014/main" id="{6DD8BC9D-4291-9EC5-CF5A-40CA955DD474}"/>
+                </a:ext>
+              </a:extLst>
+            </p:cNvPr>
+            <p:cNvSpPr/>
+            <p:nvPr/>
+          </p:nvSpPr>
+          <p:spPr>
+            <a:xfrm>
+              <a:off x="621543" y="4024455"/>
+              <a:ext cx="11341290" cy="1325563"/>
+            </a:xfrm>
+            <a:prstGeom prst="rect">
+              <a:avLst/>
+            </a:prstGeom>
+            <a:noFill/>
+          </p:spPr>
+          <p:style>
+            <a:lnRef idx="2">
+              <a:schemeClr val="accent1">
+                <a:shade val="50000"/>
+              </a:schemeClr>
+            </a:lnRef>
+            <a:fillRef idx="1">
+              <a:schemeClr val="accent1"/>
+            </a:fillRef>
+            <a:effectRef idx="0">
+              <a:schemeClr val="accent1"/>
+            </a:effectRef>
+            <a:fontRef idx="minor">
+              <a:schemeClr val="lt1"/>
+            </a:fontRef>
+          </p:style>
+          <p:txBody>
+            <a:bodyPr rtlCol="0" anchor="ctr"/>
+            <a:lstStyle/>
+            <a:p>
+              <a:pPr algn="ctr"/>
+              <a:endParaRPr lang="en-US"/>
+            </a:p>
+          </p:txBody>
+        </p:sp>
+        <p:sp>
+          <p:nvSpPr>
+            <p:cNvPr id="8" name="Rectangle 7">
+              <a:extLst>
+                <a:ext uri="{FF2B5EF4-FFF2-40B4-BE49-F238E27FC236}">
+                  <a16:creationId xmlns:a16="http://schemas.microsoft.com/office/drawing/2014/main" id="{7C429833-FD61-1209-1416-CD762C4B56ED}"/>
+                </a:ext>
+              </a:extLst>
+            </p:cNvPr>
+            <p:cNvSpPr/>
+            <p:nvPr/>
+          </p:nvSpPr>
+          <p:spPr>
+            <a:xfrm>
+              <a:off x="961030" y="4236859"/>
+              <a:ext cx="2387790" cy="900753"/>
+            </a:xfrm>
+            <a:prstGeom prst="rect">
+              <a:avLst/>
+            </a:prstGeom>
+            <a:solidFill>
+              <a:srgbClr val="FFFF00"/>
+            </a:solidFill>
+          </p:spPr>
+          <p:style>
+            <a:lnRef idx="2">
+              <a:schemeClr val="accent1">
+                <a:shade val="50000"/>
+              </a:schemeClr>
+            </a:lnRef>
+            <a:fillRef idx="1">
+              <a:schemeClr val="accent1"/>
+            </a:fillRef>
+            <a:effectRef idx="0">
+              <a:schemeClr val="accent1"/>
+            </a:effectRef>
+            <a:fontRef idx="minor">
+              <a:schemeClr val="lt1"/>
+            </a:fontRef>
+          </p:style>
+          <p:txBody>
+            <a:bodyPr rtlCol="0" anchor="ctr"/>
+            <a:lstStyle/>
+            <a:p>
+              <a:pPr algn="ctr"/>
+              <a:r>
+                <a:rPr lang="en-US" dirty="0">
+                  <a:ln w="0"/>
+                  <a:solidFill>
+                    <a:schemeClr val="tx1"/>
+                  </a:solidFill>
+                  <a:effectLst>
+                    <a:outerShdw blurRad="38100" dist="19050" dir="2700000" algn="tl" rotWithShape="0">
+                      <a:schemeClr val="dk1">
+                        <a:alpha val="40000"/>
+                      </a:schemeClr>
+                    </a:outerShdw>
+                  </a:effectLst>
+                </a:rPr>
+                <a:t>.col</a:t>
+              </a:r>
+            </a:p>
+          </p:txBody>
+        </p:sp>
+        <p:sp>
+          <p:nvSpPr>
+            <p:cNvPr id="16" name="Rectangle 15">
+              <a:extLst>
+                <a:ext uri="{FF2B5EF4-FFF2-40B4-BE49-F238E27FC236}">
+                  <a16:creationId xmlns:a16="http://schemas.microsoft.com/office/drawing/2014/main" id="{F9AD9CF2-AA70-1D74-8D0B-C2E68B8344C2}"/>
+                </a:ext>
+              </a:extLst>
+            </p:cNvPr>
+            <p:cNvSpPr/>
+            <p:nvPr/>
+          </p:nvSpPr>
+          <p:spPr>
+            <a:xfrm>
+              <a:off x="829671" y="7371615"/>
+              <a:ext cx="2387790" cy="900753"/>
+            </a:xfrm>
+            <a:prstGeom prst="rect">
+              <a:avLst/>
+            </a:prstGeom>
+            <a:solidFill>
+              <a:srgbClr val="FFFF00"/>
+            </a:solidFill>
+          </p:spPr>
+          <p:style>
+            <a:lnRef idx="2">
+              <a:schemeClr val="accent1">
+                <a:shade val="50000"/>
+              </a:schemeClr>
+            </a:lnRef>
+            <a:fillRef idx="1">
+              <a:schemeClr val="accent1"/>
+            </a:fillRef>
+            <a:effectRef idx="0">
+              <a:schemeClr val="accent1"/>
+            </a:effectRef>
+            <a:fontRef idx="minor">
+              <a:schemeClr val="lt1"/>
+            </a:fontRef>
+          </p:style>
+          <p:txBody>
+            <a:bodyPr rtlCol="0" anchor="ctr"/>
+            <a:lstStyle/>
+            <a:p>
+              <a:pPr algn="ctr"/>
+              <a:r>
+                <a:rPr lang="en-US" dirty="0">
+                  <a:ln w="0"/>
+                  <a:solidFill>
+                    <a:schemeClr val="tx1"/>
+                  </a:solidFill>
+                  <a:effectLst>
+                    <a:outerShdw blurRad="38100" dist="19050" dir="2700000" algn="tl" rotWithShape="0">
+                      <a:schemeClr val="dk1">
+                        <a:alpha val="40000"/>
+                      </a:schemeClr>
+                    </a:outerShdw>
+                  </a:effectLst>
+                </a:rPr>
+                <a:t>.col</a:t>
+              </a:r>
+            </a:p>
+            <a:p>
+              <a:pPr algn="ctr"/>
+              <a:r>
+                <a:rPr lang="en-US" dirty="0">
+                  <a:ln w="0"/>
+                  <a:solidFill>
+                    <a:schemeClr val="tx1"/>
+                  </a:solidFill>
+                  <a:effectLst>
+                    <a:outerShdw blurRad="38100" dist="19050" dir="2700000" algn="tl" rotWithShape="0">
+                      <a:schemeClr val="dk1">
+                        <a:alpha val="40000"/>
+                      </a:schemeClr>
+                    </a:outerShdw>
+                  </a:effectLst>
+                </a:rPr>
+                <a:t>.</a:t>
+              </a:r>
+              <a:r>
+                <a:rPr lang="en-US" dirty="0" err="1">
+                  <a:ln w="0"/>
+                  <a:solidFill>
+                    <a:schemeClr val="tx1"/>
+                  </a:solidFill>
+                  <a:effectLst>
+                    <a:outerShdw blurRad="38100" dist="19050" dir="2700000" algn="tl" rotWithShape="0">
+                      <a:schemeClr val="dk1">
+                        <a:alpha val="40000"/>
+                      </a:schemeClr>
+                    </a:outerShdw>
+                  </a:effectLst>
+                </a:rPr>
+                <a:t>mr</a:t>
+              </a:r>
+              <a:r>
+                <a:rPr lang="en-US" dirty="0">
+                  <a:ln w="0"/>
+                  <a:solidFill>
+                    <a:schemeClr val="tx1"/>
+                  </a:solidFill>
+                  <a:effectLst>
+                    <a:outerShdw blurRad="38100" dist="19050" dir="2700000" algn="tl" rotWithShape="0">
+                      <a:schemeClr val="dk1">
+                        <a:alpha val="40000"/>
+                      </a:schemeClr>
+                    </a:outerShdw>
+                  </a:effectLst>
+                </a:rPr>
+                <a:t>-auto</a:t>
+              </a:r>
+            </a:p>
+          </p:txBody>
+        </p:sp>
+      </p:grpSp>
+      <p:grpSp>
+        <p:nvGrpSpPr>
+          <p:cNvPr id="10" name="Group 9">
+            <a:extLst>
+              <a:ext uri="{FF2B5EF4-FFF2-40B4-BE49-F238E27FC236}">
+                <a16:creationId xmlns:a16="http://schemas.microsoft.com/office/drawing/2014/main" id="{611A9B3F-95C6-148D-826B-EA72EBE90B88}"/>
+              </a:ext>
+            </a:extLst>
+          </p:cNvPr>
+          <p:cNvGrpSpPr/>
+          <p:nvPr/>
+        </p:nvGrpSpPr>
+        <p:grpSpPr>
+          <a:xfrm>
+            <a:off x="630072" y="3396658"/>
+            <a:ext cx="11341290" cy="1325563"/>
+            <a:chOff x="621543" y="4024455"/>
+            <a:chExt cx="11341290" cy="1325563"/>
+          </a:xfrm>
+        </p:grpSpPr>
+        <p:sp>
+          <p:nvSpPr>
+            <p:cNvPr id="11" name="Rectangle 10">
+              <a:extLst>
+                <a:ext uri="{FF2B5EF4-FFF2-40B4-BE49-F238E27FC236}">
+                  <a16:creationId xmlns:a16="http://schemas.microsoft.com/office/drawing/2014/main" id="{BE6A922D-D3D6-16BF-F26B-D312D11E07FC}"/>
+                </a:ext>
+              </a:extLst>
+            </p:cNvPr>
+            <p:cNvSpPr/>
+            <p:nvPr/>
+          </p:nvSpPr>
+          <p:spPr>
+            <a:xfrm>
+              <a:off x="621543" y="4024455"/>
+              <a:ext cx="11341290" cy="1325563"/>
+            </a:xfrm>
+            <a:prstGeom prst="rect">
+              <a:avLst/>
+            </a:prstGeom>
+            <a:noFill/>
+          </p:spPr>
+          <p:style>
+            <a:lnRef idx="2">
+              <a:schemeClr val="accent1">
+                <a:shade val="50000"/>
+              </a:schemeClr>
+            </a:lnRef>
+            <a:fillRef idx="1">
+              <a:schemeClr val="accent1"/>
+            </a:fillRef>
+            <a:effectRef idx="0">
+              <a:schemeClr val="accent1"/>
+            </a:effectRef>
+            <a:fontRef idx="minor">
+              <a:schemeClr val="lt1"/>
+            </a:fontRef>
+          </p:style>
+          <p:txBody>
+            <a:bodyPr rtlCol="0" anchor="ctr"/>
+            <a:lstStyle/>
+            <a:p>
+              <a:pPr algn="ctr"/>
+              <a:endParaRPr lang="en-US"/>
+            </a:p>
+          </p:txBody>
+        </p:sp>
+        <p:sp>
+          <p:nvSpPr>
+            <p:cNvPr id="12" name="Rectangle 11">
+              <a:extLst>
+                <a:ext uri="{FF2B5EF4-FFF2-40B4-BE49-F238E27FC236}">
+                  <a16:creationId xmlns:a16="http://schemas.microsoft.com/office/drawing/2014/main" id="{24CEB128-83BC-CBA9-9394-2D3FF3D43A88}"/>
+                </a:ext>
+              </a:extLst>
+            </p:cNvPr>
+            <p:cNvSpPr/>
+            <p:nvPr/>
+          </p:nvSpPr>
+          <p:spPr>
+            <a:xfrm>
+              <a:off x="4768755" y="4236859"/>
+              <a:ext cx="2387790" cy="900753"/>
+            </a:xfrm>
+            <a:prstGeom prst="rect">
+              <a:avLst/>
+            </a:prstGeom>
+            <a:solidFill>
+              <a:srgbClr val="FFFF00"/>
+            </a:solidFill>
+          </p:spPr>
+          <p:style>
+            <a:lnRef idx="2">
+              <a:schemeClr val="accent1">
+                <a:shade val="50000"/>
+              </a:schemeClr>
+            </a:lnRef>
+            <a:fillRef idx="1">
+              <a:schemeClr val="accent1"/>
+            </a:fillRef>
+            <a:effectRef idx="0">
+              <a:schemeClr val="accent1"/>
+            </a:effectRef>
+            <a:fontRef idx="minor">
+              <a:schemeClr val="lt1"/>
+            </a:fontRef>
+          </p:style>
+          <p:txBody>
+            <a:bodyPr rtlCol="0" anchor="ctr"/>
+            <a:lstStyle/>
+            <a:p>
+              <a:pPr algn="ctr"/>
+              <a:r>
+                <a:rPr lang="en-US" dirty="0">
+                  <a:ln w="0"/>
+                  <a:solidFill>
+                    <a:schemeClr val="tx1"/>
+                  </a:solidFill>
+                  <a:effectLst>
+                    <a:outerShdw blurRad="38100" dist="19050" dir="2700000" algn="tl" rotWithShape="0">
+                      <a:schemeClr val="dk1">
+                        <a:alpha val="40000"/>
+                      </a:schemeClr>
+                    </a:outerShdw>
+                  </a:effectLst>
+                </a:rPr>
+                <a:t>.col</a:t>
+              </a:r>
+            </a:p>
+            <a:p>
+              <a:pPr algn="ctr"/>
+              <a:r>
+                <a:rPr lang="en-US" dirty="0">
+                  <a:ln w="0"/>
+                  <a:solidFill>
+                    <a:schemeClr val="tx1"/>
+                  </a:solidFill>
+                  <a:effectLst>
+                    <a:outerShdw blurRad="38100" dist="19050" dir="2700000" algn="tl" rotWithShape="0">
+                      <a:schemeClr val="dk1">
+                        <a:alpha val="40000"/>
+                      </a:schemeClr>
+                    </a:outerShdw>
+                  </a:effectLst>
+                </a:rPr>
+                <a:t>.m-auto</a:t>
+              </a:r>
+            </a:p>
+          </p:txBody>
+        </p:sp>
+      </p:grpSp>
+      <p:grpSp>
+        <p:nvGrpSpPr>
+          <p:cNvPr id="13" name="Group 12">
+            <a:extLst>
+              <a:ext uri="{FF2B5EF4-FFF2-40B4-BE49-F238E27FC236}">
+                <a16:creationId xmlns:a16="http://schemas.microsoft.com/office/drawing/2014/main" id="{C2A5EC65-E84C-3613-F430-DD2A330489DB}"/>
+              </a:ext>
+            </a:extLst>
+          </p:cNvPr>
+          <p:cNvGrpSpPr/>
+          <p:nvPr/>
+        </p:nvGrpSpPr>
+        <p:grpSpPr>
+          <a:xfrm>
+            <a:off x="630072" y="4993446"/>
+            <a:ext cx="11341290" cy="1325563"/>
+            <a:chOff x="621543" y="4024455"/>
+            <a:chExt cx="11341290" cy="1325563"/>
+          </a:xfrm>
+        </p:grpSpPr>
+        <p:sp>
+          <p:nvSpPr>
+            <p:cNvPr id="14" name="Rectangle 13">
+              <a:extLst>
+                <a:ext uri="{FF2B5EF4-FFF2-40B4-BE49-F238E27FC236}">
+                  <a16:creationId xmlns:a16="http://schemas.microsoft.com/office/drawing/2014/main" id="{AD15A83C-32A3-02DB-3766-9C6D509B656A}"/>
+                </a:ext>
+              </a:extLst>
+            </p:cNvPr>
+            <p:cNvSpPr/>
+            <p:nvPr/>
+          </p:nvSpPr>
+          <p:spPr>
+            <a:xfrm>
+              <a:off x="621543" y="4024455"/>
+              <a:ext cx="11341290" cy="1325563"/>
+            </a:xfrm>
+            <a:prstGeom prst="rect">
+              <a:avLst/>
+            </a:prstGeom>
+            <a:noFill/>
+          </p:spPr>
+          <p:style>
+            <a:lnRef idx="2">
+              <a:schemeClr val="accent1">
+                <a:shade val="50000"/>
+              </a:schemeClr>
+            </a:lnRef>
+            <a:fillRef idx="1">
+              <a:schemeClr val="accent1"/>
+            </a:fillRef>
+            <a:effectRef idx="0">
+              <a:schemeClr val="accent1"/>
+            </a:effectRef>
+            <a:fontRef idx="minor">
+              <a:schemeClr val="lt1"/>
+            </a:fontRef>
+          </p:style>
+          <p:txBody>
+            <a:bodyPr rtlCol="0" anchor="ctr"/>
+            <a:lstStyle/>
+            <a:p>
+              <a:pPr algn="ctr"/>
+              <a:endParaRPr lang="en-US"/>
+            </a:p>
+          </p:txBody>
+        </p:sp>
+        <p:sp>
+          <p:nvSpPr>
+            <p:cNvPr id="15" name="Rectangle 14">
+              <a:extLst>
+                <a:ext uri="{FF2B5EF4-FFF2-40B4-BE49-F238E27FC236}">
+                  <a16:creationId xmlns:a16="http://schemas.microsoft.com/office/drawing/2014/main" id="{D964BBDC-35CF-6698-4C2B-C692E54FEF3F}"/>
+                </a:ext>
+              </a:extLst>
+            </p:cNvPr>
+            <p:cNvSpPr/>
+            <p:nvPr/>
+          </p:nvSpPr>
+          <p:spPr>
+            <a:xfrm>
+              <a:off x="9165609" y="4236859"/>
+              <a:ext cx="2387790" cy="900753"/>
+            </a:xfrm>
+            <a:prstGeom prst="rect">
+              <a:avLst/>
+            </a:prstGeom>
+            <a:solidFill>
+              <a:srgbClr val="FFFF00"/>
+            </a:solidFill>
+          </p:spPr>
+          <p:style>
+            <a:lnRef idx="2">
+              <a:schemeClr val="accent1">
+                <a:shade val="50000"/>
+              </a:schemeClr>
+            </a:lnRef>
+            <a:fillRef idx="1">
+              <a:schemeClr val="accent1"/>
+            </a:fillRef>
+            <a:effectRef idx="0">
+              <a:schemeClr val="accent1"/>
+            </a:effectRef>
+            <a:fontRef idx="minor">
+              <a:schemeClr val="lt1"/>
+            </a:fontRef>
+          </p:style>
+          <p:txBody>
+            <a:bodyPr rtlCol="0" anchor="ctr"/>
+            <a:lstStyle/>
+            <a:p>
+              <a:pPr algn="ctr"/>
+              <a:r>
+                <a:rPr lang="en-US" dirty="0">
+                  <a:ln w="0"/>
+                  <a:solidFill>
+                    <a:schemeClr val="tx1"/>
+                  </a:solidFill>
+                  <a:effectLst>
+                    <a:outerShdw blurRad="38100" dist="19050" dir="2700000" algn="tl" rotWithShape="0">
+                      <a:schemeClr val="dk1">
+                        <a:alpha val="40000"/>
+                      </a:schemeClr>
+                    </a:outerShdw>
+                  </a:effectLst>
+                </a:rPr>
+                <a:t>.col</a:t>
+              </a:r>
+            </a:p>
+            <a:p>
+              <a:pPr algn="ctr"/>
+              <a:r>
+                <a:rPr lang="en-US" dirty="0">
+                  <a:ln w="0"/>
+                  <a:solidFill>
+                    <a:schemeClr val="tx1"/>
+                  </a:solidFill>
+                  <a:effectLst>
+                    <a:outerShdw blurRad="38100" dist="19050" dir="2700000" algn="tl" rotWithShape="0">
+                      <a:schemeClr val="dk1">
+                        <a:alpha val="40000"/>
+                      </a:schemeClr>
+                    </a:outerShdw>
+                  </a:effectLst>
+                </a:rPr>
+                <a:t>.ml-auto</a:t>
+              </a:r>
+            </a:p>
+          </p:txBody>
+        </p:sp>
+      </p:grpSp>
+      <p:grpSp>
+        <p:nvGrpSpPr>
+          <p:cNvPr id="17" name="Group 16">
+            <a:extLst>
+              <a:ext uri="{FF2B5EF4-FFF2-40B4-BE49-F238E27FC236}">
+                <a16:creationId xmlns:a16="http://schemas.microsoft.com/office/drawing/2014/main" id="{AF08F7E5-4F32-E566-7B3F-B60632D9BA12}"/>
+              </a:ext>
+            </a:extLst>
+          </p:cNvPr>
+          <p:cNvGrpSpPr/>
+          <p:nvPr/>
+        </p:nvGrpSpPr>
+        <p:grpSpPr>
+          <a:xfrm>
+            <a:off x="630072" y="1858690"/>
+            <a:ext cx="11341290" cy="4247913"/>
+            <a:chOff x="621543" y="4024455"/>
+            <a:chExt cx="11341290" cy="4247913"/>
+          </a:xfrm>
+        </p:grpSpPr>
+        <p:sp>
+          <p:nvSpPr>
+            <p:cNvPr id="18" name="Rectangle 17">
+              <a:extLst>
+                <a:ext uri="{FF2B5EF4-FFF2-40B4-BE49-F238E27FC236}">
+                  <a16:creationId xmlns:a16="http://schemas.microsoft.com/office/drawing/2014/main" id="{E3A95FB3-82BF-9EA7-3515-D71D92596E01}"/>
+                </a:ext>
+              </a:extLst>
+            </p:cNvPr>
+            <p:cNvSpPr/>
+            <p:nvPr/>
+          </p:nvSpPr>
+          <p:spPr>
+            <a:xfrm>
+              <a:off x="621543" y="4024455"/>
+              <a:ext cx="11341290" cy="1325563"/>
+            </a:xfrm>
+            <a:prstGeom prst="rect">
+              <a:avLst/>
+            </a:prstGeom>
+            <a:noFill/>
+          </p:spPr>
+          <p:style>
+            <a:lnRef idx="2">
+              <a:schemeClr val="accent1">
+                <a:shade val="50000"/>
+              </a:schemeClr>
+            </a:lnRef>
+            <a:fillRef idx="1">
+              <a:schemeClr val="accent1"/>
+            </a:fillRef>
+            <a:effectRef idx="0">
+              <a:schemeClr val="accent1"/>
+            </a:effectRef>
+            <a:fontRef idx="minor">
+              <a:schemeClr val="lt1"/>
+            </a:fontRef>
+          </p:style>
+          <p:txBody>
+            <a:bodyPr rtlCol="0" anchor="ctr"/>
+            <a:lstStyle/>
+            <a:p>
+              <a:pPr algn="ctr"/>
+              <a:endParaRPr lang="en-US"/>
+            </a:p>
+          </p:txBody>
+        </p:sp>
+        <p:sp>
+          <p:nvSpPr>
+            <p:cNvPr id="19" name="Rectangle 18">
+              <a:extLst>
+                <a:ext uri="{FF2B5EF4-FFF2-40B4-BE49-F238E27FC236}">
+                  <a16:creationId xmlns:a16="http://schemas.microsoft.com/office/drawing/2014/main" id="{56B019FB-8BB5-7A7F-0186-DF4438FACC98}"/>
+                </a:ext>
+              </a:extLst>
+            </p:cNvPr>
+            <p:cNvSpPr/>
+            <p:nvPr/>
+          </p:nvSpPr>
+          <p:spPr>
+            <a:xfrm>
+              <a:off x="961030" y="4236859"/>
+              <a:ext cx="2387790" cy="900753"/>
+            </a:xfrm>
+            <a:prstGeom prst="rect">
+              <a:avLst/>
+            </a:prstGeom>
+            <a:solidFill>
+              <a:srgbClr val="FFFF00"/>
+            </a:solidFill>
+          </p:spPr>
+          <p:style>
+            <a:lnRef idx="2">
+              <a:schemeClr val="accent1">
+                <a:shade val="50000"/>
+              </a:schemeClr>
+            </a:lnRef>
+            <a:fillRef idx="1">
+              <a:schemeClr val="accent1"/>
+            </a:fillRef>
+            <a:effectRef idx="0">
+              <a:schemeClr val="accent1"/>
+            </a:effectRef>
+            <a:fontRef idx="minor">
+              <a:schemeClr val="lt1"/>
+            </a:fontRef>
+          </p:style>
+          <p:txBody>
+            <a:bodyPr rtlCol="0" anchor="ctr"/>
+            <a:lstStyle/>
+            <a:p>
+              <a:pPr algn="ctr"/>
+              <a:r>
+                <a:rPr lang="en-US" dirty="0">
+                  <a:ln w="0"/>
+                  <a:solidFill>
+                    <a:schemeClr val="tx1"/>
+                  </a:solidFill>
+                  <a:effectLst>
+                    <a:outerShdw blurRad="38100" dist="19050" dir="2700000" algn="tl" rotWithShape="0">
+                      <a:schemeClr val="dk1">
+                        <a:alpha val="40000"/>
+                      </a:schemeClr>
+                    </a:outerShdw>
+                  </a:effectLst>
+                </a:rPr>
+                <a:t>.col</a:t>
+              </a:r>
+            </a:p>
+          </p:txBody>
+        </p:sp>
+        <p:sp>
+          <p:nvSpPr>
+            <p:cNvPr id="20" name="Rectangle 19">
+              <a:extLst>
+                <a:ext uri="{FF2B5EF4-FFF2-40B4-BE49-F238E27FC236}">
+                  <a16:creationId xmlns:a16="http://schemas.microsoft.com/office/drawing/2014/main" id="{47A5B40D-23F7-0035-98A7-08F3EF12BE4B}"/>
+                </a:ext>
+              </a:extLst>
+            </p:cNvPr>
+            <p:cNvSpPr/>
+            <p:nvPr/>
+          </p:nvSpPr>
+          <p:spPr>
+            <a:xfrm>
+              <a:off x="829671" y="7371615"/>
+              <a:ext cx="2387790" cy="900753"/>
+            </a:xfrm>
+            <a:prstGeom prst="rect">
+              <a:avLst/>
+            </a:prstGeom>
+            <a:solidFill>
+              <a:srgbClr val="FFFF00"/>
+            </a:solidFill>
+          </p:spPr>
+          <p:style>
+            <a:lnRef idx="2">
+              <a:schemeClr val="accent1">
+                <a:shade val="50000"/>
+              </a:schemeClr>
+            </a:lnRef>
+            <a:fillRef idx="1">
+              <a:schemeClr val="accent1"/>
+            </a:fillRef>
+            <a:effectRef idx="0">
+              <a:schemeClr val="accent1"/>
+            </a:effectRef>
+            <a:fontRef idx="minor">
+              <a:schemeClr val="lt1"/>
+            </a:fontRef>
+          </p:style>
+          <p:txBody>
+            <a:bodyPr rtlCol="0" anchor="ctr"/>
+            <a:lstStyle/>
+            <a:p>
+              <a:pPr algn="ctr"/>
+              <a:r>
+                <a:rPr lang="en-US" dirty="0">
+                  <a:ln w="0"/>
+                  <a:solidFill>
+                    <a:schemeClr val="tx1"/>
+                  </a:solidFill>
+                  <a:effectLst>
+                    <a:outerShdw blurRad="38100" dist="19050" dir="2700000" algn="tl" rotWithShape="0">
+                      <a:schemeClr val="dk1">
+                        <a:alpha val="40000"/>
+                      </a:schemeClr>
+                    </a:outerShdw>
+                  </a:effectLst>
+                </a:rPr>
+                <a:t>.col</a:t>
+              </a:r>
+            </a:p>
+            <a:p>
+              <a:pPr algn="ctr"/>
+              <a:r>
+                <a:rPr lang="en-US" dirty="0">
+                  <a:ln w="0"/>
+                  <a:solidFill>
+                    <a:schemeClr val="tx1"/>
+                  </a:solidFill>
+                  <a:effectLst>
+                    <a:outerShdw blurRad="38100" dist="19050" dir="2700000" algn="tl" rotWithShape="0">
+                      <a:schemeClr val="dk1">
+                        <a:alpha val="40000"/>
+                      </a:schemeClr>
+                    </a:outerShdw>
+                  </a:effectLst>
+                </a:rPr>
+                <a:t>.</a:t>
+              </a:r>
+              <a:r>
+                <a:rPr lang="en-US" dirty="0" err="1">
+                  <a:ln w="0"/>
+                  <a:solidFill>
+                    <a:schemeClr val="tx1"/>
+                  </a:solidFill>
+                  <a:effectLst>
+                    <a:outerShdw blurRad="38100" dist="19050" dir="2700000" algn="tl" rotWithShape="0">
+                      <a:schemeClr val="dk1">
+                        <a:alpha val="40000"/>
+                      </a:schemeClr>
+                    </a:outerShdw>
+                  </a:effectLst>
+                </a:rPr>
+                <a:t>mr</a:t>
+              </a:r>
+              <a:r>
+                <a:rPr lang="en-US" dirty="0">
+                  <a:ln w="0"/>
+                  <a:solidFill>
+                    <a:schemeClr val="tx1"/>
+                  </a:solidFill>
+                  <a:effectLst>
+                    <a:outerShdw blurRad="38100" dist="19050" dir="2700000" algn="tl" rotWithShape="0">
+                      <a:schemeClr val="dk1">
+                        <a:alpha val="40000"/>
+                      </a:schemeClr>
+                    </a:outerShdw>
+                  </a:effectLst>
+                </a:rPr>
+                <a:t>-auto</a:t>
+              </a:r>
+            </a:p>
+          </p:txBody>
+        </p:sp>
+      </p:grpSp>
+    </p:spTree>
+    <p:extLst>
+      <p:ext uri="{BB962C8B-B14F-4D97-AF65-F5344CB8AC3E}">
+        <p14:creationId xmlns:p14="http://schemas.microsoft.com/office/powerpoint/2010/main" val="74233037"/>
+      </p:ext>
+    </p:extLst>
+  </p:cSld>
+  <p:clrMapOvr>
+    <a:masterClrMapping/>
+  </p:clrMapOvr>
+</p:sld>
+</file>
+
+<file path=ppt/slides/slide28.xml><?xml version="1.0" encoding="utf-8"?>
+<p:sld xmlns:a="http://schemas.openxmlformats.org/drawingml/2006/main" xmlns:r="http://schemas.openxmlformats.org/officeDocument/2006/relationships" xmlns:p="http://schemas.openxmlformats.org/presentationml/2006/main">
+  <p:cSld>
+    <p:spTree>
+      <p:nvGrpSpPr>
+        <p:cNvPr id="1" name=""/>
+        <p:cNvGrpSpPr/>
+        <p:nvPr/>
+      </p:nvGrpSpPr>
+      <p:grpSpPr>
+        <a:xfrm>
+          <a:off x="0" y="0"/>
+          <a:ext cx="0" cy="0"/>
+          <a:chOff x="0" y="0"/>
+          <a:chExt cx="0" cy="0"/>
+        </a:xfrm>
+      </p:grpSpPr>
+      <p:sp>
+        <p:nvSpPr>
+          <p:cNvPr id="2" name="Title 1">
+            <a:extLst>
+              <a:ext uri="{FF2B5EF4-FFF2-40B4-BE49-F238E27FC236}">
+                <a16:creationId xmlns:a16="http://schemas.microsoft.com/office/drawing/2014/main" id="{7A6EEEC2-EF1D-BA81-B960-A1FF862EB30E}"/>
+              </a:ext>
+            </a:extLst>
+          </p:cNvPr>
+          <p:cNvSpPr>
+            <a:spLocks noGrp="1"/>
+          </p:cNvSpPr>
+          <p:nvPr>
+            <p:ph type="title"/>
+          </p:nvPr>
+        </p:nvSpPr>
+        <p:spPr>
+          <a:xfrm>
+            <a:off x="592541" y="128463"/>
+            <a:ext cx="10515600" cy="1325563"/>
+          </a:xfrm>
+        </p:spPr>
+        <p:txBody>
+          <a:bodyPr/>
+          <a:lstStyle/>
+          <a:p>
+            <a:r>
+              <a:rPr lang="en-US" dirty="0"/>
+              <a:t>Margin Auto Classes for different Break Points</a:t>
+            </a:r>
+          </a:p>
+        </p:txBody>
+      </p:sp>
+      <p:sp>
+        <p:nvSpPr>
+          <p:cNvPr id="3" name="Content Placeholder 2">
+            <a:extLst>
+              <a:ext uri="{FF2B5EF4-FFF2-40B4-BE49-F238E27FC236}">
+                <a16:creationId xmlns:a16="http://schemas.microsoft.com/office/drawing/2014/main" id="{C35D63F5-B1C8-75F5-1DC2-98A935E69545}"/>
+              </a:ext>
+            </a:extLst>
+          </p:cNvPr>
+          <p:cNvSpPr>
+            <a:spLocks noGrp="1"/>
+          </p:cNvSpPr>
+          <p:nvPr>
+            <p:ph idx="1"/>
+          </p:nvPr>
+        </p:nvSpPr>
+        <p:spPr>
+          <a:xfrm>
+            <a:off x="838199" y="1825625"/>
+            <a:ext cx="7923663" cy="4351338"/>
+          </a:xfrm>
+        </p:spPr>
+        <p:txBody>
+          <a:bodyPr/>
+          <a:lstStyle/>
+          <a:p>
+            <a:r>
+              <a:rPr lang="en-US" dirty="0"/>
+              <a:t>Extra large 	.m-xl-auto		&gt;= 1200px</a:t>
+            </a:r>
+          </a:p>
+          <a:p>
+            <a:r>
+              <a:rPr lang="en-US" dirty="0"/>
+              <a:t>Large		.m-lg-auto 		&gt;= 992px</a:t>
+            </a:r>
+          </a:p>
+          <a:p>
+            <a:r>
+              <a:rPr lang="en-US" dirty="0"/>
+              <a:t>Medium 		 .m-md-auto 	&gt;=768px</a:t>
+            </a:r>
+          </a:p>
+          <a:p>
+            <a:r>
+              <a:rPr lang="en-US" dirty="0"/>
+              <a:t>Small		 .m-</a:t>
+            </a:r>
+            <a:r>
+              <a:rPr lang="en-US" dirty="0" err="1"/>
+              <a:t>sm</a:t>
+            </a:r>
+            <a:r>
+              <a:rPr lang="en-US" dirty="0"/>
+              <a:t>-auto 	&gt;=576px</a:t>
+            </a:r>
+          </a:p>
+          <a:p>
+            <a:r>
+              <a:rPr lang="en-US" dirty="0"/>
+              <a:t>Extra small					&lt;576</a:t>
+            </a:r>
+          </a:p>
+        </p:txBody>
+      </p:sp>
+      <p:grpSp>
+        <p:nvGrpSpPr>
+          <p:cNvPr id="9" name="Group 8">
+            <a:extLst>
+              <a:ext uri="{FF2B5EF4-FFF2-40B4-BE49-F238E27FC236}">
+                <a16:creationId xmlns:a16="http://schemas.microsoft.com/office/drawing/2014/main" id="{7DA9389B-7F5C-864A-4FA2-95E32828DEB1}"/>
+              </a:ext>
+            </a:extLst>
+          </p:cNvPr>
+          <p:cNvGrpSpPr/>
+          <p:nvPr/>
+        </p:nvGrpSpPr>
+        <p:grpSpPr>
+          <a:xfrm>
+            <a:off x="9588689" y="1620909"/>
+            <a:ext cx="1765111" cy="2539539"/>
+            <a:chOff x="6751092" y="1825625"/>
+            <a:chExt cx="1765111" cy="2539539"/>
+          </a:xfrm>
+        </p:grpSpPr>
+        <p:sp>
+          <p:nvSpPr>
+            <p:cNvPr id="4" name="Rectangle 3">
+              <a:extLst>
+                <a:ext uri="{FF2B5EF4-FFF2-40B4-BE49-F238E27FC236}">
+                  <a16:creationId xmlns:a16="http://schemas.microsoft.com/office/drawing/2014/main" id="{16CD4601-3D37-08DB-246A-C6F4755BF0F5}"/>
+                </a:ext>
+              </a:extLst>
+            </p:cNvPr>
+            <p:cNvSpPr/>
+            <p:nvPr/>
+          </p:nvSpPr>
+          <p:spPr>
+            <a:xfrm>
+              <a:off x="6878472" y="1825625"/>
+              <a:ext cx="1637731" cy="453551"/>
+            </a:xfrm>
+            <a:prstGeom prst="rect">
+              <a:avLst/>
+            </a:prstGeom>
+          </p:spPr>
+          <p:style>
+            <a:lnRef idx="2">
+              <a:schemeClr val="accent2">
+                <a:shade val="50000"/>
+              </a:schemeClr>
+            </a:lnRef>
+            <a:fillRef idx="1">
+              <a:schemeClr val="accent2"/>
+            </a:fillRef>
+            <a:effectRef idx="0">
+              <a:schemeClr val="accent2"/>
+            </a:effectRef>
+            <a:fontRef idx="minor">
+              <a:schemeClr val="lt1"/>
+            </a:fontRef>
+          </p:style>
+          <p:txBody>
+            <a:bodyPr rtlCol="0" anchor="ctr"/>
+            <a:lstStyle/>
+            <a:p>
+              <a:pPr algn="ctr"/>
+              <a:r>
+                <a:rPr lang="en-US" dirty="0">
+                  <a:ln w="0"/>
+                  <a:solidFill>
+                    <a:schemeClr val="tx1"/>
+                  </a:solidFill>
+                  <a:effectLst>
+                    <a:outerShdw blurRad="38100" dist="19050" dir="2700000" algn="tl" rotWithShape="0">
+                      <a:schemeClr val="dk1">
+                        <a:alpha val="40000"/>
+                      </a:schemeClr>
+                    </a:outerShdw>
+                  </a:effectLst>
+                </a:rPr>
+                <a:t>1140px</a:t>
+              </a:r>
+            </a:p>
+          </p:txBody>
+        </p:sp>
+        <p:sp>
+          <p:nvSpPr>
+            <p:cNvPr id="5" name="Rectangle 4">
+              <a:extLst>
+                <a:ext uri="{FF2B5EF4-FFF2-40B4-BE49-F238E27FC236}">
+                  <a16:creationId xmlns:a16="http://schemas.microsoft.com/office/drawing/2014/main" id="{6DACEF5C-4A2B-CE53-B8EA-0ECD41EBA756}"/>
+                </a:ext>
+              </a:extLst>
+            </p:cNvPr>
+            <p:cNvSpPr/>
+            <p:nvPr/>
+          </p:nvSpPr>
+          <p:spPr>
+            <a:xfrm>
+              <a:off x="6787486" y="2339217"/>
+              <a:ext cx="1637731" cy="453551"/>
+            </a:xfrm>
+            <a:prstGeom prst="rect">
+              <a:avLst/>
+            </a:prstGeom>
+          </p:spPr>
+          <p:style>
+            <a:lnRef idx="2">
+              <a:schemeClr val="accent4">
+                <a:shade val="50000"/>
+              </a:schemeClr>
+            </a:lnRef>
+            <a:fillRef idx="1">
+              <a:schemeClr val="accent4"/>
+            </a:fillRef>
+            <a:effectRef idx="0">
+              <a:schemeClr val="accent4"/>
+            </a:effectRef>
+            <a:fontRef idx="minor">
+              <a:schemeClr val="lt1"/>
+            </a:fontRef>
+          </p:style>
+          <p:txBody>
+            <a:bodyPr rtlCol="0" anchor="ctr"/>
+            <a:lstStyle/>
+            <a:p>
+              <a:pPr algn="ctr"/>
+              <a:r>
+                <a:rPr lang="en-US" dirty="0">
+                  <a:ln w="0"/>
+                  <a:solidFill>
+                    <a:schemeClr val="tx1"/>
+                  </a:solidFill>
+                  <a:effectLst>
+                    <a:outerShdw blurRad="38100" dist="19050" dir="2700000" algn="tl" rotWithShape="0">
+                      <a:schemeClr val="dk1">
+                        <a:alpha val="40000"/>
+                      </a:schemeClr>
+                    </a:outerShdw>
+                  </a:effectLst>
+                </a:rPr>
+                <a:t>960px</a:t>
+              </a:r>
+            </a:p>
+          </p:txBody>
+        </p:sp>
+        <p:sp>
+          <p:nvSpPr>
+            <p:cNvPr id="6" name="Rectangle 5">
+              <a:extLst>
+                <a:ext uri="{FF2B5EF4-FFF2-40B4-BE49-F238E27FC236}">
+                  <a16:creationId xmlns:a16="http://schemas.microsoft.com/office/drawing/2014/main" id="{C58E5FF5-C35D-F0BE-ECEA-36A4195B7D4C}"/>
+                </a:ext>
+              </a:extLst>
+            </p:cNvPr>
+            <p:cNvSpPr/>
+            <p:nvPr/>
+          </p:nvSpPr>
+          <p:spPr>
+            <a:xfrm>
+              <a:off x="6751092" y="2784037"/>
+              <a:ext cx="1637731" cy="453551"/>
+            </a:xfrm>
+            <a:prstGeom prst="rect">
+              <a:avLst/>
+            </a:prstGeom>
+          </p:spPr>
+          <p:style>
+            <a:lnRef idx="2">
+              <a:schemeClr val="accent1">
+                <a:shade val="50000"/>
+              </a:schemeClr>
+            </a:lnRef>
+            <a:fillRef idx="1">
+              <a:schemeClr val="accent1"/>
+            </a:fillRef>
+            <a:effectRef idx="0">
+              <a:schemeClr val="accent1"/>
+            </a:effectRef>
+            <a:fontRef idx="minor">
+              <a:schemeClr val="lt1"/>
+            </a:fontRef>
+          </p:style>
+          <p:txBody>
+            <a:bodyPr rtlCol="0" anchor="ctr"/>
+            <a:lstStyle/>
+            <a:p>
+              <a:pPr algn="ctr"/>
+              <a:r>
+                <a:rPr lang="en-US" dirty="0">
+                  <a:ln w="0"/>
+                  <a:solidFill>
+                    <a:schemeClr val="tx1"/>
+                  </a:solidFill>
+                  <a:effectLst>
+                    <a:outerShdw blurRad="38100" dist="19050" dir="2700000" algn="tl" rotWithShape="0">
+                      <a:schemeClr val="dk1">
+                        <a:alpha val="40000"/>
+                      </a:schemeClr>
+                    </a:outerShdw>
+                  </a:effectLst>
+                </a:rPr>
+                <a:t>720px</a:t>
+              </a:r>
+            </a:p>
+          </p:txBody>
+        </p:sp>
+        <p:sp>
+          <p:nvSpPr>
+            <p:cNvPr id="7" name="Rectangle 6">
+              <a:extLst>
+                <a:ext uri="{FF2B5EF4-FFF2-40B4-BE49-F238E27FC236}">
+                  <a16:creationId xmlns:a16="http://schemas.microsoft.com/office/drawing/2014/main" id="{66A4EDA9-6645-7262-41E0-A3606ED9948C}"/>
+                </a:ext>
+              </a:extLst>
+            </p:cNvPr>
+            <p:cNvSpPr/>
+            <p:nvPr/>
+          </p:nvSpPr>
+          <p:spPr>
+            <a:xfrm>
+              <a:off x="6751093" y="3406254"/>
+              <a:ext cx="1637731" cy="453551"/>
+            </a:xfrm>
+            <a:prstGeom prst="rect">
+              <a:avLst/>
+            </a:prstGeom>
+          </p:spPr>
+          <p:style>
+            <a:lnRef idx="3">
+              <a:schemeClr val="lt1"/>
+            </a:lnRef>
+            <a:fillRef idx="1">
+              <a:schemeClr val="accent4"/>
+            </a:fillRef>
+            <a:effectRef idx="1">
+              <a:schemeClr val="accent4"/>
+            </a:effectRef>
+            <a:fontRef idx="minor">
+              <a:schemeClr val="lt1"/>
+            </a:fontRef>
+          </p:style>
+          <p:txBody>
+            <a:bodyPr rtlCol="0" anchor="ctr"/>
+            <a:lstStyle/>
+            <a:p>
+              <a:pPr algn="ctr"/>
+              <a:r>
+                <a:rPr lang="en-US" dirty="0">
+                  <a:ln w="0"/>
+                  <a:solidFill>
+                    <a:schemeClr val="tx1"/>
+                  </a:solidFill>
+                  <a:effectLst>
+                    <a:outerShdw blurRad="38100" dist="19050" dir="2700000" algn="tl" rotWithShape="0">
+                      <a:schemeClr val="dk1">
+                        <a:alpha val="40000"/>
+                      </a:schemeClr>
+                    </a:outerShdw>
+                  </a:effectLst>
+                </a:rPr>
+                <a:t>540px</a:t>
+              </a:r>
+            </a:p>
+          </p:txBody>
+        </p:sp>
+        <p:sp>
+          <p:nvSpPr>
+            <p:cNvPr id="8" name="Rectangle 7">
+              <a:extLst>
+                <a:ext uri="{FF2B5EF4-FFF2-40B4-BE49-F238E27FC236}">
+                  <a16:creationId xmlns:a16="http://schemas.microsoft.com/office/drawing/2014/main" id="{9630D601-AF53-442D-D3E8-3D98BB0DC3FD}"/>
+                </a:ext>
+              </a:extLst>
+            </p:cNvPr>
+            <p:cNvSpPr/>
+            <p:nvPr/>
+          </p:nvSpPr>
+          <p:spPr>
+            <a:xfrm>
+              <a:off x="6751092" y="3911613"/>
+              <a:ext cx="1637731" cy="453551"/>
+            </a:xfrm>
+            <a:prstGeom prst="rect">
+              <a:avLst/>
+            </a:prstGeom>
+          </p:spPr>
+          <p:style>
+            <a:lnRef idx="2">
+              <a:schemeClr val="accent1">
+                <a:shade val="50000"/>
+              </a:schemeClr>
+            </a:lnRef>
+            <a:fillRef idx="1">
+              <a:schemeClr val="accent1"/>
+            </a:fillRef>
+            <a:effectRef idx="0">
+              <a:schemeClr val="accent1"/>
+            </a:effectRef>
+            <a:fontRef idx="minor">
+              <a:schemeClr val="lt1"/>
+            </a:fontRef>
+          </p:style>
+          <p:txBody>
+            <a:bodyPr rtlCol="0" anchor="ctr"/>
+            <a:lstStyle/>
+            <a:p>
+              <a:pPr algn="ctr"/>
+              <a:r>
+                <a:rPr lang="en-US" dirty="0">
+                  <a:ln w="0"/>
+                  <a:solidFill>
+                    <a:schemeClr val="tx1"/>
+                  </a:solidFill>
+                  <a:effectLst>
+                    <a:outerShdw blurRad="38100" dist="19050" dir="2700000" algn="tl" rotWithShape="0">
+                      <a:schemeClr val="dk1">
+                        <a:alpha val="40000"/>
+                      </a:schemeClr>
+                    </a:outerShdw>
+                  </a:effectLst>
+                </a:rPr>
+                <a:t>Auto</a:t>
+              </a:r>
+            </a:p>
+          </p:txBody>
+        </p:sp>
+      </p:grpSp>
+    </p:spTree>
+    <p:extLst>
+      <p:ext uri="{BB962C8B-B14F-4D97-AF65-F5344CB8AC3E}">
+        <p14:creationId xmlns:p14="http://schemas.microsoft.com/office/powerpoint/2010/main" val="2891126349"/>
+      </p:ext>
+    </p:extLst>
+  </p:cSld>
+  <p:clrMapOvr>
+    <a:masterClrMapping/>
+  </p:clrMapOvr>
+</p:sld>
+</file>
+
+<file path=ppt/slides/slide29.xml><?xml version="1.0" encoding="utf-8"?>
+<p:sld xmlns:a="http://schemas.openxmlformats.org/drawingml/2006/main" xmlns:r="http://schemas.openxmlformats.org/officeDocument/2006/relationships" xmlns:p="http://schemas.openxmlformats.org/presentationml/2006/main">
+  <p:cSld>
+    <p:spTree>
+      <p:nvGrpSpPr>
+        <p:cNvPr id="1" name=""/>
+        <p:cNvGrpSpPr/>
+        <p:nvPr/>
+      </p:nvGrpSpPr>
+      <p:grpSpPr>
+        <a:xfrm>
+          <a:off x="0" y="0"/>
+          <a:ext cx="0" cy="0"/>
+          <a:chOff x="0" y="0"/>
+          <a:chExt cx="0" cy="0"/>
+        </a:xfrm>
+      </p:grpSpPr>
+      <p:sp>
+        <p:nvSpPr>
+          <p:cNvPr id="2" name="Title 1">
+            <a:extLst>
+              <a:ext uri="{FF2B5EF4-FFF2-40B4-BE49-F238E27FC236}">
+                <a16:creationId xmlns:a16="http://schemas.microsoft.com/office/drawing/2014/main" id="{7A6EEEC2-EF1D-BA81-B960-A1FF862EB30E}"/>
+              </a:ext>
+            </a:extLst>
+          </p:cNvPr>
+          <p:cNvSpPr>
+            <a:spLocks noGrp="1"/>
+          </p:cNvSpPr>
+          <p:nvPr>
+            <p:ph type="title"/>
+          </p:nvPr>
+        </p:nvSpPr>
+        <p:spPr>
+          <a:xfrm>
+            <a:off x="592541" y="128463"/>
+            <a:ext cx="10515600" cy="1325563"/>
+          </a:xfrm>
+        </p:spPr>
+        <p:txBody>
+          <a:bodyPr/>
+          <a:lstStyle/>
+          <a:p>
+            <a:r>
+              <a:rPr lang="en-US" dirty="0"/>
+              <a:t>Margin Auto Classes for different Sides</a:t>
+            </a:r>
+          </a:p>
+        </p:txBody>
+      </p:sp>
+      <p:sp>
+        <p:nvSpPr>
+          <p:cNvPr id="3" name="Content Placeholder 2">
+            <a:extLst>
+              <a:ext uri="{FF2B5EF4-FFF2-40B4-BE49-F238E27FC236}">
+                <a16:creationId xmlns:a16="http://schemas.microsoft.com/office/drawing/2014/main" id="{C35D63F5-B1C8-75F5-1DC2-98A935E69545}"/>
+              </a:ext>
+            </a:extLst>
+          </p:cNvPr>
+          <p:cNvSpPr>
+            <a:spLocks noGrp="1"/>
+          </p:cNvSpPr>
+          <p:nvPr>
+            <p:ph idx="1"/>
+          </p:nvPr>
+        </p:nvSpPr>
+        <p:spPr>
+          <a:xfrm>
+            <a:off x="838200" y="1825625"/>
+            <a:ext cx="4825622" cy="2787318"/>
+          </a:xfrm>
+        </p:spPr>
+        <p:txBody>
+          <a:bodyPr/>
+          <a:lstStyle/>
+          <a:p>
+            <a:r>
+              <a:rPr lang="en-US" dirty="0"/>
+              <a:t>Margin			.m-*</a:t>
+            </a:r>
+          </a:p>
+          <a:p>
+            <a:r>
+              <a:rPr lang="en-US" dirty="0"/>
+              <a:t>Margin-right		.</a:t>
+            </a:r>
+            <a:r>
+              <a:rPr lang="en-US" dirty="0" err="1"/>
+              <a:t>mr</a:t>
+            </a:r>
+            <a:r>
+              <a:rPr lang="en-US" dirty="0"/>
+              <a:t>-*</a:t>
+            </a:r>
+          </a:p>
+          <a:p>
+            <a:r>
+              <a:rPr lang="en-US" dirty="0"/>
+              <a:t>Margin-left		.ml-*</a:t>
+            </a:r>
+          </a:p>
+          <a:p>
+            <a:r>
+              <a:rPr lang="en-US" dirty="0"/>
+              <a:t>Margin-top		.mt-*</a:t>
+            </a:r>
+          </a:p>
+          <a:p>
+            <a:r>
+              <a:rPr lang="en-US" dirty="0"/>
+              <a:t>Margin-bottom		.mb-*</a:t>
+            </a:r>
+          </a:p>
+        </p:txBody>
+      </p:sp>
+      <p:sp>
+        <p:nvSpPr>
+          <p:cNvPr id="10" name="TextBox 9">
+            <a:extLst>
+              <a:ext uri="{FF2B5EF4-FFF2-40B4-BE49-F238E27FC236}">
+                <a16:creationId xmlns:a16="http://schemas.microsoft.com/office/drawing/2014/main" id="{705C8A79-1AD0-C869-7315-3B9674E2C209}"/>
+              </a:ext>
+            </a:extLst>
+          </p:cNvPr>
+          <p:cNvSpPr txBox="1"/>
+          <p:nvPr/>
+        </p:nvSpPr>
+        <p:spPr>
+          <a:xfrm>
+            <a:off x="4517409" y="4531056"/>
+            <a:ext cx="859809" cy="523220"/>
+          </a:xfrm>
+          <a:prstGeom prst="rect">
+            <a:avLst/>
+          </a:prstGeom>
+          <a:noFill/>
+        </p:spPr>
+        <p:txBody>
+          <a:bodyPr wrap="square" rtlCol="0">
+            <a:spAutoFit/>
+          </a:bodyPr>
+          <a:lstStyle/>
+          <a:p>
+            <a:r>
+              <a:rPr lang="en-US" sz="2800" dirty="0">
+                <a:solidFill>
+                  <a:srgbClr val="FF0000"/>
+                </a:solidFill>
+              </a:rPr>
+              <a:t>0-5</a:t>
+            </a:r>
+          </a:p>
+        </p:txBody>
+      </p:sp>
+      <p:graphicFrame>
+        <p:nvGraphicFramePr>
+          <p:cNvPr id="11" name="Table 11">
+            <a:extLst>
+              <a:ext uri="{FF2B5EF4-FFF2-40B4-BE49-F238E27FC236}">
+                <a16:creationId xmlns:a16="http://schemas.microsoft.com/office/drawing/2014/main" id="{20F61936-8712-75AF-6653-22E72BAB5A45}"/>
+              </a:ext>
+            </a:extLst>
+          </p:cNvPr>
+          <p:cNvGraphicFramePr>
+            <a:graphicFrameLocks noGrp="1"/>
+          </p:cNvGraphicFramePr>
+          <p:nvPr>
+            <p:extLst>
+              <p:ext uri="{D42A27DB-BD31-4B8C-83A1-F6EECF244321}">
+                <p14:modId xmlns:p14="http://schemas.microsoft.com/office/powerpoint/2010/main" val="143674491"/>
+              </p:ext>
+            </p:extLst>
+          </p:nvPr>
+        </p:nvGraphicFramePr>
+        <p:xfrm>
+          <a:off x="7260609" y="1640205"/>
+          <a:ext cx="2210937" cy="2225040"/>
+        </p:xfrm>
+        <a:graphic>
+          <a:graphicData uri="http://schemas.openxmlformats.org/drawingml/2006/table">
+            <a:tbl>
+              <a:tblPr firstRow="1" bandRow="1">
+                <a:tableStyleId>{21E4AEA4-8DFA-4A89-87EB-49C32662AFE0}</a:tableStyleId>
+              </a:tblPr>
+              <a:tblGrid>
+                <a:gridCol w="573206">
+                  <a:extLst>
+                    <a:ext uri="{9D8B030D-6E8A-4147-A177-3AD203B41FA5}">
+                      <a16:colId xmlns:a16="http://schemas.microsoft.com/office/drawing/2014/main" val="978587616"/>
+                    </a:ext>
+                  </a:extLst>
+                </a:gridCol>
+                <a:gridCol w="1637731">
+                  <a:extLst>
+                    <a:ext uri="{9D8B030D-6E8A-4147-A177-3AD203B41FA5}">
+                      <a16:colId xmlns:a16="http://schemas.microsoft.com/office/drawing/2014/main" val="1417433153"/>
+                    </a:ext>
+                  </a:extLst>
+                </a:gridCol>
+              </a:tblGrid>
+              <a:tr h="370840">
+                <a:tc>
+                  <a:txBody>
+                    <a:bodyPr/>
+                    <a:lstStyle/>
+                    <a:p>
+                      <a:pPr algn="ctr"/>
+                      <a:r>
+                        <a:rPr lang="en-US" dirty="0"/>
+                        <a:t>0</a:t>
+                      </a:r>
+                    </a:p>
+                  </a:txBody>
+                  <a:tcPr/>
+                </a:tc>
+                <a:tc>
+                  <a:txBody>
+                    <a:bodyPr/>
+                    <a:lstStyle/>
+                    <a:p>
+                      <a:pPr algn="l"/>
+                      <a:r>
+                        <a:rPr lang="en-US" dirty="0"/>
+                        <a:t>0px</a:t>
+                      </a:r>
+                    </a:p>
+                  </a:txBody>
+                  <a:tcPr/>
+                </a:tc>
+                <a:extLst>
+                  <a:ext uri="{0D108BD9-81ED-4DB2-BD59-A6C34878D82A}">
+                    <a16:rowId xmlns:a16="http://schemas.microsoft.com/office/drawing/2014/main" val="1718502790"/>
+                  </a:ext>
+                </a:extLst>
+              </a:tr>
+              <a:tr h="370840">
+                <a:tc>
+                  <a:txBody>
+                    <a:bodyPr/>
+                    <a:lstStyle/>
+                    <a:p>
+                      <a:pPr algn="ctr"/>
+                      <a:r>
+                        <a:rPr lang="en-US" dirty="0"/>
+                        <a:t>1</a:t>
+                      </a:r>
+                    </a:p>
+                  </a:txBody>
+                  <a:tcPr/>
+                </a:tc>
+                <a:tc>
+                  <a:txBody>
+                    <a:bodyPr/>
+                    <a:lstStyle/>
+                    <a:p>
+                      <a:pPr algn="l"/>
+                      <a:r>
+                        <a:rPr lang="en-US" dirty="0"/>
+                        <a:t>0.25 rem</a:t>
+                      </a:r>
+                    </a:p>
+                  </a:txBody>
+                  <a:tcPr/>
+                </a:tc>
+                <a:extLst>
+                  <a:ext uri="{0D108BD9-81ED-4DB2-BD59-A6C34878D82A}">
+                    <a16:rowId xmlns:a16="http://schemas.microsoft.com/office/drawing/2014/main" val="2582760864"/>
+                  </a:ext>
+                </a:extLst>
+              </a:tr>
+              <a:tr h="370840">
+                <a:tc>
+                  <a:txBody>
+                    <a:bodyPr/>
+                    <a:lstStyle/>
+                    <a:p>
+                      <a:pPr algn="ctr"/>
+                      <a:r>
+                        <a:rPr lang="en-US" dirty="0"/>
+                        <a:t>2</a:t>
+                      </a:r>
+                    </a:p>
+                  </a:txBody>
+                  <a:tcPr/>
+                </a:tc>
+                <a:tc>
+                  <a:txBody>
+                    <a:bodyPr/>
+                    <a:lstStyle/>
+                    <a:p>
+                      <a:pPr algn="l"/>
+                      <a:r>
+                        <a:rPr lang="en-US" dirty="0"/>
+                        <a:t>0.50 rem</a:t>
+                      </a:r>
+                    </a:p>
+                  </a:txBody>
+                  <a:tcPr/>
+                </a:tc>
+                <a:extLst>
+                  <a:ext uri="{0D108BD9-81ED-4DB2-BD59-A6C34878D82A}">
+                    <a16:rowId xmlns:a16="http://schemas.microsoft.com/office/drawing/2014/main" val="313059179"/>
+                  </a:ext>
+                </a:extLst>
+              </a:tr>
+              <a:tr h="370840">
+                <a:tc>
+                  <a:txBody>
+                    <a:bodyPr/>
+                    <a:lstStyle/>
+                    <a:p>
+                      <a:pPr algn="ctr"/>
+                      <a:r>
+                        <a:rPr lang="en-US" dirty="0"/>
+                        <a:t>3</a:t>
+                      </a:r>
+                    </a:p>
+                  </a:txBody>
+                  <a:tcPr/>
+                </a:tc>
+                <a:tc>
+                  <a:txBody>
+                    <a:bodyPr/>
+                    <a:lstStyle/>
+                    <a:p>
+                      <a:pPr algn="l"/>
+                      <a:r>
+                        <a:rPr lang="en-US" dirty="0"/>
+                        <a:t>1 rem</a:t>
+                      </a:r>
+                    </a:p>
+                  </a:txBody>
+                  <a:tcPr/>
+                </a:tc>
+                <a:extLst>
+                  <a:ext uri="{0D108BD9-81ED-4DB2-BD59-A6C34878D82A}">
+                    <a16:rowId xmlns:a16="http://schemas.microsoft.com/office/drawing/2014/main" val="1250447597"/>
+                  </a:ext>
+                </a:extLst>
+              </a:tr>
+              <a:tr h="370840">
+                <a:tc>
+                  <a:txBody>
+                    <a:bodyPr/>
+                    <a:lstStyle/>
+                    <a:p>
+                      <a:pPr algn="ctr"/>
+                      <a:r>
+                        <a:rPr lang="en-US" dirty="0"/>
+                        <a:t>4</a:t>
+                      </a:r>
+                    </a:p>
+                  </a:txBody>
+                  <a:tcPr/>
+                </a:tc>
+                <a:tc>
+                  <a:txBody>
+                    <a:bodyPr/>
+                    <a:lstStyle/>
+                    <a:p>
+                      <a:pPr algn="l"/>
+                      <a:r>
+                        <a:rPr lang="en-US" dirty="0"/>
+                        <a:t>1.5 rem</a:t>
+                      </a:r>
+                    </a:p>
+                  </a:txBody>
+                  <a:tcPr/>
+                </a:tc>
+                <a:extLst>
+                  <a:ext uri="{0D108BD9-81ED-4DB2-BD59-A6C34878D82A}">
+                    <a16:rowId xmlns:a16="http://schemas.microsoft.com/office/drawing/2014/main" val="4285543082"/>
+                  </a:ext>
+                </a:extLst>
+              </a:tr>
+              <a:tr h="370840">
+                <a:tc>
+                  <a:txBody>
+                    <a:bodyPr/>
+                    <a:lstStyle/>
+                    <a:p>
+                      <a:pPr algn="ctr"/>
+                      <a:r>
+                        <a:rPr lang="en-US" dirty="0"/>
+                        <a:t>5</a:t>
+                      </a:r>
+                    </a:p>
+                  </a:txBody>
+                  <a:tcPr/>
+                </a:tc>
+                <a:tc>
+                  <a:txBody>
+                    <a:bodyPr/>
+                    <a:lstStyle/>
+                    <a:p>
+                      <a:pPr algn="l"/>
+                      <a:r>
+                        <a:rPr lang="en-US" dirty="0"/>
+                        <a:t>3 rem</a:t>
+                      </a:r>
+                    </a:p>
+                  </a:txBody>
+                  <a:tcPr/>
+                </a:tc>
+                <a:extLst>
+                  <a:ext uri="{0D108BD9-81ED-4DB2-BD59-A6C34878D82A}">
+                    <a16:rowId xmlns:a16="http://schemas.microsoft.com/office/drawing/2014/main" val="2587640678"/>
+                  </a:ext>
+                </a:extLst>
+              </a:tr>
+            </a:tbl>
+          </a:graphicData>
+        </a:graphic>
+      </p:graphicFrame>
+    </p:spTree>
+    <p:extLst>
+      <p:ext uri="{BB962C8B-B14F-4D97-AF65-F5344CB8AC3E}">
+        <p14:creationId xmlns:p14="http://schemas.microsoft.com/office/powerpoint/2010/main" val="125963783"/>
       </p:ext>
     </p:extLst>
   </p:cSld>
@@ -12594,6 +14332,707 @@
     <p:extLst>
       <p:ext uri="{BB962C8B-B14F-4D97-AF65-F5344CB8AC3E}">
         <p14:creationId xmlns:p14="http://schemas.microsoft.com/office/powerpoint/2010/main" val="2675685337"/>
+      </p:ext>
+    </p:extLst>
+  </p:cSld>
+  <p:clrMapOvr>
+    <a:masterClrMapping/>
+  </p:clrMapOvr>
+</p:sld>
+</file>
+
+<file path=ppt/slides/slide30.xml><?xml version="1.0" encoding="utf-8"?>
+<p:sld xmlns:a="http://schemas.openxmlformats.org/drawingml/2006/main" xmlns:r="http://schemas.openxmlformats.org/officeDocument/2006/relationships" xmlns:p="http://schemas.openxmlformats.org/presentationml/2006/main">
+  <p:cSld>
+    <p:spTree>
+      <p:nvGrpSpPr>
+        <p:cNvPr id="1" name=""/>
+        <p:cNvGrpSpPr/>
+        <p:nvPr/>
+      </p:nvGrpSpPr>
+      <p:grpSpPr>
+        <a:xfrm>
+          <a:off x="0" y="0"/>
+          <a:ext cx="0" cy="0"/>
+          <a:chOff x="0" y="0"/>
+          <a:chExt cx="0" cy="0"/>
+        </a:xfrm>
+      </p:grpSpPr>
+      <p:sp>
+        <p:nvSpPr>
+          <p:cNvPr id="2" name="Title 1">
+            <a:extLst>
+              <a:ext uri="{FF2B5EF4-FFF2-40B4-BE49-F238E27FC236}">
+                <a16:creationId xmlns:a16="http://schemas.microsoft.com/office/drawing/2014/main" id="{9D25BA56-53A8-B590-227D-A7C779481902}"/>
+              </a:ext>
+            </a:extLst>
+          </p:cNvPr>
+          <p:cNvSpPr>
+            <a:spLocks noGrp="1"/>
+          </p:cNvSpPr>
+          <p:nvPr>
+            <p:ph type="title"/>
+          </p:nvPr>
+        </p:nvSpPr>
+        <p:spPr/>
+        <p:txBody>
+          <a:bodyPr/>
+          <a:lstStyle/>
+          <a:p>
+            <a:r>
+              <a:rPr lang="en-US" dirty="0"/>
+              <a:t>Bootstrap - Padding</a:t>
+            </a:r>
+          </a:p>
+        </p:txBody>
+      </p:sp>
+      <p:sp>
+        <p:nvSpPr>
+          <p:cNvPr id="5" name="Rectangle 4">
+            <a:extLst>
+              <a:ext uri="{FF2B5EF4-FFF2-40B4-BE49-F238E27FC236}">
+                <a16:creationId xmlns:a16="http://schemas.microsoft.com/office/drawing/2014/main" id="{311735F6-F455-F985-D1A3-D482F9DFF8BB}"/>
+              </a:ext>
+            </a:extLst>
+          </p:cNvPr>
+          <p:cNvSpPr/>
+          <p:nvPr/>
+        </p:nvSpPr>
+        <p:spPr>
+          <a:xfrm>
+            <a:off x="630072" y="1858691"/>
+            <a:ext cx="11341290" cy="584258"/>
+          </a:xfrm>
+          <a:prstGeom prst="rect">
+            <a:avLst/>
+          </a:prstGeom>
+          <a:noFill/>
+        </p:spPr>
+        <p:style>
+          <a:lnRef idx="2">
+            <a:schemeClr val="accent1">
+              <a:shade val="50000"/>
+            </a:schemeClr>
+          </a:lnRef>
+          <a:fillRef idx="1">
+            <a:schemeClr val="accent1"/>
+          </a:fillRef>
+          <a:effectRef idx="0">
+            <a:schemeClr val="accent1"/>
+          </a:effectRef>
+          <a:fontRef idx="minor">
+            <a:schemeClr val="lt1"/>
+          </a:fontRef>
+        </p:style>
+        <p:txBody>
+          <a:bodyPr rtlCol="0" anchor="ctr"/>
+          <a:lstStyle/>
+          <a:p>
+            <a:pPr algn="ctr"/>
+            <a:endParaRPr lang="en-US"/>
+          </a:p>
+        </p:txBody>
+      </p:sp>
+      <p:sp>
+        <p:nvSpPr>
+          <p:cNvPr id="6" name="Rectangle 5">
+            <a:extLst>
+              <a:ext uri="{FF2B5EF4-FFF2-40B4-BE49-F238E27FC236}">
+                <a16:creationId xmlns:a16="http://schemas.microsoft.com/office/drawing/2014/main" id="{A348934F-B623-CB25-8A41-A6179AD33ED4}"/>
+              </a:ext>
+            </a:extLst>
+          </p:cNvPr>
+          <p:cNvSpPr/>
+          <p:nvPr/>
+        </p:nvSpPr>
+        <p:spPr>
+          <a:xfrm>
+            <a:off x="630072" y="1855325"/>
+            <a:ext cx="2317844" cy="584258"/>
+          </a:xfrm>
+          <a:prstGeom prst="rect">
+            <a:avLst/>
+          </a:prstGeom>
+          <a:solidFill>
+            <a:srgbClr val="FFFF00"/>
+          </a:solidFill>
+        </p:spPr>
+        <p:style>
+          <a:lnRef idx="2">
+            <a:schemeClr val="accent1">
+              <a:shade val="50000"/>
+            </a:schemeClr>
+          </a:lnRef>
+          <a:fillRef idx="1">
+            <a:schemeClr val="accent1"/>
+          </a:fillRef>
+          <a:effectRef idx="0">
+            <a:schemeClr val="accent1"/>
+          </a:effectRef>
+          <a:fontRef idx="minor">
+            <a:schemeClr val="lt1"/>
+          </a:fontRef>
+        </p:style>
+        <p:txBody>
+          <a:bodyPr rtlCol="0" anchor="ctr"/>
+          <a:lstStyle/>
+          <a:p>
+            <a:pPr algn="ctr"/>
+            <a:r>
+              <a:rPr lang="en-US" dirty="0">
+                <a:ln w="0"/>
+                <a:solidFill>
+                  <a:schemeClr val="tx1"/>
+                </a:solidFill>
+                <a:effectLst>
+                  <a:outerShdw blurRad="38100" dist="19050" dir="2700000" algn="tl" rotWithShape="0">
+                    <a:schemeClr val="dk1">
+                      <a:alpha val="40000"/>
+                    </a:schemeClr>
+                  </a:outerShdw>
+                </a:effectLst>
+              </a:rPr>
+              <a:t>.col-md-4</a:t>
+            </a:r>
+          </a:p>
+        </p:txBody>
+      </p:sp>
+      <p:sp>
+        <p:nvSpPr>
+          <p:cNvPr id="8" name="Rectangle 7">
+            <a:extLst>
+              <a:ext uri="{FF2B5EF4-FFF2-40B4-BE49-F238E27FC236}">
+                <a16:creationId xmlns:a16="http://schemas.microsoft.com/office/drawing/2014/main" id="{E056D3B7-CD87-C5A5-C724-B7F421244CA4}"/>
+              </a:ext>
+            </a:extLst>
+          </p:cNvPr>
+          <p:cNvSpPr/>
+          <p:nvPr/>
+        </p:nvSpPr>
+        <p:spPr>
+          <a:xfrm>
+            <a:off x="630072" y="3429000"/>
+            <a:ext cx="11341290" cy="986052"/>
+          </a:xfrm>
+          <a:prstGeom prst="rect">
+            <a:avLst/>
+          </a:prstGeom>
+          <a:noFill/>
+        </p:spPr>
+        <p:style>
+          <a:lnRef idx="2">
+            <a:schemeClr val="accent1">
+              <a:shade val="50000"/>
+            </a:schemeClr>
+          </a:lnRef>
+          <a:fillRef idx="1">
+            <a:schemeClr val="accent1"/>
+          </a:fillRef>
+          <a:effectRef idx="0">
+            <a:schemeClr val="accent1"/>
+          </a:effectRef>
+          <a:fontRef idx="minor">
+            <a:schemeClr val="lt1"/>
+          </a:fontRef>
+        </p:style>
+        <p:txBody>
+          <a:bodyPr rtlCol="0" anchor="ctr"/>
+          <a:lstStyle/>
+          <a:p>
+            <a:pPr algn="ctr"/>
+            <a:endParaRPr lang="en-US"/>
+          </a:p>
+        </p:txBody>
+      </p:sp>
+      <p:sp>
+        <p:nvSpPr>
+          <p:cNvPr id="9" name="Rectangle 8">
+            <a:extLst>
+              <a:ext uri="{FF2B5EF4-FFF2-40B4-BE49-F238E27FC236}">
+                <a16:creationId xmlns:a16="http://schemas.microsoft.com/office/drawing/2014/main" id="{AAC966E8-2089-C2F4-6AC8-CEFE5562D1F5}"/>
+              </a:ext>
+            </a:extLst>
+          </p:cNvPr>
+          <p:cNvSpPr/>
+          <p:nvPr/>
+        </p:nvSpPr>
+        <p:spPr>
+          <a:xfrm>
+            <a:off x="630072" y="3425634"/>
+            <a:ext cx="2317844" cy="986052"/>
+          </a:xfrm>
+          <a:prstGeom prst="rect">
+            <a:avLst/>
+          </a:prstGeom>
+          <a:solidFill>
+            <a:srgbClr val="FFFF00"/>
+          </a:solidFill>
+        </p:spPr>
+        <p:style>
+          <a:lnRef idx="2">
+            <a:schemeClr val="accent1">
+              <a:shade val="50000"/>
+            </a:schemeClr>
+          </a:lnRef>
+          <a:fillRef idx="1">
+            <a:schemeClr val="accent1"/>
+          </a:fillRef>
+          <a:effectRef idx="0">
+            <a:schemeClr val="accent1"/>
+          </a:effectRef>
+          <a:fontRef idx="minor">
+            <a:schemeClr val="lt1"/>
+          </a:fontRef>
+        </p:style>
+        <p:txBody>
+          <a:bodyPr rtlCol="0" anchor="ctr"/>
+          <a:lstStyle/>
+          <a:p>
+            <a:pPr algn="ctr"/>
+            <a:r>
+              <a:rPr lang="en-US" dirty="0">
+                <a:ln w="0"/>
+                <a:solidFill>
+                  <a:schemeClr val="tx1"/>
+                </a:solidFill>
+                <a:effectLst>
+                  <a:outerShdw blurRad="38100" dist="19050" dir="2700000" algn="tl" rotWithShape="0">
+                    <a:schemeClr val="dk1">
+                      <a:alpha val="40000"/>
+                    </a:schemeClr>
+                  </a:outerShdw>
+                </a:effectLst>
+              </a:rPr>
+              <a:t>.col-md-4</a:t>
+            </a:r>
+          </a:p>
+        </p:txBody>
+      </p:sp>
+    </p:spTree>
+    <p:extLst>
+      <p:ext uri="{BB962C8B-B14F-4D97-AF65-F5344CB8AC3E}">
+        <p14:creationId xmlns:p14="http://schemas.microsoft.com/office/powerpoint/2010/main" val="272981807"/>
+      </p:ext>
+    </p:extLst>
+  </p:cSld>
+  <p:clrMapOvr>
+    <a:masterClrMapping/>
+  </p:clrMapOvr>
+</p:sld>
+</file>
+
+<file path=ppt/slides/slide31.xml><?xml version="1.0" encoding="utf-8"?>
+<p:sld xmlns:a="http://schemas.openxmlformats.org/drawingml/2006/main" xmlns:r="http://schemas.openxmlformats.org/officeDocument/2006/relationships" xmlns:p="http://schemas.openxmlformats.org/presentationml/2006/main">
+  <p:cSld>
+    <p:spTree>
+      <p:nvGrpSpPr>
+        <p:cNvPr id="1" name=""/>
+        <p:cNvGrpSpPr/>
+        <p:nvPr/>
+      </p:nvGrpSpPr>
+      <p:grpSpPr>
+        <a:xfrm>
+          <a:off x="0" y="0"/>
+          <a:ext cx="0" cy="0"/>
+          <a:chOff x="0" y="0"/>
+          <a:chExt cx="0" cy="0"/>
+        </a:xfrm>
+      </p:grpSpPr>
+      <p:sp>
+        <p:nvSpPr>
+          <p:cNvPr id="2" name="Title 1">
+            <a:extLst>
+              <a:ext uri="{FF2B5EF4-FFF2-40B4-BE49-F238E27FC236}">
+                <a16:creationId xmlns:a16="http://schemas.microsoft.com/office/drawing/2014/main" id="{7A6EEEC2-EF1D-BA81-B960-A1FF862EB30E}"/>
+              </a:ext>
+            </a:extLst>
+          </p:cNvPr>
+          <p:cNvSpPr>
+            <a:spLocks noGrp="1"/>
+          </p:cNvSpPr>
+          <p:nvPr>
+            <p:ph type="title"/>
+          </p:nvPr>
+        </p:nvSpPr>
+        <p:spPr>
+          <a:xfrm>
+            <a:off x="592541" y="128463"/>
+            <a:ext cx="10515600" cy="1325563"/>
+          </a:xfrm>
+        </p:spPr>
+        <p:txBody>
+          <a:bodyPr/>
+          <a:lstStyle/>
+          <a:p>
+            <a:r>
+              <a:rPr lang="en-US" dirty="0"/>
+              <a:t>Margin Auto Classes for different Sides</a:t>
+            </a:r>
+          </a:p>
+        </p:txBody>
+      </p:sp>
+      <p:sp>
+        <p:nvSpPr>
+          <p:cNvPr id="3" name="Content Placeholder 2">
+            <a:extLst>
+              <a:ext uri="{FF2B5EF4-FFF2-40B4-BE49-F238E27FC236}">
+                <a16:creationId xmlns:a16="http://schemas.microsoft.com/office/drawing/2014/main" id="{C35D63F5-B1C8-75F5-1DC2-98A935E69545}"/>
+              </a:ext>
+            </a:extLst>
+          </p:cNvPr>
+          <p:cNvSpPr>
+            <a:spLocks noGrp="1"/>
+          </p:cNvSpPr>
+          <p:nvPr>
+            <p:ph idx="1"/>
+          </p:nvPr>
+        </p:nvSpPr>
+        <p:spPr>
+          <a:xfrm>
+            <a:off x="838200" y="1825625"/>
+            <a:ext cx="4825622" cy="2787318"/>
+          </a:xfrm>
+        </p:spPr>
+        <p:txBody>
+          <a:bodyPr/>
+          <a:lstStyle/>
+          <a:p>
+            <a:r>
+              <a:rPr lang="en-US" dirty="0"/>
+              <a:t>Padding			.p-*</a:t>
+            </a:r>
+          </a:p>
+          <a:p>
+            <a:r>
+              <a:rPr lang="en-US" dirty="0"/>
+              <a:t>Padding-right		.pr-*</a:t>
+            </a:r>
+          </a:p>
+          <a:p>
+            <a:r>
+              <a:rPr lang="en-US" dirty="0"/>
+              <a:t>Padding-left		.pl-*</a:t>
+            </a:r>
+          </a:p>
+          <a:p>
+            <a:r>
+              <a:rPr lang="en-US" dirty="0"/>
+              <a:t>Padding-top		.</a:t>
+            </a:r>
+            <a:r>
+              <a:rPr lang="en-US" dirty="0" err="1"/>
+              <a:t>pt</a:t>
+            </a:r>
+            <a:r>
+              <a:rPr lang="en-US" dirty="0"/>
+              <a:t>-*</a:t>
+            </a:r>
+          </a:p>
+          <a:p>
+            <a:r>
+              <a:rPr lang="en-US" dirty="0"/>
+              <a:t>Padding-bottom		.pb-*</a:t>
+            </a:r>
+          </a:p>
+        </p:txBody>
+      </p:sp>
+      <p:sp>
+        <p:nvSpPr>
+          <p:cNvPr id="10" name="TextBox 9">
+            <a:extLst>
+              <a:ext uri="{FF2B5EF4-FFF2-40B4-BE49-F238E27FC236}">
+                <a16:creationId xmlns:a16="http://schemas.microsoft.com/office/drawing/2014/main" id="{705C8A79-1AD0-C869-7315-3B9674E2C209}"/>
+              </a:ext>
+            </a:extLst>
+          </p:cNvPr>
+          <p:cNvSpPr txBox="1"/>
+          <p:nvPr/>
+        </p:nvSpPr>
+        <p:spPr>
+          <a:xfrm>
+            <a:off x="4517409" y="4531056"/>
+            <a:ext cx="859809" cy="523220"/>
+          </a:xfrm>
+          <a:prstGeom prst="rect">
+            <a:avLst/>
+          </a:prstGeom>
+          <a:noFill/>
+        </p:spPr>
+        <p:txBody>
+          <a:bodyPr wrap="square" rtlCol="0">
+            <a:spAutoFit/>
+          </a:bodyPr>
+          <a:lstStyle/>
+          <a:p>
+            <a:r>
+              <a:rPr lang="en-US" sz="2800" dirty="0">
+                <a:solidFill>
+                  <a:srgbClr val="FF0000"/>
+                </a:solidFill>
+              </a:rPr>
+              <a:t>0-5</a:t>
+            </a:r>
+          </a:p>
+        </p:txBody>
+      </p:sp>
+      <p:graphicFrame>
+        <p:nvGraphicFramePr>
+          <p:cNvPr id="11" name="Table 11">
+            <a:extLst>
+              <a:ext uri="{FF2B5EF4-FFF2-40B4-BE49-F238E27FC236}">
+                <a16:creationId xmlns:a16="http://schemas.microsoft.com/office/drawing/2014/main" id="{20F61936-8712-75AF-6653-22E72BAB5A45}"/>
+              </a:ext>
+            </a:extLst>
+          </p:cNvPr>
+          <p:cNvGraphicFramePr>
+            <a:graphicFrameLocks noGrp="1"/>
+          </p:cNvGraphicFramePr>
+          <p:nvPr/>
+        </p:nvGraphicFramePr>
+        <p:xfrm>
+          <a:off x="7260609" y="1640205"/>
+          <a:ext cx="2210937" cy="2225040"/>
+        </p:xfrm>
+        <a:graphic>
+          <a:graphicData uri="http://schemas.openxmlformats.org/drawingml/2006/table">
+            <a:tbl>
+              <a:tblPr firstRow="1" bandRow="1">
+                <a:tableStyleId>{21E4AEA4-8DFA-4A89-87EB-49C32662AFE0}</a:tableStyleId>
+              </a:tblPr>
+              <a:tblGrid>
+                <a:gridCol w="573206">
+                  <a:extLst>
+                    <a:ext uri="{9D8B030D-6E8A-4147-A177-3AD203B41FA5}">
+                      <a16:colId xmlns:a16="http://schemas.microsoft.com/office/drawing/2014/main" val="978587616"/>
+                    </a:ext>
+                  </a:extLst>
+                </a:gridCol>
+                <a:gridCol w="1637731">
+                  <a:extLst>
+                    <a:ext uri="{9D8B030D-6E8A-4147-A177-3AD203B41FA5}">
+                      <a16:colId xmlns:a16="http://schemas.microsoft.com/office/drawing/2014/main" val="1417433153"/>
+                    </a:ext>
+                  </a:extLst>
+                </a:gridCol>
+              </a:tblGrid>
+              <a:tr h="370840">
+                <a:tc>
+                  <a:txBody>
+                    <a:bodyPr/>
+                    <a:lstStyle/>
+                    <a:p>
+                      <a:pPr algn="ctr"/>
+                      <a:r>
+                        <a:rPr lang="en-US" dirty="0"/>
+                        <a:t>0</a:t>
+                      </a:r>
+                    </a:p>
+                  </a:txBody>
+                  <a:tcPr/>
+                </a:tc>
+                <a:tc>
+                  <a:txBody>
+                    <a:bodyPr/>
+                    <a:lstStyle/>
+                    <a:p>
+                      <a:pPr algn="l"/>
+                      <a:r>
+                        <a:rPr lang="en-US" dirty="0"/>
+                        <a:t>0px</a:t>
+                      </a:r>
+                    </a:p>
+                  </a:txBody>
+                  <a:tcPr/>
+                </a:tc>
+                <a:extLst>
+                  <a:ext uri="{0D108BD9-81ED-4DB2-BD59-A6C34878D82A}">
+                    <a16:rowId xmlns:a16="http://schemas.microsoft.com/office/drawing/2014/main" val="1718502790"/>
+                  </a:ext>
+                </a:extLst>
+              </a:tr>
+              <a:tr h="370840">
+                <a:tc>
+                  <a:txBody>
+                    <a:bodyPr/>
+                    <a:lstStyle/>
+                    <a:p>
+                      <a:pPr algn="ctr"/>
+                      <a:r>
+                        <a:rPr lang="en-US" dirty="0"/>
+                        <a:t>1</a:t>
+                      </a:r>
+                    </a:p>
+                  </a:txBody>
+                  <a:tcPr/>
+                </a:tc>
+                <a:tc>
+                  <a:txBody>
+                    <a:bodyPr/>
+                    <a:lstStyle/>
+                    <a:p>
+                      <a:pPr algn="l"/>
+                      <a:r>
+                        <a:rPr lang="en-US" dirty="0"/>
+                        <a:t>0.25 rem</a:t>
+                      </a:r>
+                    </a:p>
+                  </a:txBody>
+                  <a:tcPr/>
+                </a:tc>
+                <a:extLst>
+                  <a:ext uri="{0D108BD9-81ED-4DB2-BD59-A6C34878D82A}">
+                    <a16:rowId xmlns:a16="http://schemas.microsoft.com/office/drawing/2014/main" val="2582760864"/>
+                  </a:ext>
+                </a:extLst>
+              </a:tr>
+              <a:tr h="370840">
+                <a:tc>
+                  <a:txBody>
+                    <a:bodyPr/>
+                    <a:lstStyle/>
+                    <a:p>
+                      <a:pPr algn="ctr"/>
+                      <a:r>
+                        <a:rPr lang="en-US" dirty="0"/>
+                        <a:t>2</a:t>
+                      </a:r>
+                    </a:p>
+                  </a:txBody>
+                  <a:tcPr/>
+                </a:tc>
+                <a:tc>
+                  <a:txBody>
+                    <a:bodyPr/>
+                    <a:lstStyle/>
+                    <a:p>
+                      <a:pPr algn="l"/>
+                      <a:r>
+                        <a:rPr lang="en-US" dirty="0"/>
+                        <a:t>0.50 rem</a:t>
+                      </a:r>
+                    </a:p>
+                  </a:txBody>
+                  <a:tcPr/>
+                </a:tc>
+                <a:extLst>
+                  <a:ext uri="{0D108BD9-81ED-4DB2-BD59-A6C34878D82A}">
+                    <a16:rowId xmlns:a16="http://schemas.microsoft.com/office/drawing/2014/main" val="313059179"/>
+                  </a:ext>
+                </a:extLst>
+              </a:tr>
+              <a:tr h="370840">
+                <a:tc>
+                  <a:txBody>
+                    <a:bodyPr/>
+                    <a:lstStyle/>
+                    <a:p>
+                      <a:pPr algn="ctr"/>
+                      <a:r>
+                        <a:rPr lang="en-US" dirty="0"/>
+                        <a:t>3</a:t>
+                      </a:r>
+                    </a:p>
+                  </a:txBody>
+                  <a:tcPr/>
+                </a:tc>
+                <a:tc>
+                  <a:txBody>
+                    <a:bodyPr/>
+                    <a:lstStyle/>
+                    <a:p>
+                      <a:pPr algn="l"/>
+                      <a:r>
+                        <a:rPr lang="en-US" dirty="0"/>
+                        <a:t>1 rem</a:t>
+                      </a:r>
+                    </a:p>
+                  </a:txBody>
+                  <a:tcPr/>
+                </a:tc>
+                <a:extLst>
+                  <a:ext uri="{0D108BD9-81ED-4DB2-BD59-A6C34878D82A}">
+                    <a16:rowId xmlns:a16="http://schemas.microsoft.com/office/drawing/2014/main" val="1250447597"/>
+                  </a:ext>
+                </a:extLst>
+              </a:tr>
+              <a:tr h="370840">
+                <a:tc>
+                  <a:txBody>
+                    <a:bodyPr/>
+                    <a:lstStyle/>
+                    <a:p>
+                      <a:pPr algn="ctr"/>
+                      <a:r>
+                        <a:rPr lang="en-US" dirty="0"/>
+                        <a:t>4</a:t>
+                      </a:r>
+                    </a:p>
+                  </a:txBody>
+                  <a:tcPr/>
+                </a:tc>
+                <a:tc>
+                  <a:txBody>
+                    <a:bodyPr/>
+                    <a:lstStyle/>
+                    <a:p>
+                      <a:pPr algn="l"/>
+                      <a:r>
+                        <a:rPr lang="en-US" dirty="0"/>
+                        <a:t>1.5 rem</a:t>
+                      </a:r>
+                    </a:p>
+                  </a:txBody>
+                  <a:tcPr/>
+                </a:tc>
+                <a:extLst>
+                  <a:ext uri="{0D108BD9-81ED-4DB2-BD59-A6C34878D82A}">
+                    <a16:rowId xmlns:a16="http://schemas.microsoft.com/office/drawing/2014/main" val="4285543082"/>
+                  </a:ext>
+                </a:extLst>
+              </a:tr>
+              <a:tr h="370840">
+                <a:tc>
+                  <a:txBody>
+                    <a:bodyPr/>
+                    <a:lstStyle/>
+                    <a:p>
+                      <a:pPr algn="ctr"/>
+                      <a:r>
+                        <a:rPr lang="en-US" dirty="0"/>
+                        <a:t>5</a:t>
+                      </a:r>
+                    </a:p>
+                  </a:txBody>
+                  <a:tcPr/>
+                </a:tc>
+                <a:tc>
+                  <a:txBody>
+                    <a:bodyPr/>
+                    <a:lstStyle/>
+                    <a:p>
+                      <a:pPr algn="l"/>
+                      <a:r>
+                        <a:rPr lang="en-US" dirty="0"/>
+                        <a:t>3 rem</a:t>
+                      </a:r>
+                    </a:p>
+                  </a:txBody>
+                  <a:tcPr/>
+                </a:tc>
+                <a:extLst>
+                  <a:ext uri="{0D108BD9-81ED-4DB2-BD59-A6C34878D82A}">
+                    <a16:rowId xmlns:a16="http://schemas.microsoft.com/office/drawing/2014/main" val="2587640678"/>
+                  </a:ext>
+                </a:extLst>
+              </a:tr>
+            </a:tbl>
+          </a:graphicData>
+        </a:graphic>
+      </p:graphicFrame>
+    </p:spTree>
+    <p:extLst>
+      <p:ext uri="{BB962C8B-B14F-4D97-AF65-F5344CB8AC3E}">
+        <p14:creationId xmlns:p14="http://schemas.microsoft.com/office/powerpoint/2010/main" val="280850671"/>
       </p:ext>
     </p:extLst>
   </p:cSld>
